--- a/Class-1/Python For Everyone.pptx
+++ b/Class-1/Python For Everyone.pptx
@@ -2,7 +2,7 @@
 <file path=ppt/presentation.xml><?xml version="1.0" encoding="utf-8"?>
 <p:presentation xmlns:a="http://schemas.openxmlformats.org/drawingml/2006/main" xmlns:r="http://schemas.openxmlformats.org/officeDocument/2006/relationships" xmlns:p="http://schemas.openxmlformats.org/presentationml/2006/main" saveSubsetFonts="1">
   <p:sldMasterIdLst>
-    <p:sldMasterId id="2147483648" r:id="rId1"/>
+    <p:sldMasterId id="2147483660" r:id="rId1"/>
   </p:sldMasterIdLst>
   <p:sldIdLst>
     <p:sldId id="256" r:id="rId2"/>
@@ -28,7 +28,7 @@
     <a:defPPr>
       <a:defRPr lang="en-US"/>
     </a:defPPr>
-    <a:lvl1pPr marL="0" algn="l" defTabSz="914400" rtl="0" eaLnBrk="1" latinLnBrk="0" hangingPunct="1">
+    <a:lvl1pPr marL="0" algn="l" defTabSz="457200" rtl="0" eaLnBrk="1" latinLnBrk="0" hangingPunct="1">
       <a:defRPr sz="1800" kern="1200">
         <a:solidFill>
           <a:schemeClr val="tx1"/>
@@ -38,7 +38,7 @@
         <a:cs typeface="+mn-cs"/>
       </a:defRPr>
     </a:lvl1pPr>
-    <a:lvl2pPr marL="457200" algn="l" defTabSz="914400" rtl="0" eaLnBrk="1" latinLnBrk="0" hangingPunct="1">
+    <a:lvl2pPr marL="457200" algn="l" defTabSz="457200" rtl="0" eaLnBrk="1" latinLnBrk="0" hangingPunct="1">
       <a:defRPr sz="1800" kern="1200">
         <a:solidFill>
           <a:schemeClr val="tx1"/>
@@ -48,7 +48,7 @@
         <a:cs typeface="+mn-cs"/>
       </a:defRPr>
     </a:lvl2pPr>
-    <a:lvl3pPr marL="914400" algn="l" defTabSz="914400" rtl="0" eaLnBrk="1" latinLnBrk="0" hangingPunct="1">
+    <a:lvl3pPr marL="914400" algn="l" defTabSz="457200" rtl="0" eaLnBrk="1" latinLnBrk="0" hangingPunct="1">
       <a:defRPr sz="1800" kern="1200">
         <a:solidFill>
           <a:schemeClr val="tx1"/>
@@ -58,7 +58,7 @@
         <a:cs typeface="+mn-cs"/>
       </a:defRPr>
     </a:lvl3pPr>
-    <a:lvl4pPr marL="1371600" algn="l" defTabSz="914400" rtl="0" eaLnBrk="1" latinLnBrk="0" hangingPunct="1">
+    <a:lvl4pPr marL="1371600" algn="l" defTabSz="457200" rtl="0" eaLnBrk="1" latinLnBrk="0" hangingPunct="1">
       <a:defRPr sz="1800" kern="1200">
         <a:solidFill>
           <a:schemeClr val="tx1"/>
@@ -68,7 +68,7 @@
         <a:cs typeface="+mn-cs"/>
       </a:defRPr>
     </a:lvl4pPr>
-    <a:lvl5pPr marL="1828800" algn="l" defTabSz="914400" rtl="0" eaLnBrk="1" latinLnBrk="0" hangingPunct="1">
+    <a:lvl5pPr marL="1828800" algn="l" defTabSz="457200" rtl="0" eaLnBrk="1" latinLnBrk="0" hangingPunct="1">
       <a:defRPr sz="1800" kern="1200">
         <a:solidFill>
           <a:schemeClr val="tx1"/>
@@ -78,7 +78,7 @@
         <a:cs typeface="+mn-cs"/>
       </a:defRPr>
     </a:lvl5pPr>
-    <a:lvl6pPr marL="2286000" algn="l" defTabSz="914400" rtl="0" eaLnBrk="1" latinLnBrk="0" hangingPunct="1">
+    <a:lvl6pPr marL="2286000" algn="l" defTabSz="457200" rtl="0" eaLnBrk="1" latinLnBrk="0" hangingPunct="1">
       <a:defRPr sz="1800" kern="1200">
         <a:solidFill>
           <a:schemeClr val="tx1"/>
@@ -88,7 +88,7 @@
         <a:cs typeface="+mn-cs"/>
       </a:defRPr>
     </a:lvl6pPr>
-    <a:lvl7pPr marL="2743200" algn="l" defTabSz="914400" rtl="0" eaLnBrk="1" latinLnBrk="0" hangingPunct="1">
+    <a:lvl7pPr marL="2743200" algn="l" defTabSz="457200" rtl="0" eaLnBrk="1" latinLnBrk="0" hangingPunct="1">
       <a:defRPr sz="1800" kern="1200">
         <a:solidFill>
           <a:schemeClr val="tx1"/>
@@ -98,7 +98,7 @@
         <a:cs typeface="+mn-cs"/>
       </a:defRPr>
     </a:lvl7pPr>
-    <a:lvl8pPr marL="3200400" algn="l" defTabSz="914400" rtl="0" eaLnBrk="1" latinLnBrk="0" hangingPunct="1">
+    <a:lvl8pPr marL="3200400" algn="l" defTabSz="457200" rtl="0" eaLnBrk="1" latinLnBrk="0" hangingPunct="1">
       <a:defRPr sz="1800" kern="1200">
         <a:solidFill>
           <a:schemeClr val="tx1"/>
@@ -108,7 +108,7 @@
         <a:cs typeface="+mn-cs"/>
       </a:defRPr>
     </a:lvl8pPr>
-    <a:lvl9pPr marL="3657600" algn="l" defTabSz="914400" rtl="0" eaLnBrk="1" latinLnBrk="0" hangingPunct="1">
+    <a:lvl9pPr marL="3657600" algn="l" defTabSz="457200" rtl="0" eaLnBrk="1" latinLnBrk="0" hangingPunct="1">
       <a:defRPr sz="1800" kern="1200">
         <a:solidFill>
           <a:schemeClr val="tx1"/>
@@ -144,32 +144,58 @@
           <a:chExt cx="0" cy="0"/>
         </a:xfrm>
       </p:grpSpPr>
-      <p:sp>
-        <p:nvSpPr>
-          <p:cNvPr id="2" name="Title 1">
+      <p:pic>
+        <p:nvPicPr>
+          <p:cNvPr id="7" name="Picture 6" descr="C0-HD-BTM.png"/>
+          <p:cNvPicPr>
+            <a:picLocks noChangeAspect="1"/>
+          </p:cNvPicPr>
+          <p:nvPr/>
+        </p:nvPicPr>
+        <p:blipFill>
+          <a:blip r:embed="rId2">
             <a:extLst>
-              <a:ext uri="{FF2B5EF4-FFF2-40B4-BE49-F238E27FC236}">
-                <a16:creationId xmlns:a16="http://schemas.microsoft.com/office/drawing/2014/main" id="{775A79B6-3B51-4D18-903C-7A03B92BEB1C}"/>
+              <a:ext uri="{28A0092B-C50C-407E-A947-70E740481C1C}">
+                <a14:useLocalDpi xmlns:a14="http://schemas.microsoft.com/office/drawing/2010/main" val="0"/>
               </a:ext>
             </a:extLst>
-          </p:cNvPr>
-          <p:cNvSpPr>
-            <a:spLocks noGrp="1"/>
-          </p:cNvSpPr>
-          <p:nvPr>
-            <p:ph type="ctrTitle"/>
-          </p:nvPr>
-        </p:nvSpPr>
+          </a:blip>
+          <a:stretch>
+            <a:fillRect/>
+          </a:stretch>
+        </p:blipFill>
         <p:spPr>
           <a:xfrm>
-            <a:off x="1524000" y="1122363"/>
-            <a:ext cx="9144000" cy="2387600"/>
+            <a:off x="0" y="4375150"/>
+            <a:ext cx="12192000" cy="2482850"/>
+          </a:xfrm>
+          <a:prstGeom prst="rect">
+            <a:avLst/>
+          </a:prstGeom>
+        </p:spPr>
+      </p:pic>
+      <p:sp>
+        <p:nvSpPr>
+          <p:cNvPr id="2" name="Title 1"/>
+          <p:cNvSpPr>
+            <a:spLocks noGrp="1"/>
+          </p:cNvSpPr>
+          <p:nvPr>
+            <p:ph type="ctrTitle"/>
+          </p:nvPr>
+        </p:nvSpPr>
+        <p:spPr>
+          <a:xfrm>
+            <a:off x="1371600" y="1803405"/>
+            <a:ext cx="9448800" cy="1825096"/>
           </a:xfrm>
         </p:spPr>
         <p:txBody>
-          <a:bodyPr anchor="b"/>
+          <a:bodyPr anchor="b">
+            <a:normAutofit/>
+          </a:bodyPr>
           <a:lstStyle>
-            <a:lvl1pPr algn="ctr">
+            <a:lvl1pPr algn="l">
               <a:defRPr sz="6000"/>
             </a:lvl1pPr>
           </a:lstStyle>
@@ -178,18 +204,13 @@
               <a:rPr lang="en-US"/>
               <a:t>Click to edit Master title style</a:t>
             </a:r>
-          </a:p>
-        </p:txBody>
-      </p:sp>
-      <p:sp>
-        <p:nvSpPr>
-          <p:cNvPr id="3" name="Subtitle 2">
-            <a:extLst>
-              <a:ext uri="{FF2B5EF4-FFF2-40B4-BE49-F238E27FC236}">
-                <a16:creationId xmlns:a16="http://schemas.microsoft.com/office/drawing/2014/main" id="{F3A1EE29-BECE-48A7-AB02-46C5BA471DD1}"/>
-              </a:ext>
-            </a:extLst>
-          </p:cNvPr>
+            <a:endParaRPr lang="en-US" dirty="0"/>
+          </a:p>
+        </p:txBody>
+      </p:sp>
+      <p:sp>
+        <p:nvSpPr>
+          <p:cNvPr id="3" name="Subtitle 2"/>
           <p:cNvSpPr>
             <a:spLocks noGrp="1"/>
           </p:cNvSpPr>
@@ -199,16 +220,18 @@
         </p:nvSpPr>
         <p:spPr>
           <a:xfrm>
-            <a:off x="1524000" y="3602038"/>
-            <a:ext cx="9144000" cy="1655762"/>
+            <a:off x="1371600" y="3632201"/>
+            <a:ext cx="9448800" cy="685800"/>
           </a:xfrm>
         </p:spPr>
         <p:txBody>
-          <a:bodyPr/>
+          <a:bodyPr>
+            <a:normAutofit/>
+          </a:bodyPr>
           <a:lstStyle>
-            <a:lvl1pPr marL="0" indent="0" algn="ctr">
-              <a:buNone/>
-              <a:defRPr sz="2400"/>
+            <a:lvl1pPr marL="0" indent="0" algn="l">
+              <a:buNone/>
+              <a:defRPr sz="2000"/>
             </a:lvl1pPr>
             <a:lvl2pPr marL="457200" indent="0" algn="ctr">
               <a:buNone/>
@@ -248,18 +271,13 @@
               <a:rPr lang="en-US"/>
               <a:t>Click to edit Master subtitle style</a:t>
             </a:r>
-          </a:p>
-        </p:txBody>
-      </p:sp>
-      <p:sp>
-        <p:nvSpPr>
-          <p:cNvPr id="4" name="Date Placeholder 3">
-            <a:extLst>
-              <a:ext uri="{FF2B5EF4-FFF2-40B4-BE49-F238E27FC236}">
-                <a16:creationId xmlns:a16="http://schemas.microsoft.com/office/drawing/2014/main" id="{9B7403DB-0700-45B3-B85E-DA1D53C91D71}"/>
-              </a:ext>
-            </a:extLst>
-          </p:cNvPr>
+            <a:endParaRPr lang="en-US" dirty="0"/>
+          </a:p>
+        </p:txBody>
+      </p:sp>
+      <p:sp>
+        <p:nvSpPr>
+          <p:cNvPr id="4" name="Date Placeholder 3"/>
           <p:cNvSpPr>
             <a:spLocks noGrp="1"/>
           </p:cNvSpPr>
@@ -267,14 +285,19 @@
             <p:ph type="dt" sz="half" idx="10"/>
           </p:nvPr>
         </p:nvSpPr>
-        <p:spPr/>
+        <p:spPr>
+          <a:xfrm>
+            <a:off x="7909561" y="4314328"/>
+            <a:ext cx="2910840" cy="374642"/>
+          </a:xfrm>
+        </p:spPr>
         <p:txBody>
           <a:bodyPr/>
           <a:lstStyle/>
           <a:p>
             <a:fld id="{3A8AB521-9182-4012-B86B-65B8484C7DE3}" type="datetimeFigureOut">
               <a:rPr lang="en-US" smtClean="0"/>
-              <a:t>9/11/2024</a:t>
+              <a:t>1/28/2025</a:t>
             </a:fld>
             <a:endParaRPr lang="en-US"/>
           </a:p>
@@ -282,13 +305,7 @@
       </p:sp>
       <p:sp>
         <p:nvSpPr>
-          <p:cNvPr id="5" name="Footer Placeholder 4">
-            <a:extLst>
-              <a:ext uri="{FF2B5EF4-FFF2-40B4-BE49-F238E27FC236}">
-                <a16:creationId xmlns:a16="http://schemas.microsoft.com/office/drawing/2014/main" id="{8EC10FEC-568F-4A9E-8F6B-D36AAE0FD70A}"/>
-              </a:ext>
-            </a:extLst>
-          </p:cNvPr>
+          <p:cNvPr id="5" name="Footer Placeholder 4"/>
           <p:cNvSpPr>
             <a:spLocks noGrp="1"/>
           </p:cNvSpPr>
@@ -296,7 +313,12 @@
             <p:ph type="ftr" sz="quarter" idx="11"/>
           </p:nvPr>
         </p:nvSpPr>
-        <p:spPr/>
+        <p:spPr>
+          <a:xfrm>
+            <a:off x="1371600" y="4323845"/>
+            <a:ext cx="6400800" cy="365125"/>
+          </a:xfrm>
+        </p:spPr>
         <p:txBody>
           <a:bodyPr/>
           <a:lstStyle/>
@@ -307,13 +329,7 @@
       </p:sp>
       <p:sp>
         <p:nvSpPr>
-          <p:cNvPr id="6" name="Slide Number Placeholder 5">
-            <a:extLst>
-              <a:ext uri="{FF2B5EF4-FFF2-40B4-BE49-F238E27FC236}">
-                <a16:creationId xmlns:a16="http://schemas.microsoft.com/office/drawing/2014/main" id="{EF9985F9-75DF-4324-98CB-00CE22274A08}"/>
-              </a:ext>
-            </a:extLst>
-          </p:cNvPr>
+          <p:cNvPr id="6" name="Slide Number Placeholder 5"/>
           <p:cNvSpPr>
             <a:spLocks noGrp="1"/>
           </p:cNvSpPr>
@@ -321,7 +337,12 @@
             <p:ph type="sldNum" sz="quarter" idx="12"/>
           </p:nvPr>
         </p:nvSpPr>
-        <p:spPr/>
+        <p:spPr>
+          <a:xfrm>
+            <a:off x="8077200" y="1430866"/>
+            <a:ext cx="2743200" cy="365125"/>
+          </a:xfrm>
+        </p:spPr>
         <p:txBody>
           <a:bodyPr/>
           <a:lstStyle/>
@@ -337,7 +358,7 @@
     </p:spTree>
     <p:extLst>
       <p:ext uri="{BB962C8B-B14F-4D97-AF65-F5344CB8AC3E}">
-        <p14:creationId xmlns:p14="http://schemas.microsoft.com/office/powerpoint/2010/main" val="2669167221"/>
+        <p14:creationId xmlns:p14="http://schemas.microsoft.com/office/powerpoint/2010/main" val="1059624436"/>
       </p:ext>
     </p:extLst>
   </p:cSld>
@@ -348,6 +369,2598 @@
 </file>
 
 <file path=ppt/slideLayouts/slideLayout10.xml><?xml version="1.0" encoding="utf-8"?>
+<p:sldLayout xmlns:a="http://schemas.openxmlformats.org/drawingml/2006/main" xmlns:r="http://schemas.openxmlformats.org/officeDocument/2006/relationships" xmlns:p="http://schemas.openxmlformats.org/presentationml/2006/main" preserve="1">
+  <p:cSld name="Panoramic Picture with Caption">
+    <p:spTree>
+      <p:nvGrpSpPr>
+        <p:cNvPr id="1" name=""/>
+        <p:cNvGrpSpPr/>
+        <p:nvPr/>
+      </p:nvGrpSpPr>
+      <p:grpSpPr>
+        <a:xfrm>
+          <a:off x="0" y="0"/>
+          <a:ext cx="0" cy="0"/>
+          <a:chOff x="0" y="0"/>
+          <a:chExt cx="0" cy="0"/>
+        </a:xfrm>
+      </p:grpSpPr>
+      <p:sp>
+        <p:nvSpPr>
+          <p:cNvPr id="2" name="Title 1"/>
+          <p:cNvSpPr>
+            <a:spLocks noGrp="1"/>
+          </p:cNvSpPr>
+          <p:nvPr>
+            <p:ph type="title"/>
+          </p:nvPr>
+        </p:nvSpPr>
+        <p:spPr>
+          <a:xfrm>
+            <a:off x="685777" y="4697360"/>
+            <a:ext cx="10822034" cy="819355"/>
+          </a:xfrm>
+        </p:spPr>
+        <p:txBody>
+          <a:bodyPr anchor="b"/>
+          <a:lstStyle>
+            <a:lvl1pPr algn="l">
+              <a:defRPr sz="3200"/>
+            </a:lvl1pPr>
+          </a:lstStyle>
+          <a:p>
+            <a:r>
+              <a:rPr lang="en-US"/>
+              <a:t>Click to edit Master title style</a:t>
+            </a:r>
+            <a:endParaRPr lang="en-US" dirty="0"/>
+          </a:p>
+        </p:txBody>
+      </p:sp>
+      <p:sp>
+        <p:nvSpPr>
+          <p:cNvPr id="3" name="Picture Placeholder 2"/>
+          <p:cNvSpPr>
+            <a:spLocks noGrp="1" noChangeAspect="1"/>
+          </p:cNvSpPr>
+          <p:nvPr>
+            <p:ph type="pic" idx="1"/>
+          </p:nvPr>
+        </p:nvSpPr>
+        <p:spPr>
+          <a:xfrm>
+            <a:off x="681727" y="941439"/>
+            <a:ext cx="10821840" cy="3478161"/>
+          </a:xfrm>
+        </p:spPr>
+        <p:txBody>
+          <a:bodyPr anchor="t"/>
+          <a:lstStyle>
+            <a:lvl1pPr marL="0" indent="0">
+              <a:buNone/>
+              <a:defRPr sz="3200"/>
+            </a:lvl1pPr>
+            <a:lvl2pPr marL="457200" indent="0">
+              <a:buNone/>
+              <a:defRPr sz="2800"/>
+            </a:lvl2pPr>
+            <a:lvl3pPr marL="914400" indent="0">
+              <a:buNone/>
+              <a:defRPr sz="2400"/>
+            </a:lvl3pPr>
+            <a:lvl4pPr marL="1371600" indent="0">
+              <a:buNone/>
+              <a:defRPr sz="2000"/>
+            </a:lvl4pPr>
+            <a:lvl5pPr marL="1828800" indent="0">
+              <a:buNone/>
+              <a:defRPr sz="2000"/>
+            </a:lvl5pPr>
+            <a:lvl6pPr marL="2286000" indent="0">
+              <a:buNone/>
+              <a:defRPr sz="2000"/>
+            </a:lvl6pPr>
+            <a:lvl7pPr marL="2743200" indent="0">
+              <a:buNone/>
+              <a:defRPr sz="2000"/>
+            </a:lvl7pPr>
+            <a:lvl8pPr marL="3200400" indent="0">
+              <a:buNone/>
+              <a:defRPr sz="2000"/>
+            </a:lvl8pPr>
+            <a:lvl9pPr marL="3657600" indent="0">
+              <a:buNone/>
+              <a:defRPr sz="2000"/>
+            </a:lvl9pPr>
+          </a:lstStyle>
+          <a:p>
+            <a:r>
+              <a:rPr lang="en-US"/>
+              <a:t>Click icon to add picture</a:t>
+            </a:r>
+            <a:endParaRPr lang="en-US" dirty="0"/>
+          </a:p>
+        </p:txBody>
+      </p:sp>
+      <p:sp>
+        <p:nvSpPr>
+          <p:cNvPr id="4" name="Text Placeholder 3"/>
+          <p:cNvSpPr>
+            <a:spLocks noGrp="1"/>
+          </p:cNvSpPr>
+          <p:nvPr>
+            <p:ph type="body" sz="half" idx="2"/>
+          </p:nvPr>
+        </p:nvSpPr>
+        <p:spPr>
+          <a:xfrm>
+            <a:off x="685800" y="5516715"/>
+            <a:ext cx="10820400" cy="701969"/>
+          </a:xfrm>
+        </p:spPr>
+        <p:txBody>
+          <a:bodyPr/>
+          <a:lstStyle>
+            <a:lvl1pPr marL="0" indent="0" algn="l">
+              <a:buNone/>
+              <a:defRPr sz="1600"/>
+            </a:lvl1pPr>
+            <a:lvl2pPr marL="457200" indent="0">
+              <a:buNone/>
+              <a:defRPr sz="1400"/>
+            </a:lvl2pPr>
+            <a:lvl3pPr marL="914400" indent="0">
+              <a:buNone/>
+              <a:defRPr sz="1200"/>
+            </a:lvl3pPr>
+            <a:lvl4pPr marL="1371600" indent="0">
+              <a:buNone/>
+              <a:defRPr sz="1000"/>
+            </a:lvl4pPr>
+            <a:lvl5pPr marL="1828800" indent="0">
+              <a:buNone/>
+              <a:defRPr sz="1000"/>
+            </a:lvl5pPr>
+            <a:lvl6pPr marL="2286000" indent="0">
+              <a:buNone/>
+              <a:defRPr sz="1000"/>
+            </a:lvl6pPr>
+            <a:lvl7pPr marL="2743200" indent="0">
+              <a:buNone/>
+              <a:defRPr sz="1000"/>
+            </a:lvl7pPr>
+            <a:lvl8pPr marL="3200400" indent="0">
+              <a:buNone/>
+              <a:defRPr sz="1000"/>
+            </a:lvl8pPr>
+            <a:lvl9pPr marL="3657600" indent="0">
+              <a:buNone/>
+              <a:defRPr sz="1000"/>
+            </a:lvl9pPr>
+          </a:lstStyle>
+          <a:p>
+            <a:pPr lvl="0"/>
+            <a:r>
+              <a:rPr lang="en-US"/>
+              <a:t>Click to edit Master text styles</a:t>
+            </a:r>
+          </a:p>
+        </p:txBody>
+      </p:sp>
+      <p:sp>
+        <p:nvSpPr>
+          <p:cNvPr id="5" name="Date Placeholder 4"/>
+          <p:cNvSpPr>
+            <a:spLocks noGrp="1"/>
+          </p:cNvSpPr>
+          <p:nvPr>
+            <p:ph type="dt" sz="half" idx="10"/>
+          </p:nvPr>
+        </p:nvSpPr>
+        <p:spPr/>
+        <p:txBody>
+          <a:bodyPr/>
+          <a:lstStyle/>
+          <a:p>
+            <a:fld id="{3A8AB521-9182-4012-B86B-65B8484C7DE3}" type="datetimeFigureOut">
+              <a:rPr lang="en-US" smtClean="0"/>
+              <a:t>1/28/2025</a:t>
+            </a:fld>
+            <a:endParaRPr lang="en-US"/>
+          </a:p>
+        </p:txBody>
+      </p:sp>
+      <p:sp>
+        <p:nvSpPr>
+          <p:cNvPr id="6" name="Footer Placeholder 5"/>
+          <p:cNvSpPr>
+            <a:spLocks noGrp="1"/>
+          </p:cNvSpPr>
+          <p:nvPr>
+            <p:ph type="ftr" sz="quarter" idx="11"/>
+          </p:nvPr>
+        </p:nvSpPr>
+        <p:spPr/>
+        <p:txBody>
+          <a:bodyPr/>
+          <a:lstStyle/>
+          <a:p>
+            <a:endParaRPr lang="en-US"/>
+          </a:p>
+        </p:txBody>
+      </p:sp>
+      <p:sp>
+        <p:nvSpPr>
+          <p:cNvPr id="7" name="Slide Number Placeholder 6"/>
+          <p:cNvSpPr>
+            <a:spLocks noGrp="1"/>
+          </p:cNvSpPr>
+          <p:nvPr>
+            <p:ph type="sldNum" sz="quarter" idx="12"/>
+          </p:nvPr>
+        </p:nvSpPr>
+        <p:spPr/>
+        <p:txBody>
+          <a:bodyPr/>
+          <a:lstStyle/>
+          <a:p>
+            <a:fld id="{9B0B5283-B408-487C-BD9C-A240A6426090}" type="slidenum">
+              <a:rPr lang="en-US" smtClean="0"/>
+              <a:t>‹#›</a:t>
+            </a:fld>
+            <a:endParaRPr lang="en-US"/>
+          </a:p>
+        </p:txBody>
+      </p:sp>
+    </p:spTree>
+    <p:extLst>
+      <p:ext uri="{BB962C8B-B14F-4D97-AF65-F5344CB8AC3E}">
+        <p14:creationId xmlns:p14="http://schemas.microsoft.com/office/powerpoint/2010/main" val="2702303867"/>
+      </p:ext>
+    </p:extLst>
+  </p:cSld>
+  <p:clrMapOvr>
+    <a:masterClrMapping/>
+  </p:clrMapOvr>
+</p:sldLayout>
+</file>
+
+<file path=ppt/slideLayouts/slideLayout11.xml><?xml version="1.0" encoding="utf-8"?>
+<p:sldLayout xmlns:a="http://schemas.openxmlformats.org/drawingml/2006/main" xmlns:r="http://schemas.openxmlformats.org/officeDocument/2006/relationships" xmlns:p="http://schemas.openxmlformats.org/presentationml/2006/main" showMasterSp="0" preserve="1">
+  <p:cSld name="Title and Caption">
+    <p:spTree>
+      <p:nvGrpSpPr>
+        <p:cNvPr id="1" name=""/>
+        <p:cNvGrpSpPr/>
+        <p:nvPr/>
+      </p:nvGrpSpPr>
+      <p:grpSpPr>
+        <a:xfrm>
+          <a:off x="0" y="0"/>
+          <a:ext cx="0" cy="0"/>
+          <a:chOff x="0" y="0"/>
+          <a:chExt cx="0" cy="0"/>
+        </a:xfrm>
+      </p:grpSpPr>
+      <p:pic>
+        <p:nvPicPr>
+          <p:cNvPr id="8" name="Picture 7" descr="C0-HD-BTM.png"/>
+          <p:cNvPicPr>
+            <a:picLocks noChangeAspect="1"/>
+          </p:cNvPicPr>
+          <p:nvPr/>
+        </p:nvPicPr>
+        <p:blipFill>
+          <a:blip r:embed="rId2">
+            <a:extLst>
+              <a:ext uri="{28A0092B-C50C-407E-A947-70E740481C1C}">
+                <a14:useLocalDpi xmlns:a14="http://schemas.microsoft.com/office/drawing/2010/main" val="0"/>
+              </a:ext>
+            </a:extLst>
+          </a:blip>
+          <a:stretch>
+            <a:fillRect/>
+          </a:stretch>
+        </p:blipFill>
+        <p:spPr>
+          <a:xfrm>
+            <a:off x="0" y="4375150"/>
+            <a:ext cx="12192000" cy="2482850"/>
+          </a:xfrm>
+          <a:prstGeom prst="rect">
+            <a:avLst/>
+          </a:prstGeom>
+        </p:spPr>
+      </p:pic>
+      <p:sp>
+        <p:nvSpPr>
+          <p:cNvPr id="2" name="Title 1"/>
+          <p:cNvSpPr>
+            <a:spLocks noGrp="1"/>
+          </p:cNvSpPr>
+          <p:nvPr>
+            <p:ph type="title"/>
+          </p:nvPr>
+        </p:nvSpPr>
+        <p:spPr>
+          <a:xfrm>
+            <a:off x="685800" y="753532"/>
+            <a:ext cx="10820400" cy="2802467"/>
+          </a:xfrm>
+        </p:spPr>
+        <p:txBody>
+          <a:bodyPr anchor="ctr"/>
+          <a:lstStyle>
+            <a:lvl1pPr algn="l">
+              <a:defRPr sz="3200"/>
+            </a:lvl1pPr>
+          </a:lstStyle>
+          <a:p>
+            <a:r>
+              <a:rPr lang="en-US"/>
+              <a:t>Click to edit Master title style</a:t>
+            </a:r>
+            <a:endParaRPr lang="en-US" dirty="0"/>
+          </a:p>
+        </p:txBody>
+      </p:sp>
+      <p:sp>
+        <p:nvSpPr>
+          <p:cNvPr id="4" name="Text Placeholder 3"/>
+          <p:cNvSpPr>
+            <a:spLocks noGrp="1"/>
+          </p:cNvSpPr>
+          <p:nvPr>
+            <p:ph type="body" sz="half" idx="2"/>
+          </p:nvPr>
+        </p:nvSpPr>
+        <p:spPr>
+          <a:xfrm>
+            <a:off x="1024467" y="3649133"/>
+            <a:ext cx="10130516" cy="999067"/>
+          </a:xfrm>
+        </p:spPr>
+        <p:txBody>
+          <a:bodyPr anchor="ctr"/>
+          <a:lstStyle>
+            <a:lvl1pPr marL="0" indent="0">
+              <a:buNone/>
+              <a:defRPr sz="1600"/>
+            </a:lvl1pPr>
+            <a:lvl2pPr marL="457200" indent="0">
+              <a:buNone/>
+              <a:defRPr sz="1400"/>
+            </a:lvl2pPr>
+            <a:lvl3pPr marL="914400" indent="0">
+              <a:buNone/>
+              <a:defRPr sz="1200"/>
+            </a:lvl3pPr>
+            <a:lvl4pPr marL="1371600" indent="0">
+              <a:buNone/>
+              <a:defRPr sz="1000"/>
+            </a:lvl4pPr>
+            <a:lvl5pPr marL="1828800" indent="0">
+              <a:buNone/>
+              <a:defRPr sz="1000"/>
+            </a:lvl5pPr>
+            <a:lvl6pPr marL="2286000" indent="0">
+              <a:buNone/>
+              <a:defRPr sz="1000"/>
+            </a:lvl6pPr>
+            <a:lvl7pPr marL="2743200" indent="0">
+              <a:buNone/>
+              <a:defRPr sz="1000"/>
+            </a:lvl7pPr>
+            <a:lvl8pPr marL="3200400" indent="0">
+              <a:buNone/>
+              <a:defRPr sz="1000"/>
+            </a:lvl8pPr>
+            <a:lvl9pPr marL="3657600" indent="0">
+              <a:buNone/>
+              <a:defRPr sz="1000"/>
+            </a:lvl9pPr>
+          </a:lstStyle>
+          <a:p>
+            <a:pPr lvl="0"/>
+            <a:r>
+              <a:rPr lang="en-US"/>
+              <a:t>Click to edit Master text styles</a:t>
+            </a:r>
+          </a:p>
+        </p:txBody>
+      </p:sp>
+      <p:sp>
+        <p:nvSpPr>
+          <p:cNvPr id="5" name="Date Placeholder 4"/>
+          <p:cNvSpPr>
+            <a:spLocks noGrp="1"/>
+          </p:cNvSpPr>
+          <p:nvPr>
+            <p:ph type="dt" sz="half" idx="10"/>
+          </p:nvPr>
+        </p:nvSpPr>
+        <p:spPr>
+          <a:xfrm>
+            <a:off x="7814452" y="381000"/>
+            <a:ext cx="2910840" cy="365125"/>
+          </a:xfrm>
+        </p:spPr>
+        <p:txBody>
+          <a:bodyPr/>
+          <a:lstStyle>
+            <a:lvl1pPr algn="r">
+              <a:defRPr/>
+            </a:lvl1pPr>
+          </a:lstStyle>
+          <a:p>
+            <a:fld id="{3A8AB521-9182-4012-B86B-65B8484C7DE3}" type="datetimeFigureOut">
+              <a:rPr lang="en-US" smtClean="0"/>
+              <a:t>1/28/2025</a:t>
+            </a:fld>
+            <a:endParaRPr lang="en-US"/>
+          </a:p>
+        </p:txBody>
+      </p:sp>
+      <p:sp>
+        <p:nvSpPr>
+          <p:cNvPr id="6" name="Footer Placeholder 5"/>
+          <p:cNvSpPr>
+            <a:spLocks noGrp="1"/>
+          </p:cNvSpPr>
+          <p:nvPr>
+            <p:ph type="ftr" sz="quarter" idx="11"/>
+          </p:nvPr>
+        </p:nvSpPr>
+        <p:spPr>
+          <a:xfrm>
+            <a:off x="685800" y="379941"/>
+            <a:ext cx="6991492" cy="365125"/>
+          </a:xfrm>
+        </p:spPr>
+        <p:txBody>
+          <a:bodyPr/>
+          <a:lstStyle/>
+          <a:p>
+            <a:endParaRPr lang="en-US"/>
+          </a:p>
+        </p:txBody>
+      </p:sp>
+      <p:sp>
+        <p:nvSpPr>
+          <p:cNvPr id="7" name="Slide Number Placeholder 6"/>
+          <p:cNvSpPr>
+            <a:spLocks noGrp="1"/>
+          </p:cNvSpPr>
+          <p:nvPr>
+            <p:ph type="sldNum" sz="quarter" idx="12"/>
+          </p:nvPr>
+        </p:nvSpPr>
+        <p:spPr>
+          <a:xfrm>
+            <a:off x="10862452" y="381000"/>
+            <a:ext cx="643748" cy="365125"/>
+          </a:xfrm>
+        </p:spPr>
+        <p:txBody>
+          <a:bodyPr/>
+          <a:lstStyle/>
+          <a:p>
+            <a:fld id="{9B0B5283-B408-487C-BD9C-A240A6426090}" type="slidenum">
+              <a:rPr lang="en-US" smtClean="0"/>
+              <a:t>‹#›</a:t>
+            </a:fld>
+            <a:endParaRPr lang="en-US"/>
+          </a:p>
+        </p:txBody>
+      </p:sp>
+    </p:spTree>
+    <p:extLst>
+      <p:ext uri="{BB962C8B-B14F-4D97-AF65-F5344CB8AC3E}">
+        <p14:creationId xmlns:p14="http://schemas.microsoft.com/office/powerpoint/2010/main" val="890597613"/>
+      </p:ext>
+    </p:extLst>
+  </p:cSld>
+  <p:clrMapOvr>
+    <a:masterClrMapping/>
+  </p:clrMapOvr>
+</p:sldLayout>
+</file>
+
+<file path=ppt/slideLayouts/slideLayout12.xml><?xml version="1.0" encoding="utf-8"?>
+<p:sldLayout xmlns:a="http://schemas.openxmlformats.org/drawingml/2006/main" xmlns:r="http://schemas.openxmlformats.org/officeDocument/2006/relationships" xmlns:p="http://schemas.openxmlformats.org/presentationml/2006/main" showMasterSp="0" preserve="1">
+  <p:cSld name="Quote with Caption">
+    <p:spTree>
+      <p:nvGrpSpPr>
+        <p:cNvPr id="1" name=""/>
+        <p:cNvGrpSpPr/>
+        <p:nvPr/>
+      </p:nvGrpSpPr>
+      <p:grpSpPr>
+        <a:xfrm>
+          <a:off x="0" y="0"/>
+          <a:ext cx="0" cy="0"/>
+          <a:chOff x="0" y="0"/>
+          <a:chExt cx="0" cy="0"/>
+        </a:xfrm>
+      </p:grpSpPr>
+      <p:pic>
+        <p:nvPicPr>
+          <p:cNvPr id="13" name="Picture 12" descr="C0-HD-BTM.png"/>
+          <p:cNvPicPr>
+            <a:picLocks noChangeAspect="1"/>
+          </p:cNvPicPr>
+          <p:nvPr/>
+        </p:nvPicPr>
+        <p:blipFill>
+          <a:blip r:embed="rId2">
+            <a:extLst>
+              <a:ext uri="{28A0092B-C50C-407E-A947-70E740481C1C}">
+                <a14:useLocalDpi xmlns:a14="http://schemas.microsoft.com/office/drawing/2010/main" val="0"/>
+              </a:ext>
+            </a:extLst>
+          </a:blip>
+          <a:stretch>
+            <a:fillRect/>
+          </a:stretch>
+        </p:blipFill>
+        <p:spPr>
+          <a:xfrm>
+            <a:off x="0" y="4375150"/>
+            <a:ext cx="12192000" cy="2482850"/>
+          </a:xfrm>
+          <a:prstGeom prst="rect">
+            <a:avLst/>
+          </a:prstGeom>
+        </p:spPr>
+      </p:pic>
+      <p:sp>
+        <p:nvSpPr>
+          <p:cNvPr id="2" name="Title 1"/>
+          <p:cNvSpPr>
+            <a:spLocks noGrp="1"/>
+          </p:cNvSpPr>
+          <p:nvPr>
+            <p:ph type="title"/>
+          </p:nvPr>
+        </p:nvSpPr>
+        <p:spPr>
+          <a:xfrm>
+            <a:off x="1024467" y="753533"/>
+            <a:ext cx="10151533" cy="2604495"/>
+          </a:xfrm>
+        </p:spPr>
+        <p:txBody>
+          <a:bodyPr anchor="ctr"/>
+          <a:lstStyle>
+            <a:lvl1pPr algn="l">
+              <a:defRPr sz="3200"/>
+            </a:lvl1pPr>
+          </a:lstStyle>
+          <a:p>
+            <a:r>
+              <a:rPr lang="en-US"/>
+              <a:t>Click to edit Master title style</a:t>
+            </a:r>
+            <a:endParaRPr lang="en-US" dirty="0"/>
+          </a:p>
+        </p:txBody>
+      </p:sp>
+      <p:sp>
+        <p:nvSpPr>
+          <p:cNvPr id="12" name="Text Placeholder 3"/>
+          <p:cNvSpPr>
+            <a:spLocks noGrp="1"/>
+          </p:cNvSpPr>
+          <p:nvPr>
+            <p:ph type="body" sz="half" idx="13"/>
+          </p:nvPr>
+        </p:nvSpPr>
+        <p:spPr>
+          <a:xfrm>
+            <a:off x="1303865" y="3365556"/>
+            <a:ext cx="9592736" cy="444443"/>
+          </a:xfrm>
+        </p:spPr>
+        <p:txBody>
+          <a:bodyPr anchor="t">
+            <a:normAutofit/>
+          </a:bodyPr>
+          <a:lstStyle>
+            <a:lvl1pPr marL="0" indent="0">
+              <a:buNone/>
+              <a:defRPr sz="1400"/>
+            </a:lvl1pPr>
+            <a:lvl2pPr marL="457200" indent="0">
+              <a:buNone/>
+              <a:defRPr sz="1400"/>
+            </a:lvl2pPr>
+            <a:lvl3pPr marL="914400" indent="0">
+              <a:buNone/>
+              <a:defRPr sz="1200"/>
+            </a:lvl3pPr>
+            <a:lvl4pPr marL="1371600" indent="0">
+              <a:buNone/>
+              <a:defRPr sz="1000"/>
+            </a:lvl4pPr>
+            <a:lvl5pPr marL="1828800" indent="0">
+              <a:buNone/>
+              <a:defRPr sz="1000"/>
+            </a:lvl5pPr>
+            <a:lvl6pPr marL="2286000" indent="0">
+              <a:buNone/>
+              <a:defRPr sz="1000"/>
+            </a:lvl6pPr>
+            <a:lvl7pPr marL="2743200" indent="0">
+              <a:buNone/>
+              <a:defRPr sz="1000"/>
+            </a:lvl7pPr>
+            <a:lvl8pPr marL="3200400" indent="0">
+              <a:buNone/>
+              <a:defRPr sz="1000"/>
+            </a:lvl8pPr>
+            <a:lvl9pPr marL="3657600" indent="0">
+              <a:buNone/>
+              <a:defRPr sz="1000"/>
+            </a:lvl9pPr>
+          </a:lstStyle>
+          <a:p>
+            <a:pPr lvl="0"/>
+            <a:r>
+              <a:rPr lang="en-US"/>
+              <a:t>Click to edit Master text styles</a:t>
+            </a:r>
+          </a:p>
+        </p:txBody>
+      </p:sp>
+      <p:sp>
+        <p:nvSpPr>
+          <p:cNvPr id="4" name="Text Placeholder 3"/>
+          <p:cNvSpPr>
+            <a:spLocks noGrp="1"/>
+          </p:cNvSpPr>
+          <p:nvPr>
+            <p:ph type="body" sz="half" idx="2"/>
+          </p:nvPr>
+        </p:nvSpPr>
+        <p:spPr>
+          <a:xfrm>
+            <a:off x="1024467" y="3959862"/>
+            <a:ext cx="10151533" cy="679871"/>
+          </a:xfrm>
+        </p:spPr>
+        <p:txBody>
+          <a:bodyPr anchor="ctr">
+            <a:normAutofit/>
+          </a:bodyPr>
+          <a:lstStyle>
+            <a:lvl1pPr marL="0" indent="0">
+              <a:buNone/>
+              <a:defRPr sz="1600"/>
+            </a:lvl1pPr>
+            <a:lvl2pPr marL="457200" indent="0">
+              <a:buNone/>
+              <a:defRPr sz="1400"/>
+            </a:lvl2pPr>
+            <a:lvl3pPr marL="914400" indent="0">
+              <a:buNone/>
+              <a:defRPr sz="1200"/>
+            </a:lvl3pPr>
+            <a:lvl4pPr marL="1371600" indent="0">
+              <a:buNone/>
+              <a:defRPr sz="1000"/>
+            </a:lvl4pPr>
+            <a:lvl5pPr marL="1828800" indent="0">
+              <a:buNone/>
+              <a:defRPr sz="1000"/>
+            </a:lvl5pPr>
+            <a:lvl6pPr marL="2286000" indent="0">
+              <a:buNone/>
+              <a:defRPr sz="1000"/>
+            </a:lvl6pPr>
+            <a:lvl7pPr marL="2743200" indent="0">
+              <a:buNone/>
+              <a:defRPr sz="1000"/>
+            </a:lvl7pPr>
+            <a:lvl8pPr marL="3200400" indent="0">
+              <a:buNone/>
+              <a:defRPr sz="1000"/>
+            </a:lvl8pPr>
+            <a:lvl9pPr marL="3657600" indent="0">
+              <a:buNone/>
+              <a:defRPr sz="1000"/>
+            </a:lvl9pPr>
+          </a:lstStyle>
+          <a:p>
+            <a:pPr lvl="0"/>
+            <a:r>
+              <a:rPr lang="en-US"/>
+              <a:t>Click to edit Master text styles</a:t>
+            </a:r>
+          </a:p>
+        </p:txBody>
+      </p:sp>
+      <p:sp>
+        <p:nvSpPr>
+          <p:cNvPr id="5" name="Date Placeholder 4"/>
+          <p:cNvSpPr>
+            <a:spLocks noGrp="1"/>
+          </p:cNvSpPr>
+          <p:nvPr>
+            <p:ph type="dt" sz="half" idx="10"/>
+          </p:nvPr>
+        </p:nvSpPr>
+        <p:spPr>
+          <a:xfrm>
+            <a:off x="7814452" y="381000"/>
+            <a:ext cx="2910840" cy="365125"/>
+          </a:xfrm>
+        </p:spPr>
+        <p:txBody>
+          <a:bodyPr/>
+          <a:lstStyle>
+            <a:lvl1pPr algn="r">
+              <a:defRPr/>
+            </a:lvl1pPr>
+          </a:lstStyle>
+          <a:p>
+            <a:fld id="{3A8AB521-9182-4012-B86B-65B8484C7DE3}" type="datetimeFigureOut">
+              <a:rPr lang="en-US" smtClean="0"/>
+              <a:t>1/28/2025</a:t>
+            </a:fld>
+            <a:endParaRPr lang="en-US"/>
+          </a:p>
+        </p:txBody>
+      </p:sp>
+      <p:sp>
+        <p:nvSpPr>
+          <p:cNvPr id="6" name="Footer Placeholder 5"/>
+          <p:cNvSpPr>
+            <a:spLocks noGrp="1"/>
+          </p:cNvSpPr>
+          <p:nvPr>
+            <p:ph type="ftr" sz="quarter" idx="11"/>
+          </p:nvPr>
+        </p:nvSpPr>
+        <p:spPr>
+          <a:xfrm>
+            <a:off x="685800" y="379941"/>
+            <a:ext cx="6991492" cy="365125"/>
+          </a:xfrm>
+        </p:spPr>
+        <p:txBody>
+          <a:bodyPr/>
+          <a:lstStyle/>
+          <a:p>
+            <a:endParaRPr lang="en-US"/>
+          </a:p>
+        </p:txBody>
+      </p:sp>
+      <p:sp>
+        <p:nvSpPr>
+          <p:cNvPr id="7" name="Slide Number Placeholder 6"/>
+          <p:cNvSpPr>
+            <a:spLocks noGrp="1"/>
+          </p:cNvSpPr>
+          <p:nvPr>
+            <p:ph type="sldNum" sz="quarter" idx="12"/>
+          </p:nvPr>
+        </p:nvSpPr>
+        <p:spPr>
+          <a:xfrm>
+            <a:off x="10862452" y="381000"/>
+            <a:ext cx="643748" cy="365125"/>
+          </a:xfrm>
+        </p:spPr>
+        <p:txBody>
+          <a:bodyPr/>
+          <a:lstStyle/>
+          <a:p>
+            <a:fld id="{9B0B5283-B408-487C-BD9C-A240A6426090}" type="slidenum">
+              <a:rPr lang="en-US" smtClean="0"/>
+              <a:t>‹#›</a:t>
+            </a:fld>
+            <a:endParaRPr lang="en-US"/>
+          </a:p>
+        </p:txBody>
+      </p:sp>
+      <p:sp>
+        <p:nvSpPr>
+          <p:cNvPr id="9" name="TextBox 8"/>
+          <p:cNvSpPr txBox="1"/>
+          <p:nvPr/>
+        </p:nvSpPr>
+        <p:spPr>
+          <a:xfrm>
+            <a:off x="476250" y="933450"/>
+            <a:ext cx="609600" cy="584776"/>
+          </a:xfrm>
+          <a:prstGeom prst="rect">
+            <a:avLst/>
+          </a:prstGeom>
+        </p:spPr>
+        <p:txBody>
+          <a:bodyPr vert="horz" lIns="91440" tIns="45720" rIns="91440" bIns="45720" rtlCol="0" anchor="ctr">
+            <a:noAutofit/>
+          </a:bodyPr>
+          <a:lstStyle>
+            <a:lvl1pPr>
+              <a:spcBef>
+                <a:spcPct val="0"/>
+              </a:spcBef>
+              <a:buNone/>
+              <a:defRPr sz="3200" b="0" cap="all">
+                <a:ln w="3175" cmpd="sng">
+                  <a:noFill/>
+                </a:ln>
+                <a:effectLst>
+                  <a:glow rad="38100">
+                    <a:schemeClr val="bg1">
+                      <a:lumMod val="65000"/>
+                      <a:lumOff val="35000"/>
+                      <a:alpha val="40000"/>
+                    </a:schemeClr>
+                  </a:glow>
+                  <a:outerShdw blurRad="28575" dist="38100" dir="14040000" algn="tl" rotWithShape="0">
+                    <a:srgbClr val="000000">
+                      <a:alpha val="25000"/>
+                    </a:srgbClr>
+                  </a:outerShdw>
+                </a:effectLst>
+              </a:defRPr>
+            </a:lvl1pPr>
+            <a:lvl2pPr>
+              <a:defRPr>
+                <a:solidFill>
+                  <a:schemeClr val="tx2"/>
+                </a:solidFill>
+              </a:defRPr>
+            </a:lvl2pPr>
+            <a:lvl3pPr>
+              <a:defRPr>
+                <a:solidFill>
+                  <a:schemeClr val="tx2"/>
+                </a:solidFill>
+              </a:defRPr>
+            </a:lvl3pPr>
+            <a:lvl4pPr>
+              <a:defRPr>
+                <a:solidFill>
+                  <a:schemeClr val="tx2"/>
+                </a:solidFill>
+              </a:defRPr>
+            </a:lvl4pPr>
+            <a:lvl5pPr>
+              <a:defRPr>
+                <a:solidFill>
+                  <a:schemeClr val="tx2"/>
+                </a:solidFill>
+              </a:defRPr>
+            </a:lvl5pPr>
+            <a:lvl6pPr>
+              <a:defRPr>
+                <a:solidFill>
+                  <a:schemeClr val="tx2"/>
+                </a:solidFill>
+              </a:defRPr>
+            </a:lvl6pPr>
+            <a:lvl7pPr>
+              <a:defRPr>
+                <a:solidFill>
+                  <a:schemeClr val="tx2"/>
+                </a:solidFill>
+              </a:defRPr>
+            </a:lvl7pPr>
+            <a:lvl8pPr>
+              <a:defRPr>
+                <a:solidFill>
+                  <a:schemeClr val="tx2"/>
+                </a:solidFill>
+              </a:defRPr>
+            </a:lvl8pPr>
+            <a:lvl9pPr>
+              <a:defRPr>
+                <a:solidFill>
+                  <a:schemeClr val="tx2"/>
+                </a:solidFill>
+              </a:defRPr>
+            </a:lvl9pPr>
+          </a:lstStyle>
+          <a:p>
+            <a:pPr lvl="0"/>
+            <a:r>
+              <a:rPr lang="en-US" sz="8000" dirty="0">
+                <a:solidFill>
+                  <a:schemeClr val="tx1"/>
+                </a:solidFill>
+                <a:effectLst/>
+              </a:rPr>
+              <a:t>“</a:t>
+            </a:r>
+          </a:p>
+        </p:txBody>
+      </p:sp>
+      <p:sp>
+        <p:nvSpPr>
+          <p:cNvPr id="10" name="TextBox 9"/>
+          <p:cNvSpPr txBox="1"/>
+          <p:nvPr/>
+        </p:nvSpPr>
+        <p:spPr>
+          <a:xfrm>
+            <a:off x="10984230" y="2701290"/>
+            <a:ext cx="609600" cy="584776"/>
+          </a:xfrm>
+          <a:prstGeom prst="rect">
+            <a:avLst/>
+          </a:prstGeom>
+        </p:spPr>
+        <p:txBody>
+          <a:bodyPr vert="horz" lIns="91440" tIns="45720" rIns="91440" bIns="45720" rtlCol="0" anchor="ctr">
+            <a:noAutofit/>
+          </a:bodyPr>
+          <a:lstStyle>
+            <a:lvl1pPr>
+              <a:spcBef>
+                <a:spcPct val="0"/>
+              </a:spcBef>
+              <a:buNone/>
+              <a:defRPr sz="3200" b="0" cap="all">
+                <a:ln w="3175" cmpd="sng">
+                  <a:noFill/>
+                </a:ln>
+                <a:effectLst>
+                  <a:glow rad="38100">
+                    <a:schemeClr val="bg1">
+                      <a:lumMod val="65000"/>
+                      <a:lumOff val="35000"/>
+                      <a:alpha val="40000"/>
+                    </a:schemeClr>
+                  </a:glow>
+                  <a:outerShdw blurRad="28575" dist="38100" dir="14040000" algn="tl" rotWithShape="0">
+                    <a:srgbClr val="000000">
+                      <a:alpha val="25000"/>
+                    </a:srgbClr>
+                  </a:outerShdw>
+                </a:effectLst>
+              </a:defRPr>
+            </a:lvl1pPr>
+            <a:lvl2pPr>
+              <a:defRPr>
+                <a:solidFill>
+                  <a:schemeClr val="tx2"/>
+                </a:solidFill>
+              </a:defRPr>
+            </a:lvl2pPr>
+            <a:lvl3pPr>
+              <a:defRPr>
+                <a:solidFill>
+                  <a:schemeClr val="tx2"/>
+                </a:solidFill>
+              </a:defRPr>
+            </a:lvl3pPr>
+            <a:lvl4pPr>
+              <a:defRPr>
+                <a:solidFill>
+                  <a:schemeClr val="tx2"/>
+                </a:solidFill>
+              </a:defRPr>
+            </a:lvl4pPr>
+            <a:lvl5pPr>
+              <a:defRPr>
+                <a:solidFill>
+                  <a:schemeClr val="tx2"/>
+                </a:solidFill>
+              </a:defRPr>
+            </a:lvl5pPr>
+            <a:lvl6pPr>
+              <a:defRPr>
+                <a:solidFill>
+                  <a:schemeClr val="tx2"/>
+                </a:solidFill>
+              </a:defRPr>
+            </a:lvl6pPr>
+            <a:lvl7pPr>
+              <a:defRPr>
+                <a:solidFill>
+                  <a:schemeClr val="tx2"/>
+                </a:solidFill>
+              </a:defRPr>
+            </a:lvl7pPr>
+            <a:lvl8pPr>
+              <a:defRPr>
+                <a:solidFill>
+                  <a:schemeClr val="tx2"/>
+                </a:solidFill>
+              </a:defRPr>
+            </a:lvl8pPr>
+            <a:lvl9pPr>
+              <a:defRPr>
+                <a:solidFill>
+                  <a:schemeClr val="tx2"/>
+                </a:solidFill>
+              </a:defRPr>
+            </a:lvl9pPr>
+          </a:lstStyle>
+          <a:p>
+            <a:pPr lvl="0" algn="r"/>
+            <a:r>
+              <a:rPr lang="en-US" sz="8000" dirty="0">
+                <a:solidFill>
+                  <a:schemeClr val="tx1"/>
+                </a:solidFill>
+                <a:effectLst/>
+              </a:rPr>
+              <a:t>”</a:t>
+            </a:r>
+          </a:p>
+        </p:txBody>
+      </p:sp>
+    </p:spTree>
+    <p:extLst>
+      <p:ext uri="{BB962C8B-B14F-4D97-AF65-F5344CB8AC3E}">
+        <p14:creationId xmlns:p14="http://schemas.microsoft.com/office/powerpoint/2010/main" val="1635363976"/>
+      </p:ext>
+    </p:extLst>
+  </p:cSld>
+  <p:clrMapOvr>
+    <a:masterClrMapping/>
+  </p:clrMapOvr>
+</p:sldLayout>
+</file>
+
+<file path=ppt/slideLayouts/slideLayout13.xml><?xml version="1.0" encoding="utf-8"?>
+<p:sldLayout xmlns:a="http://schemas.openxmlformats.org/drawingml/2006/main" xmlns:r="http://schemas.openxmlformats.org/officeDocument/2006/relationships" xmlns:p="http://schemas.openxmlformats.org/presentationml/2006/main" showMasterSp="0" preserve="1">
+  <p:cSld name="Name Card">
+    <p:spTree>
+      <p:nvGrpSpPr>
+        <p:cNvPr id="1" name=""/>
+        <p:cNvGrpSpPr/>
+        <p:nvPr/>
+      </p:nvGrpSpPr>
+      <p:grpSpPr>
+        <a:xfrm>
+          <a:off x="0" y="0"/>
+          <a:ext cx="0" cy="0"/>
+          <a:chOff x="0" y="0"/>
+          <a:chExt cx="0" cy="0"/>
+        </a:xfrm>
+      </p:grpSpPr>
+      <p:pic>
+        <p:nvPicPr>
+          <p:cNvPr id="9" name="Picture 8" descr="C0-HD-BTM.png"/>
+          <p:cNvPicPr>
+            <a:picLocks noChangeAspect="1"/>
+          </p:cNvPicPr>
+          <p:nvPr/>
+        </p:nvPicPr>
+        <p:blipFill>
+          <a:blip r:embed="rId2">
+            <a:extLst>
+              <a:ext uri="{28A0092B-C50C-407E-A947-70E740481C1C}">
+                <a14:useLocalDpi xmlns:a14="http://schemas.microsoft.com/office/drawing/2010/main" val="0"/>
+              </a:ext>
+            </a:extLst>
+          </a:blip>
+          <a:stretch>
+            <a:fillRect/>
+          </a:stretch>
+        </p:blipFill>
+        <p:spPr>
+          <a:xfrm>
+            <a:off x="0" y="4375150"/>
+            <a:ext cx="12192000" cy="2482850"/>
+          </a:xfrm>
+          <a:prstGeom prst="rect">
+            <a:avLst/>
+          </a:prstGeom>
+        </p:spPr>
+      </p:pic>
+      <p:sp>
+        <p:nvSpPr>
+          <p:cNvPr id="2" name="Title 1"/>
+          <p:cNvSpPr>
+            <a:spLocks noGrp="1"/>
+          </p:cNvSpPr>
+          <p:nvPr>
+            <p:ph type="title"/>
+          </p:nvPr>
+        </p:nvSpPr>
+        <p:spPr>
+          <a:xfrm>
+            <a:off x="1024495" y="1124701"/>
+            <a:ext cx="10146186" cy="2511835"/>
+          </a:xfrm>
+        </p:spPr>
+        <p:txBody>
+          <a:bodyPr anchor="b"/>
+          <a:lstStyle>
+            <a:lvl1pPr algn="l">
+              <a:defRPr sz="3200"/>
+            </a:lvl1pPr>
+          </a:lstStyle>
+          <a:p>
+            <a:r>
+              <a:rPr lang="en-US"/>
+              <a:t>Click to edit Master title style</a:t>
+            </a:r>
+            <a:endParaRPr lang="en-US" dirty="0"/>
+          </a:p>
+        </p:txBody>
+      </p:sp>
+      <p:sp>
+        <p:nvSpPr>
+          <p:cNvPr id="4" name="Text Placeholder 3"/>
+          <p:cNvSpPr>
+            <a:spLocks noGrp="1"/>
+          </p:cNvSpPr>
+          <p:nvPr>
+            <p:ph type="body" sz="half" idx="2"/>
+          </p:nvPr>
+        </p:nvSpPr>
+        <p:spPr>
+          <a:xfrm>
+            <a:off x="1024467" y="3648315"/>
+            <a:ext cx="10144654" cy="999885"/>
+          </a:xfrm>
+        </p:spPr>
+        <p:txBody>
+          <a:bodyPr anchor="t"/>
+          <a:lstStyle>
+            <a:lvl1pPr marL="0" indent="0">
+              <a:buNone/>
+              <a:defRPr sz="1600"/>
+            </a:lvl1pPr>
+            <a:lvl2pPr marL="457200" indent="0">
+              <a:buNone/>
+              <a:defRPr sz="1400"/>
+            </a:lvl2pPr>
+            <a:lvl3pPr marL="914400" indent="0">
+              <a:buNone/>
+              <a:defRPr sz="1200"/>
+            </a:lvl3pPr>
+            <a:lvl4pPr marL="1371600" indent="0">
+              <a:buNone/>
+              <a:defRPr sz="1000"/>
+            </a:lvl4pPr>
+            <a:lvl5pPr marL="1828800" indent="0">
+              <a:buNone/>
+              <a:defRPr sz="1000"/>
+            </a:lvl5pPr>
+            <a:lvl6pPr marL="2286000" indent="0">
+              <a:buNone/>
+              <a:defRPr sz="1000"/>
+            </a:lvl6pPr>
+            <a:lvl7pPr marL="2743200" indent="0">
+              <a:buNone/>
+              <a:defRPr sz="1000"/>
+            </a:lvl7pPr>
+            <a:lvl8pPr marL="3200400" indent="0">
+              <a:buNone/>
+              <a:defRPr sz="1000"/>
+            </a:lvl8pPr>
+            <a:lvl9pPr marL="3657600" indent="0">
+              <a:buNone/>
+              <a:defRPr sz="1000"/>
+            </a:lvl9pPr>
+          </a:lstStyle>
+          <a:p>
+            <a:pPr lvl="0"/>
+            <a:r>
+              <a:rPr lang="en-US"/>
+              <a:t>Click to edit Master text styles</a:t>
+            </a:r>
+          </a:p>
+        </p:txBody>
+      </p:sp>
+      <p:sp>
+        <p:nvSpPr>
+          <p:cNvPr id="5" name="Date Placeholder 4"/>
+          <p:cNvSpPr>
+            <a:spLocks noGrp="1"/>
+          </p:cNvSpPr>
+          <p:nvPr>
+            <p:ph type="dt" sz="half" idx="10"/>
+          </p:nvPr>
+        </p:nvSpPr>
+        <p:spPr>
+          <a:xfrm>
+            <a:off x="7814452" y="378883"/>
+            <a:ext cx="2910840" cy="365125"/>
+          </a:xfrm>
+        </p:spPr>
+        <p:txBody>
+          <a:bodyPr/>
+          <a:lstStyle>
+            <a:lvl1pPr algn="r">
+              <a:defRPr/>
+            </a:lvl1pPr>
+          </a:lstStyle>
+          <a:p>
+            <a:fld id="{3A8AB521-9182-4012-B86B-65B8484C7DE3}" type="datetimeFigureOut">
+              <a:rPr lang="en-US" smtClean="0"/>
+              <a:t>1/28/2025</a:t>
+            </a:fld>
+            <a:endParaRPr lang="en-US"/>
+          </a:p>
+        </p:txBody>
+      </p:sp>
+      <p:sp>
+        <p:nvSpPr>
+          <p:cNvPr id="6" name="Footer Placeholder 5"/>
+          <p:cNvSpPr>
+            <a:spLocks noGrp="1"/>
+          </p:cNvSpPr>
+          <p:nvPr>
+            <p:ph type="ftr" sz="quarter" idx="11"/>
+          </p:nvPr>
+        </p:nvSpPr>
+        <p:spPr>
+          <a:xfrm>
+            <a:off x="685800" y="378883"/>
+            <a:ext cx="6991492" cy="365125"/>
+          </a:xfrm>
+        </p:spPr>
+        <p:txBody>
+          <a:bodyPr/>
+          <a:lstStyle/>
+          <a:p>
+            <a:endParaRPr lang="en-US"/>
+          </a:p>
+        </p:txBody>
+      </p:sp>
+      <p:sp>
+        <p:nvSpPr>
+          <p:cNvPr id="7" name="Slide Number Placeholder 6"/>
+          <p:cNvSpPr>
+            <a:spLocks noGrp="1"/>
+          </p:cNvSpPr>
+          <p:nvPr>
+            <p:ph type="sldNum" sz="quarter" idx="12"/>
+          </p:nvPr>
+        </p:nvSpPr>
+        <p:spPr>
+          <a:xfrm>
+            <a:off x="10862452" y="381000"/>
+            <a:ext cx="643748" cy="365125"/>
+          </a:xfrm>
+        </p:spPr>
+        <p:txBody>
+          <a:bodyPr/>
+          <a:lstStyle/>
+          <a:p>
+            <a:fld id="{9B0B5283-B408-487C-BD9C-A240A6426090}" type="slidenum">
+              <a:rPr lang="en-US" smtClean="0"/>
+              <a:t>‹#›</a:t>
+            </a:fld>
+            <a:endParaRPr lang="en-US"/>
+          </a:p>
+        </p:txBody>
+      </p:sp>
+    </p:spTree>
+    <p:extLst>
+      <p:ext uri="{BB962C8B-B14F-4D97-AF65-F5344CB8AC3E}">
+        <p14:creationId xmlns:p14="http://schemas.microsoft.com/office/powerpoint/2010/main" val="2531539664"/>
+      </p:ext>
+    </p:extLst>
+  </p:cSld>
+  <p:clrMapOvr>
+    <a:masterClrMapping/>
+  </p:clrMapOvr>
+</p:sldLayout>
+</file>
+
+<file path=ppt/slideLayouts/slideLayout14.xml><?xml version="1.0" encoding="utf-8"?>
+<p:sldLayout xmlns:a="http://schemas.openxmlformats.org/drawingml/2006/main" xmlns:r="http://schemas.openxmlformats.org/officeDocument/2006/relationships" xmlns:p="http://schemas.openxmlformats.org/presentationml/2006/main" preserve="1">
+  <p:cSld name="3 Column">
+    <p:spTree>
+      <p:nvGrpSpPr>
+        <p:cNvPr id="1" name=""/>
+        <p:cNvGrpSpPr/>
+        <p:nvPr/>
+      </p:nvGrpSpPr>
+      <p:grpSpPr>
+        <a:xfrm>
+          <a:off x="0" y="0"/>
+          <a:ext cx="0" cy="0"/>
+          <a:chOff x="0" y="0"/>
+          <a:chExt cx="0" cy="0"/>
+        </a:xfrm>
+      </p:grpSpPr>
+      <p:sp>
+        <p:nvSpPr>
+          <p:cNvPr id="15" name="Title 1"/>
+          <p:cNvSpPr>
+            <a:spLocks noGrp="1"/>
+          </p:cNvSpPr>
+          <p:nvPr>
+            <p:ph type="title"/>
+          </p:nvPr>
+        </p:nvSpPr>
+        <p:spPr>
+          <a:xfrm>
+            <a:off x="2895600" y="761999"/>
+            <a:ext cx="8610599" cy="1303867"/>
+          </a:xfrm>
+        </p:spPr>
+        <p:txBody>
+          <a:bodyPr/>
+          <a:lstStyle/>
+          <a:p>
+            <a:r>
+              <a:rPr lang="en-US"/>
+              <a:t>Click to edit Master title style</a:t>
+            </a:r>
+            <a:endParaRPr lang="en-US" dirty="0"/>
+          </a:p>
+        </p:txBody>
+      </p:sp>
+      <p:sp>
+        <p:nvSpPr>
+          <p:cNvPr id="7" name="Text Placeholder 2"/>
+          <p:cNvSpPr>
+            <a:spLocks noGrp="1"/>
+          </p:cNvSpPr>
+          <p:nvPr>
+            <p:ph type="body" idx="1"/>
+          </p:nvPr>
+        </p:nvSpPr>
+        <p:spPr>
+          <a:xfrm>
+            <a:off x="685800" y="2202080"/>
+            <a:ext cx="3456432" cy="617320"/>
+          </a:xfrm>
+        </p:spPr>
+        <p:txBody>
+          <a:bodyPr anchor="b">
+            <a:noAutofit/>
+          </a:bodyPr>
+          <a:lstStyle>
+            <a:lvl1pPr marL="0" indent="0">
+              <a:buNone/>
+              <a:defRPr sz="2400" b="0">
+                <a:solidFill>
+                  <a:schemeClr val="tx1"/>
+                </a:solidFill>
+              </a:defRPr>
+            </a:lvl1pPr>
+            <a:lvl2pPr marL="457200" indent="0">
+              <a:buNone/>
+              <a:defRPr sz="2000" b="1"/>
+            </a:lvl2pPr>
+            <a:lvl3pPr marL="914400" indent="0">
+              <a:buNone/>
+              <a:defRPr sz="1800" b="1"/>
+            </a:lvl3pPr>
+            <a:lvl4pPr marL="1371600" indent="0">
+              <a:buNone/>
+              <a:defRPr sz="1600" b="1"/>
+            </a:lvl4pPr>
+            <a:lvl5pPr marL="1828800" indent="0">
+              <a:buNone/>
+              <a:defRPr sz="1600" b="1"/>
+            </a:lvl5pPr>
+            <a:lvl6pPr marL="2286000" indent="0">
+              <a:buNone/>
+              <a:defRPr sz="1600" b="1"/>
+            </a:lvl6pPr>
+            <a:lvl7pPr marL="2743200" indent="0">
+              <a:buNone/>
+              <a:defRPr sz="1600" b="1"/>
+            </a:lvl7pPr>
+            <a:lvl8pPr marL="3200400" indent="0">
+              <a:buNone/>
+              <a:defRPr sz="1600" b="1"/>
+            </a:lvl8pPr>
+            <a:lvl9pPr marL="3657600" indent="0">
+              <a:buNone/>
+              <a:defRPr sz="1600" b="1"/>
+            </a:lvl9pPr>
+          </a:lstStyle>
+          <a:p>
+            <a:pPr lvl="0"/>
+            <a:r>
+              <a:rPr lang="en-US"/>
+              <a:t>Click to edit Master text styles</a:t>
+            </a:r>
+          </a:p>
+        </p:txBody>
+      </p:sp>
+      <p:sp>
+        <p:nvSpPr>
+          <p:cNvPr id="8" name="Text Placeholder 3"/>
+          <p:cNvSpPr>
+            <a:spLocks noGrp="1"/>
+          </p:cNvSpPr>
+          <p:nvPr>
+            <p:ph type="body" sz="half" idx="15"/>
+          </p:nvPr>
+        </p:nvSpPr>
+        <p:spPr>
+          <a:xfrm>
+            <a:off x="685799" y="2904565"/>
+            <a:ext cx="3456432" cy="3314132"/>
+          </a:xfrm>
+        </p:spPr>
+        <p:txBody>
+          <a:bodyPr anchor="t">
+            <a:normAutofit/>
+          </a:bodyPr>
+          <a:lstStyle>
+            <a:lvl1pPr marL="0" indent="0">
+              <a:buNone/>
+              <a:defRPr sz="1400"/>
+            </a:lvl1pPr>
+            <a:lvl2pPr marL="457200" indent="0">
+              <a:buNone/>
+              <a:defRPr sz="1200"/>
+            </a:lvl2pPr>
+            <a:lvl3pPr marL="914400" indent="0">
+              <a:buNone/>
+              <a:defRPr sz="1000"/>
+            </a:lvl3pPr>
+            <a:lvl4pPr marL="1371600" indent="0">
+              <a:buNone/>
+              <a:defRPr sz="900"/>
+            </a:lvl4pPr>
+            <a:lvl5pPr marL="1828800" indent="0">
+              <a:buNone/>
+              <a:defRPr sz="900"/>
+            </a:lvl5pPr>
+            <a:lvl6pPr marL="2286000" indent="0">
+              <a:buNone/>
+              <a:defRPr sz="900"/>
+            </a:lvl6pPr>
+            <a:lvl7pPr marL="2743200" indent="0">
+              <a:buNone/>
+              <a:defRPr sz="900"/>
+            </a:lvl7pPr>
+            <a:lvl8pPr marL="3200400" indent="0">
+              <a:buNone/>
+              <a:defRPr sz="900"/>
+            </a:lvl8pPr>
+            <a:lvl9pPr marL="3657600" indent="0">
+              <a:buNone/>
+              <a:defRPr sz="900"/>
+            </a:lvl9pPr>
+          </a:lstStyle>
+          <a:p>
+            <a:pPr lvl="0"/>
+            <a:r>
+              <a:rPr lang="en-US"/>
+              <a:t>Click to edit Master text styles</a:t>
+            </a:r>
+          </a:p>
+        </p:txBody>
+      </p:sp>
+      <p:sp>
+        <p:nvSpPr>
+          <p:cNvPr id="9" name="Text Placeholder 4"/>
+          <p:cNvSpPr>
+            <a:spLocks noGrp="1"/>
+          </p:cNvSpPr>
+          <p:nvPr>
+            <p:ph type="body" sz="quarter" idx="3"/>
+          </p:nvPr>
+        </p:nvSpPr>
+        <p:spPr>
+          <a:xfrm>
+            <a:off x="4368800" y="2201333"/>
+            <a:ext cx="3456432" cy="626534"/>
+          </a:xfrm>
+        </p:spPr>
+        <p:txBody>
+          <a:bodyPr anchor="b">
+            <a:noAutofit/>
+          </a:bodyPr>
+          <a:lstStyle>
+            <a:lvl1pPr marL="0" indent="0">
+              <a:buNone/>
+              <a:defRPr sz="2400" b="0">
+                <a:solidFill>
+                  <a:schemeClr val="tx1"/>
+                </a:solidFill>
+              </a:defRPr>
+            </a:lvl1pPr>
+            <a:lvl2pPr marL="457200" indent="0">
+              <a:buNone/>
+              <a:defRPr sz="2000" b="1"/>
+            </a:lvl2pPr>
+            <a:lvl3pPr marL="914400" indent="0">
+              <a:buNone/>
+              <a:defRPr sz="1800" b="1"/>
+            </a:lvl3pPr>
+            <a:lvl4pPr marL="1371600" indent="0">
+              <a:buNone/>
+              <a:defRPr sz="1600" b="1"/>
+            </a:lvl4pPr>
+            <a:lvl5pPr marL="1828800" indent="0">
+              <a:buNone/>
+              <a:defRPr sz="1600" b="1"/>
+            </a:lvl5pPr>
+            <a:lvl6pPr marL="2286000" indent="0">
+              <a:buNone/>
+              <a:defRPr sz="1600" b="1"/>
+            </a:lvl6pPr>
+            <a:lvl7pPr marL="2743200" indent="0">
+              <a:buNone/>
+              <a:defRPr sz="1600" b="1"/>
+            </a:lvl7pPr>
+            <a:lvl8pPr marL="3200400" indent="0">
+              <a:buNone/>
+              <a:defRPr sz="1600" b="1"/>
+            </a:lvl8pPr>
+            <a:lvl9pPr marL="3657600" indent="0">
+              <a:buNone/>
+              <a:defRPr sz="1600" b="1"/>
+            </a:lvl9pPr>
+          </a:lstStyle>
+          <a:p>
+            <a:pPr lvl="0"/>
+            <a:r>
+              <a:rPr lang="en-US"/>
+              <a:t>Click to edit Master text styles</a:t>
+            </a:r>
+          </a:p>
+        </p:txBody>
+      </p:sp>
+      <p:sp>
+        <p:nvSpPr>
+          <p:cNvPr id="10" name="Text Placeholder 3"/>
+          <p:cNvSpPr>
+            <a:spLocks noGrp="1"/>
+          </p:cNvSpPr>
+          <p:nvPr>
+            <p:ph type="body" sz="half" idx="16"/>
+          </p:nvPr>
+        </p:nvSpPr>
+        <p:spPr>
+          <a:xfrm>
+            <a:off x="4366858" y="2904067"/>
+            <a:ext cx="3456432" cy="3314618"/>
+          </a:xfrm>
+        </p:spPr>
+        <p:txBody>
+          <a:bodyPr anchor="t">
+            <a:normAutofit/>
+          </a:bodyPr>
+          <a:lstStyle>
+            <a:lvl1pPr marL="0" indent="0">
+              <a:buNone/>
+              <a:defRPr sz="1400"/>
+            </a:lvl1pPr>
+            <a:lvl2pPr marL="457200" indent="0">
+              <a:buNone/>
+              <a:defRPr sz="1200"/>
+            </a:lvl2pPr>
+            <a:lvl3pPr marL="914400" indent="0">
+              <a:buNone/>
+              <a:defRPr sz="1000"/>
+            </a:lvl3pPr>
+            <a:lvl4pPr marL="1371600" indent="0">
+              <a:buNone/>
+              <a:defRPr sz="900"/>
+            </a:lvl4pPr>
+            <a:lvl5pPr marL="1828800" indent="0">
+              <a:buNone/>
+              <a:defRPr sz="900"/>
+            </a:lvl5pPr>
+            <a:lvl6pPr marL="2286000" indent="0">
+              <a:buNone/>
+              <a:defRPr sz="900"/>
+            </a:lvl6pPr>
+            <a:lvl7pPr marL="2743200" indent="0">
+              <a:buNone/>
+              <a:defRPr sz="900"/>
+            </a:lvl7pPr>
+            <a:lvl8pPr marL="3200400" indent="0">
+              <a:buNone/>
+              <a:defRPr sz="900"/>
+            </a:lvl8pPr>
+            <a:lvl9pPr marL="3657600" indent="0">
+              <a:buNone/>
+              <a:defRPr sz="900"/>
+            </a:lvl9pPr>
+          </a:lstStyle>
+          <a:p>
+            <a:pPr lvl="0"/>
+            <a:r>
+              <a:rPr lang="en-US"/>
+              <a:t>Click to edit Master text styles</a:t>
+            </a:r>
+          </a:p>
+        </p:txBody>
+      </p:sp>
+      <p:sp>
+        <p:nvSpPr>
+          <p:cNvPr id="11" name="Text Placeholder 4"/>
+          <p:cNvSpPr>
+            <a:spLocks noGrp="1"/>
+          </p:cNvSpPr>
+          <p:nvPr>
+            <p:ph type="body" sz="quarter" idx="13"/>
+          </p:nvPr>
+        </p:nvSpPr>
+        <p:spPr>
+          <a:xfrm>
+            <a:off x="8051800" y="2192866"/>
+            <a:ext cx="3456432" cy="626534"/>
+          </a:xfrm>
+        </p:spPr>
+        <p:txBody>
+          <a:bodyPr anchor="b">
+            <a:noAutofit/>
+          </a:bodyPr>
+          <a:lstStyle>
+            <a:lvl1pPr marL="0" indent="0">
+              <a:buNone/>
+              <a:defRPr sz="2400" b="0">
+                <a:solidFill>
+                  <a:schemeClr val="tx1"/>
+                </a:solidFill>
+              </a:defRPr>
+            </a:lvl1pPr>
+            <a:lvl2pPr marL="457200" indent="0">
+              <a:buNone/>
+              <a:defRPr sz="2000" b="1"/>
+            </a:lvl2pPr>
+            <a:lvl3pPr marL="914400" indent="0">
+              <a:buNone/>
+              <a:defRPr sz="1800" b="1"/>
+            </a:lvl3pPr>
+            <a:lvl4pPr marL="1371600" indent="0">
+              <a:buNone/>
+              <a:defRPr sz="1600" b="1"/>
+            </a:lvl4pPr>
+            <a:lvl5pPr marL="1828800" indent="0">
+              <a:buNone/>
+              <a:defRPr sz="1600" b="1"/>
+            </a:lvl5pPr>
+            <a:lvl6pPr marL="2286000" indent="0">
+              <a:buNone/>
+              <a:defRPr sz="1600" b="1"/>
+            </a:lvl6pPr>
+            <a:lvl7pPr marL="2743200" indent="0">
+              <a:buNone/>
+              <a:defRPr sz="1600" b="1"/>
+            </a:lvl7pPr>
+            <a:lvl8pPr marL="3200400" indent="0">
+              <a:buNone/>
+              <a:defRPr sz="1600" b="1"/>
+            </a:lvl8pPr>
+            <a:lvl9pPr marL="3657600" indent="0">
+              <a:buNone/>
+              <a:defRPr sz="1600" b="1"/>
+            </a:lvl9pPr>
+          </a:lstStyle>
+          <a:p>
+            <a:pPr lvl="0"/>
+            <a:r>
+              <a:rPr lang="en-US"/>
+              <a:t>Click to edit Master text styles</a:t>
+            </a:r>
+          </a:p>
+        </p:txBody>
+      </p:sp>
+      <p:sp>
+        <p:nvSpPr>
+          <p:cNvPr id="12" name="Text Placeholder 3"/>
+          <p:cNvSpPr>
+            <a:spLocks noGrp="1"/>
+          </p:cNvSpPr>
+          <p:nvPr>
+            <p:ph type="body" sz="half" idx="17"/>
+          </p:nvPr>
+        </p:nvSpPr>
+        <p:spPr>
+          <a:xfrm>
+            <a:off x="8051801" y="2904565"/>
+            <a:ext cx="3456432" cy="3314132"/>
+          </a:xfrm>
+        </p:spPr>
+        <p:txBody>
+          <a:bodyPr anchor="t">
+            <a:normAutofit/>
+          </a:bodyPr>
+          <a:lstStyle>
+            <a:lvl1pPr marL="0" indent="0">
+              <a:buNone/>
+              <a:defRPr sz="1400"/>
+            </a:lvl1pPr>
+            <a:lvl2pPr marL="457200" indent="0">
+              <a:buNone/>
+              <a:defRPr sz="1200"/>
+            </a:lvl2pPr>
+            <a:lvl3pPr marL="914400" indent="0">
+              <a:buNone/>
+              <a:defRPr sz="1000"/>
+            </a:lvl3pPr>
+            <a:lvl4pPr marL="1371600" indent="0">
+              <a:buNone/>
+              <a:defRPr sz="900"/>
+            </a:lvl4pPr>
+            <a:lvl5pPr marL="1828800" indent="0">
+              <a:buNone/>
+              <a:defRPr sz="900"/>
+            </a:lvl5pPr>
+            <a:lvl6pPr marL="2286000" indent="0">
+              <a:buNone/>
+              <a:defRPr sz="900"/>
+            </a:lvl6pPr>
+            <a:lvl7pPr marL="2743200" indent="0">
+              <a:buNone/>
+              <a:defRPr sz="900"/>
+            </a:lvl7pPr>
+            <a:lvl8pPr marL="3200400" indent="0">
+              <a:buNone/>
+              <a:defRPr sz="900"/>
+            </a:lvl8pPr>
+            <a:lvl9pPr marL="3657600" indent="0">
+              <a:buNone/>
+              <a:defRPr sz="900"/>
+            </a:lvl9pPr>
+          </a:lstStyle>
+          <a:p>
+            <a:pPr lvl="0"/>
+            <a:r>
+              <a:rPr lang="en-US"/>
+              <a:t>Click to edit Master text styles</a:t>
+            </a:r>
+          </a:p>
+        </p:txBody>
+      </p:sp>
+      <p:sp>
+        <p:nvSpPr>
+          <p:cNvPr id="3" name="Date Placeholder 2"/>
+          <p:cNvSpPr>
+            <a:spLocks noGrp="1"/>
+          </p:cNvSpPr>
+          <p:nvPr>
+            <p:ph type="dt" sz="half" idx="10"/>
+          </p:nvPr>
+        </p:nvSpPr>
+        <p:spPr/>
+        <p:txBody>
+          <a:bodyPr/>
+          <a:lstStyle/>
+          <a:p>
+            <a:fld id="{3A8AB521-9182-4012-B86B-65B8484C7DE3}" type="datetimeFigureOut">
+              <a:rPr lang="en-US" smtClean="0"/>
+              <a:t>1/28/2025</a:t>
+            </a:fld>
+            <a:endParaRPr lang="en-US"/>
+          </a:p>
+        </p:txBody>
+      </p:sp>
+      <p:sp>
+        <p:nvSpPr>
+          <p:cNvPr id="4" name="Footer Placeholder 3"/>
+          <p:cNvSpPr>
+            <a:spLocks noGrp="1"/>
+          </p:cNvSpPr>
+          <p:nvPr>
+            <p:ph type="ftr" sz="quarter" idx="11"/>
+          </p:nvPr>
+        </p:nvSpPr>
+        <p:spPr/>
+        <p:txBody>
+          <a:bodyPr/>
+          <a:lstStyle/>
+          <a:p>
+            <a:endParaRPr lang="en-US"/>
+          </a:p>
+        </p:txBody>
+      </p:sp>
+      <p:sp>
+        <p:nvSpPr>
+          <p:cNvPr id="5" name="Slide Number Placeholder 4"/>
+          <p:cNvSpPr>
+            <a:spLocks noGrp="1"/>
+          </p:cNvSpPr>
+          <p:nvPr>
+            <p:ph type="sldNum" sz="quarter" idx="12"/>
+          </p:nvPr>
+        </p:nvSpPr>
+        <p:spPr/>
+        <p:txBody>
+          <a:bodyPr/>
+          <a:lstStyle/>
+          <a:p>
+            <a:fld id="{9B0B5283-B408-487C-BD9C-A240A6426090}" type="slidenum">
+              <a:rPr lang="en-US" smtClean="0"/>
+              <a:t>‹#›</a:t>
+            </a:fld>
+            <a:endParaRPr lang="en-US"/>
+          </a:p>
+        </p:txBody>
+      </p:sp>
+    </p:spTree>
+    <p:extLst>
+      <p:ext uri="{BB962C8B-B14F-4D97-AF65-F5344CB8AC3E}">
+        <p14:creationId xmlns:p14="http://schemas.microsoft.com/office/powerpoint/2010/main" val="561121882"/>
+      </p:ext>
+    </p:extLst>
+  </p:cSld>
+  <p:clrMapOvr>
+    <a:masterClrMapping/>
+  </p:clrMapOvr>
+</p:sldLayout>
+</file>
+
+<file path=ppt/slideLayouts/slideLayout15.xml><?xml version="1.0" encoding="utf-8"?>
+<p:sldLayout xmlns:a="http://schemas.openxmlformats.org/drawingml/2006/main" xmlns:r="http://schemas.openxmlformats.org/officeDocument/2006/relationships" xmlns:p="http://schemas.openxmlformats.org/presentationml/2006/main" preserve="1">
+  <p:cSld name="3 Picture Column">
+    <p:spTree>
+      <p:nvGrpSpPr>
+        <p:cNvPr id="1" name=""/>
+        <p:cNvGrpSpPr/>
+        <p:nvPr/>
+      </p:nvGrpSpPr>
+      <p:grpSpPr>
+        <a:xfrm>
+          <a:off x="0" y="0"/>
+          <a:ext cx="0" cy="0"/>
+          <a:chOff x="0" y="0"/>
+          <a:chExt cx="0" cy="0"/>
+        </a:xfrm>
+      </p:grpSpPr>
+      <p:sp>
+        <p:nvSpPr>
+          <p:cNvPr id="30" name="Title 1"/>
+          <p:cNvSpPr>
+            <a:spLocks noGrp="1"/>
+          </p:cNvSpPr>
+          <p:nvPr>
+            <p:ph type="title"/>
+          </p:nvPr>
+        </p:nvSpPr>
+        <p:spPr>
+          <a:xfrm>
+            <a:off x="2895600" y="762000"/>
+            <a:ext cx="8610599" cy="1295400"/>
+          </a:xfrm>
+        </p:spPr>
+        <p:txBody>
+          <a:bodyPr/>
+          <a:lstStyle/>
+          <a:p>
+            <a:r>
+              <a:rPr lang="en-US"/>
+              <a:t>Click to edit Master title style</a:t>
+            </a:r>
+            <a:endParaRPr lang="en-US" dirty="0"/>
+          </a:p>
+        </p:txBody>
+      </p:sp>
+      <p:sp>
+        <p:nvSpPr>
+          <p:cNvPr id="19" name="Text Placeholder 2"/>
+          <p:cNvSpPr>
+            <a:spLocks noGrp="1"/>
+          </p:cNvSpPr>
+          <p:nvPr>
+            <p:ph type="body" idx="1"/>
+          </p:nvPr>
+        </p:nvSpPr>
+        <p:spPr>
+          <a:xfrm>
+            <a:off x="688618" y="4191000"/>
+            <a:ext cx="3451582" cy="682765"/>
+          </a:xfrm>
+        </p:spPr>
+        <p:txBody>
+          <a:bodyPr anchor="b">
+            <a:noAutofit/>
+          </a:bodyPr>
+          <a:lstStyle>
+            <a:lvl1pPr marL="0" indent="0">
+              <a:buNone/>
+              <a:defRPr sz="2400" b="0">
+                <a:solidFill>
+                  <a:schemeClr val="tx1"/>
+                </a:solidFill>
+              </a:defRPr>
+            </a:lvl1pPr>
+            <a:lvl2pPr marL="457200" indent="0">
+              <a:buNone/>
+              <a:defRPr sz="2000" b="1"/>
+            </a:lvl2pPr>
+            <a:lvl3pPr marL="914400" indent="0">
+              <a:buNone/>
+              <a:defRPr sz="1800" b="1"/>
+            </a:lvl3pPr>
+            <a:lvl4pPr marL="1371600" indent="0">
+              <a:buNone/>
+              <a:defRPr sz="1600" b="1"/>
+            </a:lvl4pPr>
+            <a:lvl5pPr marL="1828800" indent="0">
+              <a:buNone/>
+              <a:defRPr sz="1600" b="1"/>
+            </a:lvl5pPr>
+            <a:lvl6pPr marL="2286000" indent="0">
+              <a:buNone/>
+              <a:defRPr sz="1600" b="1"/>
+            </a:lvl6pPr>
+            <a:lvl7pPr marL="2743200" indent="0">
+              <a:buNone/>
+              <a:defRPr sz="1600" b="1"/>
+            </a:lvl7pPr>
+            <a:lvl8pPr marL="3200400" indent="0">
+              <a:buNone/>
+              <a:defRPr sz="1600" b="1"/>
+            </a:lvl8pPr>
+            <a:lvl9pPr marL="3657600" indent="0">
+              <a:buNone/>
+              <a:defRPr sz="1600" b="1"/>
+            </a:lvl9pPr>
+          </a:lstStyle>
+          <a:p>
+            <a:pPr lvl="0"/>
+            <a:r>
+              <a:rPr lang="en-US"/>
+              <a:t>Click to edit Master text styles</a:t>
+            </a:r>
+          </a:p>
+        </p:txBody>
+      </p:sp>
+      <p:sp>
+        <p:nvSpPr>
+          <p:cNvPr id="20" name="Picture Placeholder 2"/>
+          <p:cNvSpPr>
+            <a:spLocks noGrp="1" noChangeAspect="1"/>
+          </p:cNvSpPr>
+          <p:nvPr>
+            <p:ph type="pic" idx="15"/>
+          </p:nvPr>
+        </p:nvSpPr>
+        <p:spPr>
+          <a:xfrm>
+            <a:off x="688618" y="2362200"/>
+            <a:ext cx="3451582" cy="1524000"/>
+          </a:xfrm>
+          <a:prstGeom prst="roundRect">
+            <a:avLst>
+              <a:gd name="adj" fmla="val 0"/>
+            </a:avLst>
+          </a:prstGeom>
+          <a:effectLst>
+            <a:outerShdw blurRad="50800" dist="50800" dir="5400000" algn="tl" rotWithShape="0">
+              <a:srgbClr val="000000">
+                <a:alpha val="43000"/>
+              </a:srgbClr>
+            </a:outerShdw>
+          </a:effectLst>
+        </p:spPr>
+        <p:txBody>
+          <a:bodyPr anchor="t">
+            <a:normAutofit/>
+          </a:bodyPr>
+          <a:lstStyle>
+            <a:lvl1pPr marL="0" indent="0" algn="ctr">
+              <a:buNone/>
+              <a:defRPr sz="1600"/>
+            </a:lvl1pPr>
+            <a:lvl2pPr marL="457200" indent="0">
+              <a:buNone/>
+              <a:defRPr sz="1600"/>
+            </a:lvl2pPr>
+            <a:lvl3pPr marL="914400" indent="0">
+              <a:buNone/>
+              <a:defRPr sz="1600"/>
+            </a:lvl3pPr>
+            <a:lvl4pPr marL="1371600" indent="0">
+              <a:buNone/>
+              <a:defRPr sz="1600"/>
+            </a:lvl4pPr>
+            <a:lvl5pPr marL="1828800" indent="0">
+              <a:buNone/>
+              <a:defRPr sz="1600"/>
+            </a:lvl5pPr>
+            <a:lvl6pPr marL="2286000" indent="0">
+              <a:buNone/>
+              <a:defRPr sz="1600"/>
+            </a:lvl6pPr>
+            <a:lvl7pPr marL="2743200" indent="0">
+              <a:buNone/>
+              <a:defRPr sz="1600"/>
+            </a:lvl7pPr>
+            <a:lvl8pPr marL="3200400" indent="0">
+              <a:buNone/>
+              <a:defRPr sz="1600"/>
+            </a:lvl8pPr>
+            <a:lvl9pPr marL="3657600" indent="0">
+              <a:buNone/>
+              <a:defRPr sz="1600"/>
+            </a:lvl9pPr>
+          </a:lstStyle>
+          <a:p>
+            <a:r>
+              <a:rPr lang="en-US"/>
+              <a:t>Click icon to add picture</a:t>
+            </a:r>
+            <a:endParaRPr lang="en-US" dirty="0"/>
+          </a:p>
+        </p:txBody>
+      </p:sp>
+      <p:sp>
+        <p:nvSpPr>
+          <p:cNvPr id="21" name="Text Placeholder 3"/>
+          <p:cNvSpPr>
+            <a:spLocks noGrp="1"/>
+          </p:cNvSpPr>
+          <p:nvPr>
+            <p:ph type="body" sz="half" idx="18"/>
+          </p:nvPr>
+        </p:nvSpPr>
+        <p:spPr>
+          <a:xfrm>
+            <a:off x="688618" y="4873764"/>
+            <a:ext cx="3451582" cy="1344921"/>
+          </a:xfrm>
+        </p:spPr>
+        <p:txBody>
+          <a:bodyPr anchor="t">
+            <a:normAutofit/>
+          </a:bodyPr>
+          <a:lstStyle>
+            <a:lvl1pPr marL="0" indent="0">
+              <a:buNone/>
+              <a:defRPr sz="1400"/>
+            </a:lvl1pPr>
+            <a:lvl2pPr marL="457200" indent="0">
+              <a:buNone/>
+              <a:defRPr sz="1200"/>
+            </a:lvl2pPr>
+            <a:lvl3pPr marL="914400" indent="0">
+              <a:buNone/>
+              <a:defRPr sz="1000"/>
+            </a:lvl3pPr>
+            <a:lvl4pPr marL="1371600" indent="0">
+              <a:buNone/>
+              <a:defRPr sz="900"/>
+            </a:lvl4pPr>
+            <a:lvl5pPr marL="1828800" indent="0">
+              <a:buNone/>
+              <a:defRPr sz="900"/>
+            </a:lvl5pPr>
+            <a:lvl6pPr marL="2286000" indent="0">
+              <a:buNone/>
+              <a:defRPr sz="900"/>
+            </a:lvl6pPr>
+            <a:lvl7pPr marL="2743200" indent="0">
+              <a:buNone/>
+              <a:defRPr sz="900"/>
+            </a:lvl7pPr>
+            <a:lvl8pPr marL="3200400" indent="0">
+              <a:buNone/>
+              <a:defRPr sz="900"/>
+            </a:lvl8pPr>
+            <a:lvl9pPr marL="3657600" indent="0">
+              <a:buNone/>
+              <a:defRPr sz="900"/>
+            </a:lvl9pPr>
+          </a:lstStyle>
+          <a:p>
+            <a:pPr lvl="0"/>
+            <a:r>
+              <a:rPr lang="en-US"/>
+              <a:t>Click to edit Master text styles</a:t>
+            </a:r>
+          </a:p>
+        </p:txBody>
+      </p:sp>
+      <p:sp>
+        <p:nvSpPr>
+          <p:cNvPr id="22" name="Text Placeholder 4"/>
+          <p:cNvSpPr>
+            <a:spLocks noGrp="1"/>
+          </p:cNvSpPr>
+          <p:nvPr>
+            <p:ph type="body" sz="quarter" idx="3"/>
+          </p:nvPr>
+        </p:nvSpPr>
+        <p:spPr>
+          <a:xfrm>
+            <a:off x="4374263" y="4191000"/>
+            <a:ext cx="3448935" cy="682765"/>
+          </a:xfrm>
+        </p:spPr>
+        <p:txBody>
+          <a:bodyPr anchor="b">
+            <a:noAutofit/>
+          </a:bodyPr>
+          <a:lstStyle>
+            <a:lvl1pPr marL="0" indent="0">
+              <a:buNone/>
+              <a:defRPr sz="2400" b="0">
+                <a:solidFill>
+                  <a:schemeClr val="tx1"/>
+                </a:solidFill>
+              </a:defRPr>
+            </a:lvl1pPr>
+            <a:lvl2pPr marL="457200" indent="0">
+              <a:buNone/>
+              <a:defRPr sz="2000" b="1"/>
+            </a:lvl2pPr>
+            <a:lvl3pPr marL="914400" indent="0">
+              <a:buNone/>
+              <a:defRPr sz="1800" b="1"/>
+            </a:lvl3pPr>
+            <a:lvl4pPr marL="1371600" indent="0">
+              <a:buNone/>
+              <a:defRPr sz="1600" b="1"/>
+            </a:lvl4pPr>
+            <a:lvl5pPr marL="1828800" indent="0">
+              <a:buNone/>
+              <a:defRPr sz="1600" b="1"/>
+            </a:lvl5pPr>
+            <a:lvl6pPr marL="2286000" indent="0">
+              <a:buNone/>
+              <a:defRPr sz="1600" b="1"/>
+            </a:lvl6pPr>
+            <a:lvl7pPr marL="2743200" indent="0">
+              <a:buNone/>
+              <a:defRPr sz="1600" b="1"/>
+            </a:lvl7pPr>
+            <a:lvl8pPr marL="3200400" indent="0">
+              <a:buNone/>
+              <a:defRPr sz="1600" b="1"/>
+            </a:lvl8pPr>
+            <a:lvl9pPr marL="3657600" indent="0">
+              <a:buNone/>
+              <a:defRPr sz="1600" b="1"/>
+            </a:lvl9pPr>
+          </a:lstStyle>
+          <a:p>
+            <a:pPr lvl="0"/>
+            <a:r>
+              <a:rPr lang="en-US"/>
+              <a:t>Click to edit Master text styles</a:t>
+            </a:r>
+          </a:p>
+        </p:txBody>
+      </p:sp>
+      <p:sp>
+        <p:nvSpPr>
+          <p:cNvPr id="23" name="Picture Placeholder 2"/>
+          <p:cNvSpPr>
+            <a:spLocks noGrp="1" noChangeAspect="1"/>
+          </p:cNvSpPr>
+          <p:nvPr>
+            <p:ph type="pic" idx="21"/>
+          </p:nvPr>
+        </p:nvSpPr>
+        <p:spPr>
+          <a:xfrm>
+            <a:off x="4374263" y="2362200"/>
+            <a:ext cx="3448936" cy="1524000"/>
+          </a:xfrm>
+          <a:prstGeom prst="roundRect">
+            <a:avLst>
+              <a:gd name="adj" fmla="val 0"/>
+            </a:avLst>
+          </a:prstGeom>
+          <a:effectLst>
+            <a:outerShdw blurRad="50800" dist="50800" dir="5400000" algn="tl" rotWithShape="0">
+              <a:srgbClr val="000000">
+                <a:alpha val="43000"/>
+              </a:srgbClr>
+            </a:outerShdw>
+          </a:effectLst>
+        </p:spPr>
+        <p:txBody>
+          <a:bodyPr anchor="t">
+            <a:normAutofit/>
+          </a:bodyPr>
+          <a:lstStyle>
+            <a:lvl1pPr marL="0" indent="0" algn="ctr">
+              <a:buNone/>
+              <a:defRPr sz="1600"/>
+            </a:lvl1pPr>
+            <a:lvl2pPr marL="457200" indent="0">
+              <a:buNone/>
+              <a:defRPr sz="1600"/>
+            </a:lvl2pPr>
+            <a:lvl3pPr marL="914400" indent="0">
+              <a:buNone/>
+              <a:defRPr sz="1600"/>
+            </a:lvl3pPr>
+            <a:lvl4pPr marL="1371600" indent="0">
+              <a:buNone/>
+              <a:defRPr sz="1600"/>
+            </a:lvl4pPr>
+            <a:lvl5pPr marL="1828800" indent="0">
+              <a:buNone/>
+              <a:defRPr sz="1600"/>
+            </a:lvl5pPr>
+            <a:lvl6pPr marL="2286000" indent="0">
+              <a:buNone/>
+              <a:defRPr sz="1600"/>
+            </a:lvl6pPr>
+            <a:lvl7pPr marL="2743200" indent="0">
+              <a:buNone/>
+              <a:defRPr sz="1600"/>
+            </a:lvl7pPr>
+            <a:lvl8pPr marL="3200400" indent="0">
+              <a:buNone/>
+              <a:defRPr sz="1600"/>
+            </a:lvl8pPr>
+            <a:lvl9pPr marL="3657600" indent="0">
+              <a:buNone/>
+              <a:defRPr sz="1600"/>
+            </a:lvl9pPr>
+          </a:lstStyle>
+          <a:p>
+            <a:r>
+              <a:rPr lang="en-US"/>
+              <a:t>Click icon to add picture</a:t>
+            </a:r>
+            <a:endParaRPr lang="en-US" dirty="0"/>
+          </a:p>
+        </p:txBody>
+      </p:sp>
+      <p:sp>
+        <p:nvSpPr>
+          <p:cNvPr id="24" name="Text Placeholder 3"/>
+          <p:cNvSpPr>
+            <a:spLocks noGrp="1"/>
+          </p:cNvSpPr>
+          <p:nvPr>
+            <p:ph type="body" sz="half" idx="19"/>
+          </p:nvPr>
+        </p:nvSpPr>
+        <p:spPr>
+          <a:xfrm>
+            <a:off x="4374264" y="4873763"/>
+            <a:ext cx="3448935" cy="1344921"/>
+          </a:xfrm>
+        </p:spPr>
+        <p:txBody>
+          <a:bodyPr anchor="t">
+            <a:normAutofit/>
+          </a:bodyPr>
+          <a:lstStyle>
+            <a:lvl1pPr marL="0" indent="0">
+              <a:buNone/>
+              <a:defRPr sz="1400"/>
+            </a:lvl1pPr>
+            <a:lvl2pPr marL="457200" indent="0">
+              <a:buNone/>
+              <a:defRPr sz="1200"/>
+            </a:lvl2pPr>
+            <a:lvl3pPr marL="914400" indent="0">
+              <a:buNone/>
+              <a:defRPr sz="1000"/>
+            </a:lvl3pPr>
+            <a:lvl4pPr marL="1371600" indent="0">
+              <a:buNone/>
+              <a:defRPr sz="900"/>
+            </a:lvl4pPr>
+            <a:lvl5pPr marL="1828800" indent="0">
+              <a:buNone/>
+              <a:defRPr sz="900"/>
+            </a:lvl5pPr>
+            <a:lvl6pPr marL="2286000" indent="0">
+              <a:buNone/>
+              <a:defRPr sz="900"/>
+            </a:lvl6pPr>
+            <a:lvl7pPr marL="2743200" indent="0">
+              <a:buNone/>
+              <a:defRPr sz="900"/>
+            </a:lvl7pPr>
+            <a:lvl8pPr marL="3200400" indent="0">
+              <a:buNone/>
+              <a:defRPr sz="900"/>
+            </a:lvl8pPr>
+            <a:lvl9pPr marL="3657600" indent="0">
+              <a:buNone/>
+              <a:defRPr sz="900"/>
+            </a:lvl9pPr>
+          </a:lstStyle>
+          <a:p>
+            <a:pPr lvl="0"/>
+            <a:r>
+              <a:rPr lang="en-US"/>
+              <a:t>Click to edit Master text styles</a:t>
+            </a:r>
+          </a:p>
+        </p:txBody>
+      </p:sp>
+      <p:sp>
+        <p:nvSpPr>
+          <p:cNvPr id="25" name="Text Placeholder 4"/>
+          <p:cNvSpPr>
+            <a:spLocks noGrp="1"/>
+          </p:cNvSpPr>
+          <p:nvPr>
+            <p:ph type="body" sz="quarter" idx="13"/>
+          </p:nvPr>
+        </p:nvSpPr>
+        <p:spPr>
+          <a:xfrm>
+            <a:off x="8049731" y="4191000"/>
+            <a:ext cx="3456469" cy="682765"/>
+          </a:xfrm>
+        </p:spPr>
+        <p:txBody>
+          <a:bodyPr anchor="b">
+            <a:noAutofit/>
+          </a:bodyPr>
+          <a:lstStyle>
+            <a:lvl1pPr marL="0" indent="0">
+              <a:buNone/>
+              <a:defRPr sz="2400" b="0">
+                <a:solidFill>
+                  <a:schemeClr val="tx1"/>
+                </a:solidFill>
+              </a:defRPr>
+            </a:lvl1pPr>
+            <a:lvl2pPr marL="457200" indent="0">
+              <a:buNone/>
+              <a:defRPr sz="2000" b="1"/>
+            </a:lvl2pPr>
+            <a:lvl3pPr marL="914400" indent="0">
+              <a:buNone/>
+              <a:defRPr sz="1800" b="1"/>
+            </a:lvl3pPr>
+            <a:lvl4pPr marL="1371600" indent="0">
+              <a:buNone/>
+              <a:defRPr sz="1600" b="1"/>
+            </a:lvl4pPr>
+            <a:lvl5pPr marL="1828800" indent="0">
+              <a:buNone/>
+              <a:defRPr sz="1600" b="1"/>
+            </a:lvl5pPr>
+            <a:lvl6pPr marL="2286000" indent="0">
+              <a:buNone/>
+              <a:defRPr sz="1600" b="1"/>
+            </a:lvl6pPr>
+            <a:lvl7pPr marL="2743200" indent="0">
+              <a:buNone/>
+              <a:defRPr sz="1600" b="1"/>
+            </a:lvl7pPr>
+            <a:lvl8pPr marL="3200400" indent="0">
+              <a:buNone/>
+              <a:defRPr sz="1600" b="1"/>
+            </a:lvl8pPr>
+            <a:lvl9pPr marL="3657600" indent="0">
+              <a:buNone/>
+              <a:defRPr sz="1600" b="1"/>
+            </a:lvl9pPr>
+          </a:lstStyle>
+          <a:p>
+            <a:pPr lvl="0"/>
+            <a:r>
+              <a:rPr lang="en-US"/>
+              <a:t>Click to edit Master text styles</a:t>
+            </a:r>
+          </a:p>
+        </p:txBody>
+      </p:sp>
+      <p:sp>
+        <p:nvSpPr>
+          <p:cNvPr id="26" name="Picture Placeholder 2"/>
+          <p:cNvSpPr>
+            <a:spLocks noGrp="1" noChangeAspect="1"/>
+          </p:cNvSpPr>
+          <p:nvPr>
+            <p:ph type="pic" idx="22"/>
+          </p:nvPr>
+        </p:nvSpPr>
+        <p:spPr>
+          <a:xfrm>
+            <a:off x="8049855" y="2362200"/>
+            <a:ext cx="3447878" cy="1524000"/>
+          </a:xfrm>
+          <a:prstGeom prst="roundRect">
+            <a:avLst>
+              <a:gd name="adj" fmla="val 0"/>
+            </a:avLst>
+          </a:prstGeom>
+          <a:effectLst>
+            <a:outerShdw blurRad="50800" dist="50800" dir="5400000" algn="tl" rotWithShape="0">
+              <a:srgbClr val="000000">
+                <a:alpha val="43000"/>
+              </a:srgbClr>
+            </a:outerShdw>
+          </a:effectLst>
+        </p:spPr>
+        <p:txBody>
+          <a:bodyPr anchor="t">
+            <a:normAutofit/>
+          </a:bodyPr>
+          <a:lstStyle>
+            <a:lvl1pPr marL="0" indent="0" algn="ctr">
+              <a:buNone/>
+              <a:defRPr sz="1600"/>
+            </a:lvl1pPr>
+            <a:lvl2pPr marL="457200" indent="0">
+              <a:buNone/>
+              <a:defRPr sz="1600"/>
+            </a:lvl2pPr>
+            <a:lvl3pPr marL="914400" indent="0">
+              <a:buNone/>
+              <a:defRPr sz="1600"/>
+            </a:lvl3pPr>
+            <a:lvl4pPr marL="1371600" indent="0">
+              <a:buNone/>
+              <a:defRPr sz="1600"/>
+            </a:lvl4pPr>
+            <a:lvl5pPr marL="1828800" indent="0">
+              <a:buNone/>
+              <a:defRPr sz="1600"/>
+            </a:lvl5pPr>
+            <a:lvl6pPr marL="2286000" indent="0">
+              <a:buNone/>
+              <a:defRPr sz="1600"/>
+            </a:lvl6pPr>
+            <a:lvl7pPr marL="2743200" indent="0">
+              <a:buNone/>
+              <a:defRPr sz="1600"/>
+            </a:lvl7pPr>
+            <a:lvl8pPr marL="3200400" indent="0">
+              <a:buNone/>
+              <a:defRPr sz="1600"/>
+            </a:lvl8pPr>
+            <a:lvl9pPr marL="3657600" indent="0">
+              <a:buNone/>
+              <a:defRPr sz="1600"/>
+            </a:lvl9pPr>
+          </a:lstStyle>
+          <a:p>
+            <a:r>
+              <a:rPr lang="en-US"/>
+              <a:t>Click icon to add picture</a:t>
+            </a:r>
+            <a:endParaRPr lang="en-US" dirty="0"/>
+          </a:p>
+        </p:txBody>
+      </p:sp>
+      <p:sp>
+        <p:nvSpPr>
+          <p:cNvPr id="27" name="Text Placeholder 3"/>
+          <p:cNvSpPr>
+            <a:spLocks noGrp="1"/>
+          </p:cNvSpPr>
+          <p:nvPr>
+            <p:ph type="body" sz="half" idx="20"/>
+          </p:nvPr>
+        </p:nvSpPr>
+        <p:spPr>
+          <a:xfrm>
+            <a:off x="8049731" y="4873761"/>
+            <a:ext cx="3452445" cy="1344921"/>
+          </a:xfrm>
+        </p:spPr>
+        <p:txBody>
+          <a:bodyPr anchor="t">
+            <a:normAutofit/>
+          </a:bodyPr>
+          <a:lstStyle>
+            <a:lvl1pPr marL="0" indent="0">
+              <a:buNone/>
+              <a:defRPr sz="1400"/>
+            </a:lvl1pPr>
+            <a:lvl2pPr marL="457200" indent="0">
+              <a:buNone/>
+              <a:defRPr sz="1200"/>
+            </a:lvl2pPr>
+            <a:lvl3pPr marL="914400" indent="0">
+              <a:buNone/>
+              <a:defRPr sz="1000"/>
+            </a:lvl3pPr>
+            <a:lvl4pPr marL="1371600" indent="0">
+              <a:buNone/>
+              <a:defRPr sz="900"/>
+            </a:lvl4pPr>
+            <a:lvl5pPr marL="1828800" indent="0">
+              <a:buNone/>
+              <a:defRPr sz="900"/>
+            </a:lvl5pPr>
+            <a:lvl6pPr marL="2286000" indent="0">
+              <a:buNone/>
+              <a:defRPr sz="900"/>
+            </a:lvl6pPr>
+            <a:lvl7pPr marL="2743200" indent="0">
+              <a:buNone/>
+              <a:defRPr sz="900"/>
+            </a:lvl7pPr>
+            <a:lvl8pPr marL="3200400" indent="0">
+              <a:buNone/>
+              <a:defRPr sz="900"/>
+            </a:lvl8pPr>
+            <a:lvl9pPr marL="3657600" indent="0">
+              <a:buNone/>
+              <a:defRPr sz="900"/>
+            </a:lvl9pPr>
+          </a:lstStyle>
+          <a:p>
+            <a:pPr lvl="0"/>
+            <a:r>
+              <a:rPr lang="en-US"/>
+              <a:t>Click to edit Master text styles</a:t>
+            </a:r>
+          </a:p>
+        </p:txBody>
+      </p:sp>
+      <p:sp>
+        <p:nvSpPr>
+          <p:cNvPr id="3" name="Date Placeholder 2"/>
+          <p:cNvSpPr>
+            <a:spLocks noGrp="1"/>
+          </p:cNvSpPr>
+          <p:nvPr>
+            <p:ph type="dt" sz="half" idx="10"/>
+          </p:nvPr>
+        </p:nvSpPr>
+        <p:spPr/>
+        <p:txBody>
+          <a:bodyPr/>
+          <a:lstStyle/>
+          <a:p>
+            <a:fld id="{3A8AB521-9182-4012-B86B-65B8484C7DE3}" type="datetimeFigureOut">
+              <a:rPr lang="en-US" smtClean="0"/>
+              <a:t>1/28/2025</a:t>
+            </a:fld>
+            <a:endParaRPr lang="en-US"/>
+          </a:p>
+        </p:txBody>
+      </p:sp>
+      <p:sp>
+        <p:nvSpPr>
+          <p:cNvPr id="4" name="Footer Placeholder 3"/>
+          <p:cNvSpPr>
+            <a:spLocks noGrp="1"/>
+          </p:cNvSpPr>
+          <p:nvPr>
+            <p:ph type="ftr" sz="quarter" idx="11"/>
+          </p:nvPr>
+        </p:nvSpPr>
+        <p:spPr/>
+        <p:txBody>
+          <a:bodyPr/>
+          <a:lstStyle/>
+          <a:p>
+            <a:endParaRPr lang="en-US"/>
+          </a:p>
+        </p:txBody>
+      </p:sp>
+      <p:sp>
+        <p:nvSpPr>
+          <p:cNvPr id="5" name="Slide Number Placeholder 4"/>
+          <p:cNvSpPr>
+            <a:spLocks noGrp="1"/>
+          </p:cNvSpPr>
+          <p:nvPr>
+            <p:ph type="sldNum" sz="quarter" idx="12"/>
+          </p:nvPr>
+        </p:nvSpPr>
+        <p:spPr/>
+        <p:txBody>
+          <a:bodyPr/>
+          <a:lstStyle/>
+          <a:p>
+            <a:fld id="{9B0B5283-B408-487C-BD9C-A240A6426090}" type="slidenum">
+              <a:rPr lang="en-US" smtClean="0"/>
+              <a:t>‹#›</a:t>
+            </a:fld>
+            <a:endParaRPr lang="en-US"/>
+          </a:p>
+        </p:txBody>
+      </p:sp>
+    </p:spTree>
+    <p:extLst>
+      <p:ext uri="{BB962C8B-B14F-4D97-AF65-F5344CB8AC3E}">
+        <p14:creationId xmlns:p14="http://schemas.microsoft.com/office/powerpoint/2010/main" val="1171453387"/>
+      </p:ext>
+    </p:extLst>
+  </p:cSld>
+  <p:clrMapOvr>
+    <a:masterClrMapping/>
+  </p:clrMapOvr>
+</p:sldLayout>
+</file>
+
+<file path=ppt/slideLayouts/slideLayout16.xml><?xml version="1.0" encoding="utf-8"?>
 <p:sldLayout xmlns:a="http://schemas.openxmlformats.org/drawingml/2006/main" xmlns:r="http://schemas.openxmlformats.org/officeDocument/2006/relationships" xmlns:p="http://schemas.openxmlformats.org/presentationml/2006/main" type="vertTx" preserve="1">
   <p:cSld name="Title and Vertical Text">
     <p:spTree>
@@ -366,13 +2979,7 @@
       </p:grpSpPr>
       <p:sp>
         <p:nvSpPr>
-          <p:cNvPr id="2" name="Title 1">
-            <a:extLst>
-              <a:ext uri="{FF2B5EF4-FFF2-40B4-BE49-F238E27FC236}">
-                <a16:creationId xmlns:a16="http://schemas.microsoft.com/office/drawing/2014/main" id="{E35D35EF-F087-4B6A-B3B6-27DC70244DD9}"/>
-              </a:ext>
-            </a:extLst>
-          </p:cNvPr>
+          <p:cNvPr id="2" name="Title 1"/>
           <p:cNvSpPr>
             <a:spLocks noGrp="1"/>
           </p:cNvSpPr>
@@ -389,18 +2996,13 @@
               <a:rPr lang="en-US"/>
               <a:t>Click to edit Master title style</a:t>
             </a:r>
-          </a:p>
-        </p:txBody>
-      </p:sp>
-      <p:sp>
-        <p:nvSpPr>
-          <p:cNvPr id="3" name="Vertical Text Placeholder 2">
-            <a:extLst>
-              <a:ext uri="{FF2B5EF4-FFF2-40B4-BE49-F238E27FC236}">
-                <a16:creationId xmlns:a16="http://schemas.microsoft.com/office/drawing/2014/main" id="{2EABA42D-FD39-4CEA-B8AB-9F3B5A313755}"/>
-              </a:ext>
-            </a:extLst>
-          </p:cNvPr>
+            <a:endParaRPr lang="en-US" dirty="0"/>
+          </a:p>
+        </p:txBody>
+      </p:sp>
+      <p:sp>
+        <p:nvSpPr>
+          <p:cNvPr id="3" name="Vertical Text Placeholder 2"/>
           <p:cNvSpPr>
             <a:spLocks noGrp="1"/>
           </p:cNvSpPr>
@@ -408,7 +3010,12 @@
             <p:ph type="body" orient="vert" idx="1"/>
           </p:nvPr>
         </p:nvSpPr>
-        <p:spPr/>
+        <p:spPr>
+          <a:xfrm>
+            <a:off x="685800" y="2194559"/>
+            <a:ext cx="10820400" cy="4024125"/>
+          </a:xfrm>
+        </p:spPr>
         <p:txBody>
           <a:bodyPr vert="eaVert"/>
           <a:lstStyle/>
@@ -446,18 +3053,13 @@
               <a:rPr lang="en-US"/>
               <a:t>Fifth level</a:t>
             </a:r>
-          </a:p>
-        </p:txBody>
-      </p:sp>
-      <p:sp>
-        <p:nvSpPr>
-          <p:cNvPr id="4" name="Date Placeholder 3">
-            <a:extLst>
-              <a:ext uri="{FF2B5EF4-FFF2-40B4-BE49-F238E27FC236}">
-                <a16:creationId xmlns:a16="http://schemas.microsoft.com/office/drawing/2014/main" id="{6D7AF935-C516-45C7-A3CE-8F72801D7E97}"/>
-              </a:ext>
-            </a:extLst>
-          </p:cNvPr>
+            <a:endParaRPr lang="en-US" dirty="0"/>
+          </a:p>
+        </p:txBody>
+      </p:sp>
+      <p:sp>
+        <p:nvSpPr>
+          <p:cNvPr id="4" name="Date Placeholder 3"/>
           <p:cNvSpPr>
             <a:spLocks noGrp="1"/>
           </p:cNvSpPr>
@@ -472,7 +3074,7 @@
           <a:p>
             <a:fld id="{3A8AB521-9182-4012-B86B-65B8484C7DE3}" type="datetimeFigureOut">
               <a:rPr lang="en-US" smtClean="0"/>
-              <a:t>9/11/2024</a:t>
+              <a:t>1/28/2025</a:t>
             </a:fld>
             <a:endParaRPr lang="en-US"/>
           </a:p>
@@ -480,13 +3082,7 @@
       </p:sp>
       <p:sp>
         <p:nvSpPr>
-          <p:cNvPr id="5" name="Footer Placeholder 4">
-            <a:extLst>
-              <a:ext uri="{FF2B5EF4-FFF2-40B4-BE49-F238E27FC236}">
-                <a16:creationId xmlns:a16="http://schemas.microsoft.com/office/drawing/2014/main" id="{6E25816A-A378-4D5F-B13A-A3F2BC6661CD}"/>
-              </a:ext>
-            </a:extLst>
-          </p:cNvPr>
+          <p:cNvPr id="5" name="Footer Placeholder 4"/>
           <p:cNvSpPr>
             <a:spLocks noGrp="1"/>
           </p:cNvSpPr>
@@ -505,13 +3101,7 @@
       </p:sp>
       <p:sp>
         <p:nvSpPr>
-          <p:cNvPr id="6" name="Slide Number Placeholder 5">
-            <a:extLst>
-              <a:ext uri="{FF2B5EF4-FFF2-40B4-BE49-F238E27FC236}">
-                <a16:creationId xmlns:a16="http://schemas.microsoft.com/office/drawing/2014/main" id="{137E56A8-A867-44B1-A49D-272EC3D0EA67}"/>
-              </a:ext>
-            </a:extLst>
-          </p:cNvPr>
+          <p:cNvPr id="6" name="Slide Number Placeholder 5"/>
           <p:cNvSpPr>
             <a:spLocks noGrp="1"/>
           </p:cNvSpPr>
@@ -535,7 +3125,7 @@
     </p:spTree>
     <p:extLst>
       <p:ext uri="{BB962C8B-B14F-4D97-AF65-F5344CB8AC3E}">
-        <p14:creationId xmlns:p14="http://schemas.microsoft.com/office/powerpoint/2010/main" val="699478763"/>
+        <p14:creationId xmlns:p14="http://schemas.microsoft.com/office/powerpoint/2010/main" val="1183848613"/>
       </p:ext>
     </p:extLst>
   </p:cSld>
@@ -545,8 +3135,8 @@
 </p:sldLayout>
 </file>
 
-<file path=ppt/slideLayouts/slideLayout11.xml><?xml version="1.0" encoding="utf-8"?>
-<p:sldLayout xmlns:a="http://schemas.openxmlformats.org/drawingml/2006/main" xmlns:r="http://schemas.openxmlformats.org/officeDocument/2006/relationships" xmlns:p="http://schemas.openxmlformats.org/presentationml/2006/main" type="vertTitleAndTx" preserve="1">
+<file path=ppt/slideLayouts/slideLayout17.xml><?xml version="1.0" encoding="utf-8"?>
+<p:sldLayout xmlns:a="http://schemas.openxmlformats.org/drawingml/2006/main" xmlns:r="http://schemas.openxmlformats.org/officeDocument/2006/relationships" xmlns:p="http://schemas.openxmlformats.org/presentationml/2006/main" showMasterSp="0" type="vertTitleAndTx" preserve="1">
   <p:cSld name="Vertical Title and Text">
     <p:spTree>
       <p:nvGrpSpPr>
@@ -562,48 +3152,71 @@
           <a:chExt cx="0" cy="0"/>
         </a:xfrm>
       </p:grpSpPr>
-      <p:sp>
-        <p:nvSpPr>
-          <p:cNvPr id="2" name="Vertical Title 1">
+      <p:pic>
+        <p:nvPicPr>
+          <p:cNvPr id="8" name="Picture 7" descr="C0-HD-BTM.png"/>
+          <p:cNvPicPr>
+            <a:picLocks noChangeAspect="1"/>
+          </p:cNvPicPr>
+          <p:nvPr/>
+        </p:nvPicPr>
+        <p:blipFill>
+          <a:blip r:embed="rId2">
             <a:extLst>
-              <a:ext uri="{FF2B5EF4-FFF2-40B4-BE49-F238E27FC236}">
-                <a16:creationId xmlns:a16="http://schemas.microsoft.com/office/drawing/2014/main" id="{23B9D34C-214A-44FB-ABD9-710940CD62F0}"/>
+              <a:ext uri="{28A0092B-C50C-407E-A947-70E740481C1C}">
+                <a14:useLocalDpi xmlns:a14="http://schemas.microsoft.com/office/drawing/2010/main" val="0"/>
               </a:ext>
             </a:extLst>
-          </p:cNvPr>
-          <p:cNvSpPr>
-            <a:spLocks noGrp="1"/>
-          </p:cNvSpPr>
-          <p:nvPr>
-            <p:ph type="title" orient="vert"/>
-          </p:nvPr>
-        </p:nvSpPr>
+          </a:blip>
+          <a:stretch>
+            <a:fillRect/>
+          </a:stretch>
+        </p:blipFill>
         <p:spPr>
           <a:xfrm>
-            <a:off x="8724900" y="365125"/>
-            <a:ext cx="2628900" cy="5811838"/>
+            <a:off x="0" y="4375150"/>
+            <a:ext cx="12192000" cy="2482850"/>
+          </a:xfrm>
+          <a:prstGeom prst="rect">
+            <a:avLst/>
+          </a:prstGeom>
+        </p:spPr>
+      </p:pic>
+      <p:sp>
+        <p:nvSpPr>
+          <p:cNvPr id="2" name="Vertical Title 1"/>
+          <p:cNvSpPr>
+            <a:spLocks noGrp="1"/>
+          </p:cNvSpPr>
+          <p:nvPr>
+            <p:ph type="title" orient="vert"/>
+          </p:nvPr>
+        </p:nvSpPr>
+        <p:spPr>
+          <a:xfrm>
+            <a:off x="9448800" y="745066"/>
+            <a:ext cx="2057400" cy="3903133"/>
           </a:xfrm>
         </p:spPr>
         <p:txBody>
           <a:bodyPr vert="eaVert"/>
-          <a:lstStyle/>
+          <a:lstStyle>
+            <a:lvl1pPr algn="l">
+              <a:defRPr/>
+            </a:lvl1pPr>
+          </a:lstStyle>
           <a:p>
             <a:r>
               <a:rPr lang="en-US"/>
               <a:t>Click to edit Master title style</a:t>
             </a:r>
-          </a:p>
-        </p:txBody>
-      </p:sp>
-      <p:sp>
-        <p:nvSpPr>
-          <p:cNvPr id="3" name="Vertical Text Placeholder 2">
-            <a:extLst>
-              <a:ext uri="{FF2B5EF4-FFF2-40B4-BE49-F238E27FC236}">
-                <a16:creationId xmlns:a16="http://schemas.microsoft.com/office/drawing/2014/main" id="{8FC4EAE7-93D8-495B-93E6-F80C71594935}"/>
-              </a:ext>
-            </a:extLst>
-          </p:cNvPr>
+            <a:endParaRPr lang="en-US" dirty="0"/>
+          </a:p>
+        </p:txBody>
+      </p:sp>
+      <p:sp>
+        <p:nvSpPr>
+          <p:cNvPr id="3" name="Vertical Text Placeholder 2"/>
           <p:cNvSpPr>
             <a:spLocks noGrp="1"/>
           </p:cNvSpPr>
@@ -613,8 +3226,8 @@
         </p:nvSpPr>
         <p:spPr>
           <a:xfrm>
-            <a:off x="838200" y="365125"/>
-            <a:ext cx="7734300" cy="5811838"/>
+            <a:off x="1024466" y="745067"/>
+            <a:ext cx="8204201" cy="3903133"/>
           </a:xfrm>
         </p:spPr>
         <p:txBody>
@@ -654,18 +3267,13 @@
               <a:rPr lang="en-US"/>
               <a:t>Fifth level</a:t>
             </a:r>
-          </a:p>
-        </p:txBody>
-      </p:sp>
-      <p:sp>
-        <p:nvSpPr>
-          <p:cNvPr id="4" name="Date Placeholder 3">
-            <a:extLst>
-              <a:ext uri="{FF2B5EF4-FFF2-40B4-BE49-F238E27FC236}">
-                <a16:creationId xmlns:a16="http://schemas.microsoft.com/office/drawing/2014/main" id="{8AFB468A-2C9A-4784-B067-E3F02C3671BF}"/>
-              </a:ext>
-            </a:extLst>
-          </p:cNvPr>
+            <a:endParaRPr lang="en-US" dirty="0"/>
+          </a:p>
+        </p:txBody>
+      </p:sp>
+      <p:sp>
+        <p:nvSpPr>
+          <p:cNvPr id="4" name="Date Placeholder 3"/>
           <p:cNvSpPr>
             <a:spLocks noGrp="1"/>
           </p:cNvSpPr>
@@ -673,53 +3281,55 @@
             <p:ph type="dt" sz="half" idx="10"/>
           </p:nvPr>
         </p:nvSpPr>
-        <p:spPr/>
+        <p:spPr>
+          <a:xfrm>
+            <a:off x="7814452" y="379941"/>
+            <a:ext cx="2910840" cy="365125"/>
+          </a:xfrm>
+        </p:spPr>
+        <p:txBody>
+          <a:bodyPr/>
+          <a:lstStyle>
+            <a:lvl1pPr algn="r">
+              <a:defRPr/>
+            </a:lvl1pPr>
+          </a:lstStyle>
+          <a:p>
+            <a:fld id="{3A8AB521-9182-4012-B86B-65B8484C7DE3}" type="datetimeFigureOut">
+              <a:rPr lang="en-US" smtClean="0"/>
+              <a:t>1/28/2025</a:t>
+            </a:fld>
+            <a:endParaRPr lang="en-US"/>
+          </a:p>
+        </p:txBody>
+      </p:sp>
+      <p:sp>
+        <p:nvSpPr>
+          <p:cNvPr id="5" name="Footer Placeholder 4"/>
+          <p:cNvSpPr>
+            <a:spLocks noGrp="1"/>
+          </p:cNvSpPr>
+          <p:nvPr>
+            <p:ph type="ftr" sz="quarter" idx="11"/>
+          </p:nvPr>
+        </p:nvSpPr>
+        <p:spPr>
+          <a:xfrm>
+            <a:off x="685800" y="381000"/>
+            <a:ext cx="6991492" cy="365125"/>
+          </a:xfrm>
+        </p:spPr>
         <p:txBody>
           <a:bodyPr/>
           <a:lstStyle/>
           <a:p>
-            <a:fld id="{3A8AB521-9182-4012-B86B-65B8484C7DE3}" type="datetimeFigureOut">
-              <a:rPr lang="en-US" smtClean="0"/>
-              <a:t>9/11/2024</a:t>
-            </a:fld>
             <a:endParaRPr lang="en-US"/>
           </a:p>
         </p:txBody>
       </p:sp>
       <p:sp>
         <p:nvSpPr>
-          <p:cNvPr id="5" name="Footer Placeholder 4">
-            <a:extLst>
-              <a:ext uri="{FF2B5EF4-FFF2-40B4-BE49-F238E27FC236}">
-                <a16:creationId xmlns:a16="http://schemas.microsoft.com/office/drawing/2014/main" id="{DBA87907-70AF-4CC1-8EBE-B88F98DE2B68}"/>
-              </a:ext>
-            </a:extLst>
-          </p:cNvPr>
-          <p:cNvSpPr>
-            <a:spLocks noGrp="1"/>
-          </p:cNvSpPr>
-          <p:nvPr>
-            <p:ph type="ftr" sz="quarter" idx="11"/>
-          </p:nvPr>
-        </p:nvSpPr>
-        <p:spPr/>
-        <p:txBody>
-          <a:bodyPr/>
-          <a:lstStyle/>
-          <a:p>
-            <a:endParaRPr lang="en-US"/>
-          </a:p>
-        </p:txBody>
-      </p:sp>
-      <p:sp>
-        <p:nvSpPr>
-          <p:cNvPr id="6" name="Slide Number Placeholder 5">
-            <a:extLst>
-              <a:ext uri="{FF2B5EF4-FFF2-40B4-BE49-F238E27FC236}">
-                <a16:creationId xmlns:a16="http://schemas.microsoft.com/office/drawing/2014/main" id="{4C0E2D78-9F6E-4CF5-B599-9FD05AE9F6FA}"/>
-              </a:ext>
-            </a:extLst>
-          </p:cNvPr>
+          <p:cNvPr id="6" name="Slide Number Placeholder 5"/>
           <p:cNvSpPr>
             <a:spLocks noGrp="1"/>
           </p:cNvSpPr>
@@ -727,7 +3337,12 @@
             <p:ph type="sldNum" sz="quarter" idx="12"/>
           </p:nvPr>
         </p:nvSpPr>
-        <p:spPr/>
+        <p:spPr>
+          <a:xfrm>
+            <a:off x="10862452" y="381000"/>
+            <a:ext cx="643748" cy="365125"/>
+          </a:xfrm>
+        </p:spPr>
         <p:txBody>
           <a:bodyPr/>
           <a:lstStyle/>
@@ -743,7 +3358,7 @@
     </p:spTree>
     <p:extLst>
       <p:ext uri="{BB962C8B-B14F-4D97-AF65-F5344CB8AC3E}">
-        <p14:creationId xmlns:p14="http://schemas.microsoft.com/office/powerpoint/2010/main" val="2368287097"/>
+        <p14:creationId xmlns:p14="http://schemas.microsoft.com/office/powerpoint/2010/main" val="3176212095"/>
       </p:ext>
     </p:extLst>
   </p:cSld>
@@ -772,13 +3387,7 @@
       </p:grpSpPr>
       <p:sp>
         <p:nvSpPr>
-          <p:cNvPr id="2" name="Title 1">
-            <a:extLst>
-              <a:ext uri="{FF2B5EF4-FFF2-40B4-BE49-F238E27FC236}">
-                <a16:creationId xmlns:a16="http://schemas.microsoft.com/office/drawing/2014/main" id="{A4D2E923-C5C7-4F3D-B024-F58DD27FD314}"/>
-              </a:ext>
-            </a:extLst>
-          </p:cNvPr>
+          <p:cNvPr id="2" name="Title 1"/>
           <p:cNvSpPr>
             <a:spLocks noGrp="1"/>
           </p:cNvSpPr>
@@ -795,18 +3404,13 @@
               <a:rPr lang="en-US"/>
               <a:t>Click to edit Master title style</a:t>
             </a:r>
-          </a:p>
-        </p:txBody>
-      </p:sp>
-      <p:sp>
-        <p:nvSpPr>
-          <p:cNvPr id="3" name="Content Placeholder 2">
-            <a:extLst>
-              <a:ext uri="{FF2B5EF4-FFF2-40B4-BE49-F238E27FC236}">
-                <a16:creationId xmlns:a16="http://schemas.microsoft.com/office/drawing/2014/main" id="{5F2186E2-B2BE-49C9-90C1-9940EF347D8B}"/>
-              </a:ext>
-            </a:extLst>
-          </p:cNvPr>
+            <a:endParaRPr lang="en-US" dirty="0"/>
+          </a:p>
+        </p:txBody>
+      </p:sp>
+      <p:sp>
+        <p:nvSpPr>
+          <p:cNvPr id="3" name="Content Placeholder 2"/>
           <p:cNvSpPr>
             <a:spLocks noGrp="1"/>
           </p:cNvSpPr>
@@ -852,18 +3456,13 @@
               <a:rPr lang="en-US"/>
               <a:t>Fifth level</a:t>
             </a:r>
-          </a:p>
-        </p:txBody>
-      </p:sp>
-      <p:sp>
-        <p:nvSpPr>
-          <p:cNvPr id="4" name="Date Placeholder 3">
-            <a:extLst>
-              <a:ext uri="{FF2B5EF4-FFF2-40B4-BE49-F238E27FC236}">
-                <a16:creationId xmlns:a16="http://schemas.microsoft.com/office/drawing/2014/main" id="{456401A0-213F-4535-9301-AF520F19869A}"/>
-              </a:ext>
-            </a:extLst>
-          </p:cNvPr>
+            <a:endParaRPr lang="en-US" dirty="0"/>
+          </a:p>
+        </p:txBody>
+      </p:sp>
+      <p:sp>
+        <p:nvSpPr>
+          <p:cNvPr id="4" name="Date Placeholder 3"/>
           <p:cNvSpPr>
             <a:spLocks noGrp="1"/>
           </p:cNvSpPr>
@@ -878,7 +3477,7 @@
           <a:p>
             <a:fld id="{3A8AB521-9182-4012-B86B-65B8484C7DE3}" type="datetimeFigureOut">
               <a:rPr lang="en-US" smtClean="0"/>
-              <a:t>9/11/2024</a:t>
+              <a:t>1/28/2025</a:t>
             </a:fld>
             <a:endParaRPr lang="en-US"/>
           </a:p>
@@ -886,13 +3485,7 @@
       </p:sp>
       <p:sp>
         <p:nvSpPr>
-          <p:cNvPr id="5" name="Footer Placeholder 4">
-            <a:extLst>
-              <a:ext uri="{FF2B5EF4-FFF2-40B4-BE49-F238E27FC236}">
-                <a16:creationId xmlns:a16="http://schemas.microsoft.com/office/drawing/2014/main" id="{B2FB0AB8-20D0-41ED-8D36-021A4AD3C20E}"/>
-              </a:ext>
-            </a:extLst>
-          </p:cNvPr>
+          <p:cNvPr id="5" name="Footer Placeholder 4"/>
           <p:cNvSpPr>
             <a:spLocks noGrp="1"/>
           </p:cNvSpPr>
@@ -911,13 +3504,7 @@
       </p:sp>
       <p:sp>
         <p:nvSpPr>
-          <p:cNvPr id="6" name="Slide Number Placeholder 5">
-            <a:extLst>
-              <a:ext uri="{FF2B5EF4-FFF2-40B4-BE49-F238E27FC236}">
-                <a16:creationId xmlns:a16="http://schemas.microsoft.com/office/drawing/2014/main" id="{274AF293-D8CF-4A91-861D-0951106CA7CB}"/>
-              </a:ext>
-            </a:extLst>
-          </p:cNvPr>
+          <p:cNvPr id="6" name="Slide Number Placeholder 5"/>
           <p:cNvSpPr>
             <a:spLocks noGrp="1"/>
           </p:cNvSpPr>
@@ -941,7 +3528,7 @@
     </p:spTree>
     <p:extLst>
       <p:ext uri="{BB962C8B-B14F-4D97-AF65-F5344CB8AC3E}">
-        <p14:creationId xmlns:p14="http://schemas.microsoft.com/office/powerpoint/2010/main" val="1284548550"/>
+        <p14:creationId xmlns:p14="http://schemas.microsoft.com/office/powerpoint/2010/main" val="1761207037"/>
       </p:ext>
     </p:extLst>
   </p:cSld>
@@ -952,7 +3539,7 @@
 </file>
 
 <file path=ppt/slideLayouts/slideLayout3.xml><?xml version="1.0" encoding="utf-8"?>
-<p:sldLayout xmlns:a="http://schemas.openxmlformats.org/drawingml/2006/main" xmlns:r="http://schemas.openxmlformats.org/officeDocument/2006/relationships" xmlns:p="http://schemas.openxmlformats.org/presentationml/2006/main" type="secHead" preserve="1">
+<p:sldLayout xmlns:a="http://schemas.openxmlformats.org/drawingml/2006/main" xmlns:r="http://schemas.openxmlformats.org/officeDocument/2006/relationships" xmlns:p="http://schemas.openxmlformats.org/presentationml/2006/main" showMasterSp="0" type="secHead" preserve="1">
   <p:cSld name="Section Header">
     <p:spTree>
       <p:nvGrpSpPr>
@@ -968,33 +3555,59 @@
           <a:chExt cx="0" cy="0"/>
         </a:xfrm>
       </p:grpSpPr>
-      <p:sp>
-        <p:nvSpPr>
-          <p:cNvPr id="2" name="Title 1">
+      <p:pic>
+        <p:nvPicPr>
+          <p:cNvPr id="9" name="Picture 8" descr="C0-HD-BTM.png"/>
+          <p:cNvPicPr>
+            <a:picLocks noChangeAspect="1"/>
+          </p:cNvPicPr>
+          <p:nvPr/>
+        </p:nvPicPr>
+        <p:blipFill>
+          <a:blip r:embed="rId2">
             <a:extLst>
-              <a:ext uri="{FF2B5EF4-FFF2-40B4-BE49-F238E27FC236}">
-                <a16:creationId xmlns:a16="http://schemas.microsoft.com/office/drawing/2014/main" id="{9D527BF1-418D-4B91-B82A-F8FEF39CFF80}"/>
+              <a:ext uri="{28A0092B-C50C-407E-A947-70E740481C1C}">
+                <a14:useLocalDpi xmlns:a14="http://schemas.microsoft.com/office/drawing/2010/main" val="0"/>
               </a:ext>
             </a:extLst>
-          </p:cNvPr>
-          <p:cNvSpPr>
-            <a:spLocks noGrp="1"/>
-          </p:cNvSpPr>
-          <p:nvPr>
-            <p:ph type="title"/>
-          </p:nvPr>
-        </p:nvSpPr>
+          </a:blip>
+          <a:stretch>
+            <a:fillRect/>
+          </a:stretch>
+        </p:blipFill>
         <p:spPr>
           <a:xfrm>
-            <a:off x="831850" y="1709738"/>
-            <a:ext cx="10515600" cy="2852737"/>
+            <a:off x="0" y="4375150"/>
+            <a:ext cx="12192000" cy="2482850"/>
+          </a:xfrm>
+          <a:prstGeom prst="rect">
+            <a:avLst/>
+          </a:prstGeom>
+        </p:spPr>
+      </p:pic>
+      <p:sp>
+        <p:nvSpPr>
+          <p:cNvPr id="2" name="Title 1"/>
+          <p:cNvSpPr>
+            <a:spLocks noGrp="1"/>
+          </p:cNvSpPr>
+          <p:nvPr>
+            <p:ph type="title"/>
+          </p:nvPr>
+        </p:nvSpPr>
+        <p:spPr>
+          <a:xfrm>
+            <a:off x="685800" y="753533"/>
+            <a:ext cx="10820399" cy="2801935"/>
           </a:xfrm>
         </p:spPr>
         <p:txBody>
-          <a:bodyPr anchor="b"/>
+          <a:bodyPr anchor="b">
+            <a:normAutofit/>
+          </a:bodyPr>
           <a:lstStyle>
-            <a:lvl1pPr>
-              <a:defRPr sz="6000"/>
+            <a:lvl1pPr algn="r">
+              <a:defRPr sz="4000"/>
             </a:lvl1pPr>
           </a:lstStyle>
           <a:p>
@@ -1002,18 +3615,13 @@
               <a:rPr lang="en-US"/>
               <a:t>Click to edit Master title style</a:t>
             </a:r>
-          </a:p>
-        </p:txBody>
-      </p:sp>
-      <p:sp>
-        <p:nvSpPr>
-          <p:cNvPr id="3" name="Text Placeholder 2">
-            <a:extLst>
-              <a:ext uri="{FF2B5EF4-FFF2-40B4-BE49-F238E27FC236}">
-                <a16:creationId xmlns:a16="http://schemas.microsoft.com/office/drawing/2014/main" id="{D2E02033-5C09-4DE0-8C77-B582D0569E7D}"/>
-              </a:ext>
-            </a:extLst>
-          </p:cNvPr>
+            <a:endParaRPr lang="en-US" dirty="0"/>
+          </a:p>
+        </p:txBody>
+      </p:sp>
+      <p:sp>
+        <p:nvSpPr>
+          <p:cNvPr id="3" name="Text Placeholder 2"/>
           <p:cNvSpPr>
             <a:spLocks noGrp="1"/>
           </p:cNvSpPr>
@@ -1023,16 +3631,18 @@
         </p:nvSpPr>
         <p:spPr>
           <a:xfrm>
-            <a:off x="831850" y="4589463"/>
-            <a:ext cx="10515600" cy="1500187"/>
+            <a:off x="1024467" y="3641725"/>
+            <a:ext cx="10490200" cy="955675"/>
           </a:xfrm>
         </p:spPr>
         <p:txBody>
-          <a:bodyPr/>
+          <a:bodyPr>
+            <a:normAutofit/>
+          </a:bodyPr>
           <a:lstStyle>
-            <a:lvl1pPr marL="0" indent="0">
-              <a:buNone/>
-              <a:defRPr sz="2400">
+            <a:lvl1pPr marL="0" indent="0" algn="r">
+              <a:buNone/>
+              <a:defRPr sz="2200">
                 <a:solidFill>
                   <a:schemeClr val="tx1">
                     <a:tint val="75000"/>
@@ -1132,13 +3742,7 @@
       </p:sp>
       <p:sp>
         <p:nvSpPr>
-          <p:cNvPr id="4" name="Date Placeholder 3">
-            <a:extLst>
-              <a:ext uri="{FF2B5EF4-FFF2-40B4-BE49-F238E27FC236}">
-                <a16:creationId xmlns:a16="http://schemas.microsoft.com/office/drawing/2014/main" id="{4FF81D38-2ADE-45B5-BCD6-09FBE200A141}"/>
-              </a:ext>
-            </a:extLst>
-          </p:cNvPr>
+          <p:cNvPr id="4" name="Date Placeholder 3"/>
           <p:cNvSpPr>
             <a:spLocks noGrp="1"/>
           </p:cNvSpPr>
@@ -1146,53 +3750,55 @@
             <p:ph type="dt" sz="half" idx="10"/>
           </p:nvPr>
         </p:nvSpPr>
-        <p:spPr/>
+        <p:spPr>
+          <a:xfrm>
+            <a:off x="7814452" y="381000"/>
+            <a:ext cx="2910840" cy="365125"/>
+          </a:xfrm>
+        </p:spPr>
+        <p:txBody>
+          <a:bodyPr/>
+          <a:lstStyle>
+            <a:lvl1pPr algn="r">
+              <a:defRPr/>
+            </a:lvl1pPr>
+          </a:lstStyle>
+          <a:p>
+            <a:fld id="{3A8AB521-9182-4012-B86B-65B8484C7DE3}" type="datetimeFigureOut">
+              <a:rPr lang="en-US" smtClean="0"/>
+              <a:t>1/28/2025</a:t>
+            </a:fld>
+            <a:endParaRPr lang="en-US"/>
+          </a:p>
+        </p:txBody>
+      </p:sp>
+      <p:sp>
+        <p:nvSpPr>
+          <p:cNvPr id="5" name="Footer Placeholder 4"/>
+          <p:cNvSpPr>
+            <a:spLocks noGrp="1"/>
+          </p:cNvSpPr>
+          <p:nvPr>
+            <p:ph type="ftr" sz="quarter" idx="11"/>
+          </p:nvPr>
+        </p:nvSpPr>
+        <p:spPr>
+          <a:xfrm>
+            <a:off x="685800" y="381001"/>
+            <a:ext cx="6991492" cy="364065"/>
+          </a:xfrm>
+        </p:spPr>
         <p:txBody>
           <a:bodyPr/>
           <a:lstStyle/>
           <a:p>
-            <a:fld id="{3A8AB521-9182-4012-B86B-65B8484C7DE3}" type="datetimeFigureOut">
-              <a:rPr lang="en-US" smtClean="0"/>
-              <a:t>9/11/2024</a:t>
-            </a:fld>
             <a:endParaRPr lang="en-US"/>
           </a:p>
         </p:txBody>
       </p:sp>
       <p:sp>
         <p:nvSpPr>
-          <p:cNvPr id="5" name="Footer Placeholder 4">
-            <a:extLst>
-              <a:ext uri="{FF2B5EF4-FFF2-40B4-BE49-F238E27FC236}">
-                <a16:creationId xmlns:a16="http://schemas.microsoft.com/office/drawing/2014/main" id="{D277C7EE-CB2B-4D2A-9816-19F66E2D32E9}"/>
-              </a:ext>
-            </a:extLst>
-          </p:cNvPr>
-          <p:cNvSpPr>
-            <a:spLocks noGrp="1"/>
-          </p:cNvSpPr>
-          <p:nvPr>
-            <p:ph type="ftr" sz="quarter" idx="11"/>
-          </p:nvPr>
-        </p:nvSpPr>
-        <p:spPr/>
-        <p:txBody>
-          <a:bodyPr/>
-          <a:lstStyle/>
-          <a:p>
-            <a:endParaRPr lang="en-US"/>
-          </a:p>
-        </p:txBody>
-      </p:sp>
-      <p:sp>
-        <p:nvSpPr>
-          <p:cNvPr id="6" name="Slide Number Placeholder 5">
-            <a:extLst>
-              <a:ext uri="{FF2B5EF4-FFF2-40B4-BE49-F238E27FC236}">
-                <a16:creationId xmlns:a16="http://schemas.microsoft.com/office/drawing/2014/main" id="{B972784C-587A-41D9-BE32-6EC0E54AD7C4}"/>
-              </a:ext>
-            </a:extLst>
-          </p:cNvPr>
+          <p:cNvPr id="6" name="Slide Number Placeholder 5"/>
           <p:cNvSpPr>
             <a:spLocks noGrp="1"/>
           </p:cNvSpPr>
@@ -1200,7 +3806,12 @@
             <p:ph type="sldNum" sz="quarter" idx="12"/>
           </p:nvPr>
         </p:nvSpPr>
-        <p:spPr/>
+        <p:spPr>
+          <a:xfrm>
+            <a:off x="10862452" y="381000"/>
+            <a:ext cx="643748" cy="365125"/>
+          </a:xfrm>
+        </p:spPr>
         <p:txBody>
           <a:bodyPr/>
           <a:lstStyle/>
@@ -1216,7 +3827,7 @@
     </p:spTree>
     <p:extLst>
       <p:ext uri="{BB962C8B-B14F-4D97-AF65-F5344CB8AC3E}">
-        <p14:creationId xmlns:p14="http://schemas.microsoft.com/office/powerpoint/2010/main" val="2483439800"/>
+        <p14:creationId xmlns:p14="http://schemas.microsoft.com/office/powerpoint/2010/main" val="605343246"/>
       </p:ext>
     </p:extLst>
   </p:cSld>
@@ -1245,13 +3856,7 @@
       </p:grpSpPr>
       <p:sp>
         <p:nvSpPr>
-          <p:cNvPr id="2" name="Title 1">
-            <a:extLst>
-              <a:ext uri="{FF2B5EF4-FFF2-40B4-BE49-F238E27FC236}">
-                <a16:creationId xmlns:a16="http://schemas.microsoft.com/office/drawing/2014/main" id="{CFF027F2-4100-474C-8FB9-4F51E703DC11}"/>
-              </a:ext>
-            </a:extLst>
-          </p:cNvPr>
+          <p:cNvPr id="2" name="Title 1"/>
           <p:cNvSpPr>
             <a:spLocks noGrp="1"/>
           </p:cNvSpPr>
@@ -1268,18 +3873,13 @@
               <a:rPr lang="en-US"/>
               <a:t>Click to edit Master title style</a:t>
             </a:r>
-          </a:p>
-        </p:txBody>
-      </p:sp>
-      <p:sp>
-        <p:nvSpPr>
-          <p:cNvPr id="3" name="Content Placeholder 2">
-            <a:extLst>
-              <a:ext uri="{FF2B5EF4-FFF2-40B4-BE49-F238E27FC236}">
-                <a16:creationId xmlns:a16="http://schemas.microsoft.com/office/drawing/2014/main" id="{67C39AA5-71A5-45DE-A273-7BE4D508820E}"/>
-              </a:ext>
-            </a:extLst>
-          </p:cNvPr>
+            <a:endParaRPr lang="en-US" dirty="0"/>
+          </a:p>
+        </p:txBody>
+      </p:sp>
+      <p:sp>
+        <p:nvSpPr>
+          <p:cNvPr id="3" name="Content Placeholder 2"/>
           <p:cNvSpPr>
             <a:spLocks noGrp="1"/>
           </p:cNvSpPr>
@@ -1289,8 +3889,8 @@
         </p:nvSpPr>
         <p:spPr>
           <a:xfrm>
-            <a:off x="838200" y="1825625"/>
-            <a:ext cx="5181600" cy="4351338"/>
+            <a:off x="685800" y="2194559"/>
+            <a:ext cx="5334000" cy="4024125"/>
           </a:xfrm>
         </p:spPr>
         <p:txBody>
@@ -1330,18 +3930,13 @@
               <a:rPr lang="en-US"/>
               <a:t>Fifth level</a:t>
             </a:r>
-          </a:p>
-        </p:txBody>
-      </p:sp>
-      <p:sp>
-        <p:nvSpPr>
-          <p:cNvPr id="4" name="Content Placeholder 3">
-            <a:extLst>
-              <a:ext uri="{FF2B5EF4-FFF2-40B4-BE49-F238E27FC236}">
-                <a16:creationId xmlns:a16="http://schemas.microsoft.com/office/drawing/2014/main" id="{343D715E-A252-4768-8CA2-12EBEF04700F}"/>
-              </a:ext>
-            </a:extLst>
-          </p:cNvPr>
+            <a:endParaRPr lang="en-US" dirty="0"/>
+          </a:p>
+        </p:txBody>
+      </p:sp>
+      <p:sp>
+        <p:nvSpPr>
+          <p:cNvPr id="4" name="Content Placeholder 3"/>
           <p:cNvSpPr>
             <a:spLocks noGrp="1"/>
           </p:cNvSpPr>
@@ -1351,8 +3946,8 @@
         </p:nvSpPr>
         <p:spPr>
           <a:xfrm>
-            <a:off x="6172200" y="1825625"/>
-            <a:ext cx="5181600" cy="4351338"/>
+            <a:off x="6172200" y="2194559"/>
+            <a:ext cx="5334000" cy="4024125"/>
           </a:xfrm>
         </p:spPr>
         <p:txBody>
@@ -1392,18 +3987,13 @@
               <a:rPr lang="en-US"/>
               <a:t>Fifth level</a:t>
             </a:r>
-          </a:p>
-        </p:txBody>
-      </p:sp>
-      <p:sp>
-        <p:nvSpPr>
-          <p:cNvPr id="5" name="Date Placeholder 4">
-            <a:extLst>
-              <a:ext uri="{FF2B5EF4-FFF2-40B4-BE49-F238E27FC236}">
-                <a16:creationId xmlns:a16="http://schemas.microsoft.com/office/drawing/2014/main" id="{3741B6A7-D2FD-405C-B09D-30FE21485782}"/>
-              </a:ext>
-            </a:extLst>
-          </p:cNvPr>
+            <a:endParaRPr lang="en-US" dirty="0"/>
+          </a:p>
+        </p:txBody>
+      </p:sp>
+      <p:sp>
+        <p:nvSpPr>
+          <p:cNvPr id="5" name="Date Placeholder 4"/>
           <p:cNvSpPr>
             <a:spLocks noGrp="1"/>
           </p:cNvSpPr>
@@ -1418,7 +4008,7 @@
           <a:p>
             <a:fld id="{3A8AB521-9182-4012-B86B-65B8484C7DE3}" type="datetimeFigureOut">
               <a:rPr lang="en-US" smtClean="0"/>
-              <a:t>9/11/2024</a:t>
+              <a:t>1/28/2025</a:t>
             </a:fld>
             <a:endParaRPr lang="en-US"/>
           </a:p>
@@ -1426,13 +4016,7 @@
       </p:sp>
       <p:sp>
         <p:nvSpPr>
-          <p:cNvPr id="6" name="Footer Placeholder 5">
-            <a:extLst>
-              <a:ext uri="{FF2B5EF4-FFF2-40B4-BE49-F238E27FC236}">
-                <a16:creationId xmlns:a16="http://schemas.microsoft.com/office/drawing/2014/main" id="{C4598C6B-09A1-4563-BC7E-B4DA999C6AD6}"/>
-              </a:ext>
-            </a:extLst>
-          </p:cNvPr>
+          <p:cNvPr id="6" name="Footer Placeholder 5"/>
           <p:cNvSpPr>
             <a:spLocks noGrp="1"/>
           </p:cNvSpPr>
@@ -1451,13 +4035,7 @@
       </p:sp>
       <p:sp>
         <p:nvSpPr>
-          <p:cNvPr id="7" name="Slide Number Placeholder 6">
-            <a:extLst>
-              <a:ext uri="{FF2B5EF4-FFF2-40B4-BE49-F238E27FC236}">
-                <a16:creationId xmlns:a16="http://schemas.microsoft.com/office/drawing/2014/main" id="{4FB2F2E5-2C50-4723-9381-CF0391F4FD8E}"/>
-              </a:ext>
-            </a:extLst>
-          </p:cNvPr>
+          <p:cNvPr id="7" name="Slide Number Placeholder 6"/>
           <p:cNvSpPr>
             <a:spLocks noGrp="1"/>
           </p:cNvSpPr>
@@ -1481,7 +4059,7 @@
     </p:spTree>
     <p:extLst>
       <p:ext uri="{BB962C8B-B14F-4D97-AF65-F5344CB8AC3E}">
-        <p14:creationId xmlns:p14="http://schemas.microsoft.com/office/powerpoint/2010/main" val="2145412199"/>
+        <p14:creationId xmlns:p14="http://schemas.microsoft.com/office/powerpoint/2010/main" val="1227686997"/>
       </p:ext>
     </p:extLst>
   </p:cSld>
@@ -1510,13 +4088,7 @@
       </p:grpSpPr>
       <p:sp>
         <p:nvSpPr>
-          <p:cNvPr id="2" name="Title 1">
-            <a:extLst>
-              <a:ext uri="{FF2B5EF4-FFF2-40B4-BE49-F238E27FC236}">
-                <a16:creationId xmlns:a16="http://schemas.microsoft.com/office/drawing/2014/main" id="{83604DE4-B0DE-4A27-96FA-1BC04E16FFD7}"/>
-              </a:ext>
-            </a:extLst>
-          </p:cNvPr>
+          <p:cNvPr id="2" name="Title 1"/>
           <p:cNvSpPr>
             <a:spLocks noGrp="1"/>
           </p:cNvSpPr>
@@ -1526,8 +4098,8 @@
         </p:nvSpPr>
         <p:spPr>
           <a:xfrm>
-            <a:off x="839788" y="365125"/>
-            <a:ext cx="10515600" cy="1325563"/>
+            <a:off x="2895600" y="762000"/>
+            <a:ext cx="8610600" cy="1295400"/>
           </a:xfrm>
         </p:spPr>
         <p:txBody>
@@ -1538,18 +4110,13 @@
               <a:rPr lang="en-US"/>
               <a:t>Click to edit Master title style</a:t>
             </a:r>
-          </a:p>
-        </p:txBody>
-      </p:sp>
-      <p:sp>
-        <p:nvSpPr>
-          <p:cNvPr id="3" name="Text Placeholder 2">
-            <a:extLst>
-              <a:ext uri="{FF2B5EF4-FFF2-40B4-BE49-F238E27FC236}">
-                <a16:creationId xmlns:a16="http://schemas.microsoft.com/office/drawing/2014/main" id="{7F199A16-4AB5-4494-AD2A-2B9B7C26D6C2}"/>
-              </a:ext>
-            </a:extLst>
-          </p:cNvPr>
+            <a:endParaRPr lang="en-US" dirty="0"/>
+          </a:p>
+        </p:txBody>
+      </p:sp>
+      <p:sp>
+        <p:nvSpPr>
+          <p:cNvPr id="3" name="Text Placeholder 2"/>
           <p:cNvSpPr>
             <a:spLocks noGrp="1"/>
           </p:cNvSpPr>
@@ -1559,16 +4126,22 @@
         </p:nvSpPr>
         <p:spPr>
           <a:xfrm>
-            <a:off x="839788" y="1681163"/>
-            <a:ext cx="5157787" cy="823912"/>
+            <a:off x="914409" y="2183802"/>
+            <a:ext cx="5079991" cy="823912"/>
           </a:xfrm>
         </p:spPr>
         <p:txBody>
-          <a:bodyPr anchor="b"/>
+          <a:bodyPr anchor="b">
+            <a:normAutofit/>
+          </a:bodyPr>
           <a:lstStyle>
             <a:lvl1pPr marL="0" indent="0">
               <a:buNone/>
-              <a:defRPr sz="2400" b="1"/>
+              <a:defRPr sz="2800" b="0">
+                <a:solidFill>
+                  <a:schemeClr val="tx1"/>
+                </a:solidFill>
+              </a:defRPr>
             </a:lvl1pPr>
             <a:lvl2pPr marL="457200" indent="0">
               <a:buNone/>
@@ -1614,13 +4187,7 @@
       </p:sp>
       <p:sp>
         <p:nvSpPr>
-          <p:cNvPr id="4" name="Content Placeholder 3">
-            <a:extLst>
-              <a:ext uri="{FF2B5EF4-FFF2-40B4-BE49-F238E27FC236}">
-                <a16:creationId xmlns:a16="http://schemas.microsoft.com/office/drawing/2014/main" id="{1AA0FA01-42AB-48B9-998F-763D4602D634}"/>
-              </a:ext>
-            </a:extLst>
-          </p:cNvPr>
+          <p:cNvPr id="4" name="Content Placeholder 3"/>
           <p:cNvSpPr>
             <a:spLocks noGrp="1"/>
           </p:cNvSpPr>
@@ -1630,8 +4197,8 @@
         </p:nvSpPr>
         <p:spPr>
           <a:xfrm>
-            <a:off x="839788" y="2505075"/>
-            <a:ext cx="5157787" cy="3684588"/>
+            <a:off x="685800" y="3132666"/>
+            <a:ext cx="5311775" cy="3086019"/>
           </a:xfrm>
         </p:spPr>
         <p:txBody>
@@ -1671,18 +4238,13 @@
               <a:rPr lang="en-US"/>
               <a:t>Fifth level</a:t>
             </a:r>
-          </a:p>
-        </p:txBody>
-      </p:sp>
-      <p:sp>
-        <p:nvSpPr>
-          <p:cNvPr id="5" name="Text Placeholder 4">
-            <a:extLst>
-              <a:ext uri="{FF2B5EF4-FFF2-40B4-BE49-F238E27FC236}">
-                <a16:creationId xmlns:a16="http://schemas.microsoft.com/office/drawing/2014/main" id="{A4242625-9D5E-4F4E-B478-118C62509647}"/>
-              </a:ext>
-            </a:extLst>
-          </p:cNvPr>
+            <a:endParaRPr lang="en-US" dirty="0"/>
+          </a:p>
+        </p:txBody>
+      </p:sp>
+      <p:sp>
+        <p:nvSpPr>
+          <p:cNvPr id="5" name="Text Placeholder 4"/>
           <p:cNvSpPr>
             <a:spLocks noGrp="1"/>
           </p:cNvSpPr>
@@ -1692,16 +4254,22 @@
         </p:nvSpPr>
         <p:spPr>
           <a:xfrm>
-            <a:off x="6172200" y="1681163"/>
-            <a:ext cx="5183188" cy="823912"/>
+            <a:off x="6400800" y="2183802"/>
+            <a:ext cx="5105400" cy="823912"/>
           </a:xfrm>
         </p:spPr>
         <p:txBody>
-          <a:bodyPr anchor="b"/>
+          <a:bodyPr anchor="b">
+            <a:normAutofit/>
+          </a:bodyPr>
           <a:lstStyle>
             <a:lvl1pPr marL="0" indent="0">
               <a:buNone/>
-              <a:defRPr sz="2400" b="1"/>
+              <a:defRPr sz="2800" b="0">
+                <a:solidFill>
+                  <a:schemeClr val="tx1"/>
+                </a:solidFill>
+              </a:defRPr>
             </a:lvl1pPr>
             <a:lvl2pPr marL="457200" indent="0">
               <a:buNone/>
@@ -1747,13 +4315,7 @@
       </p:sp>
       <p:sp>
         <p:nvSpPr>
-          <p:cNvPr id="6" name="Content Placeholder 5">
-            <a:extLst>
-              <a:ext uri="{FF2B5EF4-FFF2-40B4-BE49-F238E27FC236}">
-                <a16:creationId xmlns:a16="http://schemas.microsoft.com/office/drawing/2014/main" id="{32B7017A-0716-4989-B0C1-FE548284CAD2}"/>
-              </a:ext>
-            </a:extLst>
-          </p:cNvPr>
+          <p:cNvPr id="6" name="Content Placeholder 5"/>
           <p:cNvSpPr>
             <a:spLocks noGrp="1"/>
           </p:cNvSpPr>
@@ -1763,8 +4325,8 @@
         </p:nvSpPr>
         <p:spPr>
           <a:xfrm>
-            <a:off x="6172200" y="2505075"/>
-            <a:ext cx="5183188" cy="3684588"/>
+            <a:off x="6172200" y="3132666"/>
+            <a:ext cx="5334000" cy="3086019"/>
           </a:xfrm>
         </p:spPr>
         <p:txBody>
@@ -1804,18 +4366,13 @@
               <a:rPr lang="en-US"/>
               <a:t>Fifth level</a:t>
             </a:r>
-          </a:p>
-        </p:txBody>
-      </p:sp>
-      <p:sp>
-        <p:nvSpPr>
-          <p:cNvPr id="7" name="Date Placeholder 6">
-            <a:extLst>
-              <a:ext uri="{FF2B5EF4-FFF2-40B4-BE49-F238E27FC236}">
-                <a16:creationId xmlns:a16="http://schemas.microsoft.com/office/drawing/2014/main" id="{E8D788BD-7FF1-4E2F-992F-D04CFA4F80F3}"/>
-              </a:ext>
-            </a:extLst>
-          </p:cNvPr>
+            <a:endParaRPr lang="en-US" dirty="0"/>
+          </a:p>
+        </p:txBody>
+      </p:sp>
+      <p:sp>
+        <p:nvSpPr>
+          <p:cNvPr id="7" name="Date Placeholder 6"/>
           <p:cNvSpPr>
             <a:spLocks noGrp="1"/>
           </p:cNvSpPr>
@@ -1830,7 +4387,7 @@
           <a:p>
             <a:fld id="{3A8AB521-9182-4012-B86B-65B8484C7DE3}" type="datetimeFigureOut">
               <a:rPr lang="en-US" smtClean="0"/>
-              <a:t>9/11/2024</a:t>
+              <a:t>1/28/2025</a:t>
             </a:fld>
             <a:endParaRPr lang="en-US"/>
           </a:p>
@@ -1838,13 +4395,7 @@
       </p:sp>
       <p:sp>
         <p:nvSpPr>
-          <p:cNvPr id="8" name="Footer Placeholder 7">
-            <a:extLst>
-              <a:ext uri="{FF2B5EF4-FFF2-40B4-BE49-F238E27FC236}">
-                <a16:creationId xmlns:a16="http://schemas.microsoft.com/office/drawing/2014/main" id="{E7177BC2-CEE8-4D6F-8B38-E1DF2D5278B6}"/>
-              </a:ext>
-            </a:extLst>
-          </p:cNvPr>
+          <p:cNvPr id="8" name="Footer Placeholder 7"/>
           <p:cNvSpPr>
             <a:spLocks noGrp="1"/>
           </p:cNvSpPr>
@@ -1863,13 +4414,7 @@
       </p:sp>
       <p:sp>
         <p:nvSpPr>
-          <p:cNvPr id="9" name="Slide Number Placeholder 8">
-            <a:extLst>
-              <a:ext uri="{FF2B5EF4-FFF2-40B4-BE49-F238E27FC236}">
-                <a16:creationId xmlns:a16="http://schemas.microsoft.com/office/drawing/2014/main" id="{DF6938B6-8ACE-49AA-B0A9-F009205E6AF5}"/>
-              </a:ext>
-            </a:extLst>
-          </p:cNvPr>
+          <p:cNvPr id="9" name="Slide Number Placeholder 8"/>
           <p:cNvSpPr>
             <a:spLocks noGrp="1"/>
           </p:cNvSpPr>
@@ -1893,7 +4438,7 @@
     </p:spTree>
     <p:extLst>
       <p:ext uri="{BB962C8B-B14F-4D97-AF65-F5344CB8AC3E}">
-        <p14:creationId xmlns:p14="http://schemas.microsoft.com/office/powerpoint/2010/main" val="2913439345"/>
+        <p14:creationId xmlns:p14="http://schemas.microsoft.com/office/powerpoint/2010/main" val="1887243146"/>
       </p:ext>
     </p:extLst>
   </p:cSld>
@@ -1922,13 +4467,7 @@
       </p:grpSpPr>
       <p:sp>
         <p:nvSpPr>
-          <p:cNvPr id="2" name="Title 1">
-            <a:extLst>
-              <a:ext uri="{FF2B5EF4-FFF2-40B4-BE49-F238E27FC236}">
-                <a16:creationId xmlns:a16="http://schemas.microsoft.com/office/drawing/2014/main" id="{CAAC1843-59D6-4074-A8C3-0C1D3919FD71}"/>
-              </a:ext>
-            </a:extLst>
-          </p:cNvPr>
+          <p:cNvPr id="2" name="Title 1"/>
           <p:cNvSpPr>
             <a:spLocks noGrp="1"/>
           </p:cNvSpPr>
@@ -1945,18 +4484,13 @@
               <a:rPr lang="en-US"/>
               <a:t>Click to edit Master title style</a:t>
             </a:r>
-          </a:p>
-        </p:txBody>
-      </p:sp>
-      <p:sp>
-        <p:nvSpPr>
-          <p:cNvPr id="3" name="Date Placeholder 2">
-            <a:extLst>
-              <a:ext uri="{FF2B5EF4-FFF2-40B4-BE49-F238E27FC236}">
-                <a16:creationId xmlns:a16="http://schemas.microsoft.com/office/drawing/2014/main" id="{F001D49F-AD16-4ED9-85AE-C699EFE10CA4}"/>
-              </a:ext>
-            </a:extLst>
-          </p:cNvPr>
+            <a:endParaRPr lang="en-US" dirty="0"/>
+          </a:p>
+        </p:txBody>
+      </p:sp>
+      <p:sp>
+        <p:nvSpPr>
+          <p:cNvPr id="3" name="Date Placeholder 2"/>
           <p:cNvSpPr>
             <a:spLocks noGrp="1"/>
           </p:cNvSpPr>
@@ -1971,7 +4505,7 @@
           <a:p>
             <a:fld id="{3A8AB521-9182-4012-B86B-65B8484C7DE3}" type="datetimeFigureOut">
               <a:rPr lang="en-US" smtClean="0"/>
-              <a:t>9/11/2024</a:t>
+              <a:t>1/28/2025</a:t>
             </a:fld>
             <a:endParaRPr lang="en-US"/>
           </a:p>
@@ -1979,13 +4513,7 @@
       </p:sp>
       <p:sp>
         <p:nvSpPr>
-          <p:cNvPr id="4" name="Footer Placeholder 3">
-            <a:extLst>
-              <a:ext uri="{FF2B5EF4-FFF2-40B4-BE49-F238E27FC236}">
-                <a16:creationId xmlns:a16="http://schemas.microsoft.com/office/drawing/2014/main" id="{3F2AC81E-47CB-4452-8D00-1A4303494EC9}"/>
-              </a:ext>
-            </a:extLst>
-          </p:cNvPr>
+          <p:cNvPr id="4" name="Footer Placeholder 3"/>
           <p:cNvSpPr>
             <a:spLocks noGrp="1"/>
           </p:cNvSpPr>
@@ -2004,13 +4532,7 @@
       </p:sp>
       <p:sp>
         <p:nvSpPr>
-          <p:cNvPr id="5" name="Slide Number Placeholder 4">
-            <a:extLst>
-              <a:ext uri="{FF2B5EF4-FFF2-40B4-BE49-F238E27FC236}">
-                <a16:creationId xmlns:a16="http://schemas.microsoft.com/office/drawing/2014/main" id="{1174F1A8-3692-4E4A-BC39-000935B5AB7C}"/>
-              </a:ext>
-            </a:extLst>
-          </p:cNvPr>
+          <p:cNvPr id="5" name="Slide Number Placeholder 4"/>
           <p:cNvSpPr>
             <a:spLocks noGrp="1"/>
           </p:cNvSpPr>
@@ -2034,7 +4556,7 @@
     </p:spTree>
     <p:extLst>
       <p:ext uri="{BB962C8B-B14F-4D97-AF65-F5344CB8AC3E}">
-        <p14:creationId xmlns:p14="http://schemas.microsoft.com/office/powerpoint/2010/main" val="2543688582"/>
+        <p14:creationId xmlns:p14="http://schemas.microsoft.com/office/powerpoint/2010/main" val="623803431"/>
       </p:ext>
     </p:extLst>
   </p:cSld>
@@ -2063,13 +4585,7 @@
       </p:grpSpPr>
       <p:sp>
         <p:nvSpPr>
-          <p:cNvPr id="2" name="Date Placeholder 1">
-            <a:extLst>
-              <a:ext uri="{FF2B5EF4-FFF2-40B4-BE49-F238E27FC236}">
-                <a16:creationId xmlns:a16="http://schemas.microsoft.com/office/drawing/2014/main" id="{2D7D3712-B951-4137-84B0-11377132C66D}"/>
-              </a:ext>
-            </a:extLst>
-          </p:cNvPr>
+          <p:cNvPr id="2" name="Date Placeholder 1"/>
           <p:cNvSpPr>
             <a:spLocks noGrp="1"/>
           </p:cNvSpPr>
@@ -2084,7 +4600,7 @@
           <a:p>
             <a:fld id="{3A8AB521-9182-4012-B86B-65B8484C7DE3}" type="datetimeFigureOut">
               <a:rPr lang="en-US" smtClean="0"/>
-              <a:t>9/11/2024</a:t>
+              <a:t>1/28/2025</a:t>
             </a:fld>
             <a:endParaRPr lang="en-US"/>
           </a:p>
@@ -2092,13 +4608,7 @@
       </p:sp>
       <p:sp>
         <p:nvSpPr>
-          <p:cNvPr id="3" name="Footer Placeholder 2">
-            <a:extLst>
-              <a:ext uri="{FF2B5EF4-FFF2-40B4-BE49-F238E27FC236}">
-                <a16:creationId xmlns:a16="http://schemas.microsoft.com/office/drawing/2014/main" id="{5D838E7A-1B64-4221-AD41-923214BF448C}"/>
-              </a:ext>
-            </a:extLst>
-          </p:cNvPr>
+          <p:cNvPr id="3" name="Footer Placeholder 2"/>
           <p:cNvSpPr>
             <a:spLocks noGrp="1"/>
           </p:cNvSpPr>
@@ -2117,13 +4627,7 @@
       </p:sp>
       <p:sp>
         <p:nvSpPr>
-          <p:cNvPr id="4" name="Slide Number Placeholder 3">
-            <a:extLst>
-              <a:ext uri="{FF2B5EF4-FFF2-40B4-BE49-F238E27FC236}">
-                <a16:creationId xmlns:a16="http://schemas.microsoft.com/office/drawing/2014/main" id="{7506469A-F20E-4406-BE2C-A15ABD360883}"/>
-              </a:ext>
-            </a:extLst>
-          </p:cNvPr>
+          <p:cNvPr id="4" name="Slide Number Placeholder 3"/>
           <p:cNvSpPr>
             <a:spLocks noGrp="1"/>
           </p:cNvSpPr>
@@ -2147,7 +4651,7 @@
     </p:spTree>
     <p:extLst>
       <p:ext uri="{BB962C8B-B14F-4D97-AF65-F5344CB8AC3E}">
-        <p14:creationId xmlns:p14="http://schemas.microsoft.com/office/powerpoint/2010/main" val="3090004706"/>
+        <p14:creationId xmlns:p14="http://schemas.microsoft.com/office/powerpoint/2010/main" val="4106943690"/>
       </p:ext>
     </p:extLst>
   </p:cSld>
@@ -2176,13 +4680,7 @@
       </p:grpSpPr>
       <p:sp>
         <p:nvSpPr>
-          <p:cNvPr id="2" name="Title 1">
-            <a:extLst>
-              <a:ext uri="{FF2B5EF4-FFF2-40B4-BE49-F238E27FC236}">
-                <a16:creationId xmlns:a16="http://schemas.microsoft.com/office/drawing/2014/main" id="{54B51688-22D6-4EBE-9FFB-1903EA960D43}"/>
-              </a:ext>
-            </a:extLst>
-          </p:cNvPr>
+          <p:cNvPr id="2" name="Title 1"/>
           <p:cNvSpPr>
             <a:spLocks noGrp="1"/>
           </p:cNvSpPr>
@@ -2192,14 +4690,14 @@
         </p:nvSpPr>
         <p:spPr>
           <a:xfrm>
-            <a:off x="839788" y="457200"/>
-            <a:ext cx="3932237" cy="1600200"/>
+            <a:off x="685800" y="1524000"/>
+            <a:ext cx="4114800" cy="1600200"/>
           </a:xfrm>
         </p:spPr>
         <p:txBody>
           <a:bodyPr anchor="b"/>
           <a:lstStyle>
-            <a:lvl1pPr>
+            <a:lvl1pPr algn="l">
               <a:defRPr sz="3200"/>
             </a:lvl1pPr>
           </a:lstStyle>
@@ -2208,18 +4706,13 @@
               <a:rPr lang="en-US"/>
               <a:t>Click to edit Master title style</a:t>
             </a:r>
-          </a:p>
-        </p:txBody>
-      </p:sp>
-      <p:sp>
-        <p:nvSpPr>
-          <p:cNvPr id="3" name="Content Placeholder 2">
-            <a:extLst>
-              <a:ext uri="{FF2B5EF4-FFF2-40B4-BE49-F238E27FC236}">
-                <a16:creationId xmlns:a16="http://schemas.microsoft.com/office/drawing/2014/main" id="{329BA4DC-A5D6-4D31-A97A-0055276E1370}"/>
-              </a:ext>
-            </a:extLst>
-          </p:cNvPr>
+            <a:endParaRPr lang="en-US" dirty="0"/>
+          </a:p>
+        </p:txBody>
+      </p:sp>
+      <p:sp>
+        <p:nvSpPr>
+          <p:cNvPr id="3" name="Content Placeholder 2"/>
           <p:cNvSpPr>
             <a:spLocks noGrp="1"/>
           </p:cNvSpPr>
@@ -2229,41 +4722,13 @@
         </p:nvSpPr>
         <p:spPr>
           <a:xfrm>
-            <a:off x="5183188" y="987425"/>
-            <a:ext cx="6172200" cy="4873625"/>
+            <a:off x="4995582" y="746759"/>
+            <a:ext cx="6510618" cy="5471925"/>
           </a:xfrm>
         </p:spPr>
         <p:txBody>
-          <a:bodyPr/>
-          <a:lstStyle>
-            <a:lvl1pPr>
-              <a:defRPr sz="3200"/>
-            </a:lvl1pPr>
-            <a:lvl2pPr>
-              <a:defRPr sz="2800"/>
-            </a:lvl2pPr>
-            <a:lvl3pPr>
-              <a:defRPr sz="2400"/>
-            </a:lvl3pPr>
-            <a:lvl4pPr>
-              <a:defRPr sz="2000"/>
-            </a:lvl4pPr>
-            <a:lvl5pPr>
-              <a:defRPr sz="2000"/>
-            </a:lvl5pPr>
-            <a:lvl6pPr>
-              <a:defRPr sz="2000"/>
-            </a:lvl6pPr>
-            <a:lvl7pPr>
-              <a:defRPr sz="2000"/>
-            </a:lvl7pPr>
-            <a:lvl8pPr>
-              <a:defRPr sz="2000"/>
-            </a:lvl8pPr>
-            <a:lvl9pPr>
-              <a:defRPr sz="2000"/>
-            </a:lvl9pPr>
-          </a:lstStyle>
+          <a:bodyPr anchor="ctr"/>
+          <a:lstStyle/>
           <a:p>
             <a:pPr lvl="0"/>
             <a:r>
@@ -2298,18 +4763,13 @@
               <a:rPr lang="en-US"/>
               <a:t>Fifth level</a:t>
             </a:r>
-          </a:p>
-        </p:txBody>
-      </p:sp>
-      <p:sp>
-        <p:nvSpPr>
-          <p:cNvPr id="4" name="Text Placeholder 3">
-            <a:extLst>
-              <a:ext uri="{FF2B5EF4-FFF2-40B4-BE49-F238E27FC236}">
-                <a16:creationId xmlns:a16="http://schemas.microsoft.com/office/drawing/2014/main" id="{E030182D-7E02-4A21-839D-468B87A78361}"/>
-              </a:ext>
-            </a:extLst>
-          </p:cNvPr>
+            <a:endParaRPr lang="en-US" dirty="0"/>
+          </a:p>
+        </p:txBody>
+      </p:sp>
+      <p:sp>
+        <p:nvSpPr>
+          <p:cNvPr id="4" name="Text Placeholder 3"/>
           <p:cNvSpPr>
             <a:spLocks noGrp="1"/>
           </p:cNvSpPr>
@@ -2319,8 +4779,8 @@
         </p:nvSpPr>
         <p:spPr>
           <a:xfrm>
-            <a:off x="839788" y="2057400"/>
-            <a:ext cx="3932237" cy="3811588"/>
+            <a:off x="685800" y="3124199"/>
+            <a:ext cx="4114800" cy="3094485"/>
           </a:xfrm>
         </p:spPr>
         <p:txBody>
@@ -2374,13 +4834,7 @@
       </p:sp>
       <p:sp>
         <p:nvSpPr>
-          <p:cNvPr id="5" name="Date Placeholder 4">
-            <a:extLst>
-              <a:ext uri="{FF2B5EF4-FFF2-40B4-BE49-F238E27FC236}">
-                <a16:creationId xmlns:a16="http://schemas.microsoft.com/office/drawing/2014/main" id="{E428B8BB-F0DA-4AE2-B3F7-9531CF2E6D2C}"/>
-              </a:ext>
-            </a:extLst>
-          </p:cNvPr>
+          <p:cNvPr id="5" name="Date Placeholder 4"/>
           <p:cNvSpPr>
             <a:spLocks noGrp="1"/>
           </p:cNvSpPr>
@@ -2395,7 +4849,7 @@
           <a:p>
             <a:fld id="{3A8AB521-9182-4012-B86B-65B8484C7DE3}" type="datetimeFigureOut">
               <a:rPr lang="en-US" smtClean="0"/>
-              <a:t>9/11/2024</a:t>
+              <a:t>1/28/2025</a:t>
             </a:fld>
             <a:endParaRPr lang="en-US"/>
           </a:p>
@@ -2403,13 +4857,7 @@
       </p:sp>
       <p:sp>
         <p:nvSpPr>
-          <p:cNvPr id="6" name="Footer Placeholder 5">
-            <a:extLst>
-              <a:ext uri="{FF2B5EF4-FFF2-40B4-BE49-F238E27FC236}">
-                <a16:creationId xmlns:a16="http://schemas.microsoft.com/office/drawing/2014/main" id="{3696F6F8-F5B8-4235-A678-BCE974D8AE0E}"/>
-              </a:ext>
-            </a:extLst>
-          </p:cNvPr>
+          <p:cNvPr id="6" name="Footer Placeholder 5"/>
           <p:cNvSpPr>
             <a:spLocks noGrp="1"/>
           </p:cNvSpPr>
@@ -2428,13 +4876,7 @@
       </p:sp>
       <p:sp>
         <p:nvSpPr>
-          <p:cNvPr id="7" name="Slide Number Placeholder 6">
-            <a:extLst>
-              <a:ext uri="{FF2B5EF4-FFF2-40B4-BE49-F238E27FC236}">
-                <a16:creationId xmlns:a16="http://schemas.microsoft.com/office/drawing/2014/main" id="{1453F0D0-06E0-4502-B275-120ED15DDEC7}"/>
-              </a:ext>
-            </a:extLst>
-          </p:cNvPr>
+          <p:cNvPr id="7" name="Slide Number Placeholder 6"/>
           <p:cNvSpPr>
             <a:spLocks noGrp="1"/>
           </p:cNvSpPr>
@@ -2458,7 +4900,7 @@
     </p:spTree>
     <p:extLst>
       <p:ext uri="{BB962C8B-B14F-4D97-AF65-F5344CB8AC3E}">
-        <p14:creationId xmlns:p14="http://schemas.microsoft.com/office/powerpoint/2010/main" val="858662785"/>
+        <p14:creationId xmlns:p14="http://schemas.microsoft.com/office/powerpoint/2010/main" val="339305154"/>
       </p:ext>
     </p:extLst>
   </p:cSld>
@@ -2487,13 +4929,7 @@
       </p:grpSpPr>
       <p:sp>
         <p:nvSpPr>
-          <p:cNvPr id="2" name="Title 1">
-            <a:extLst>
-              <a:ext uri="{FF2B5EF4-FFF2-40B4-BE49-F238E27FC236}">
-                <a16:creationId xmlns:a16="http://schemas.microsoft.com/office/drawing/2014/main" id="{77E3051A-AA6E-4601-BF29-395CB494CA77}"/>
-              </a:ext>
-            </a:extLst>
-          </p:cNvPr>
+          <p:cNvPr id="2" name="Title 1"/>
           <p:cNvSpPr>
             <a:spLocks noGrp="1"/>
           </p:cNvSpPr>
@@ -2503,14 +4939,14 @@
         </p:nvSpPr>
         <p:spPr>
           <a:xfrm>
-            <a:off x="839788" y="457200"/>
-            <a:ext cx="3932237" cy="1600200"/>
+            <a:off x="685800" y="1524000"/>
+            <a:ext cx="6873240" cy="1600200"/>
           </a:xfrm>
         </p:spPr>
         <p:txBody>
           <a:bodyPr anchor="b"/>
           <a:lstStyle>
-            <a:lvl1pPr>
+            <a:lvl1pPr algn="l">
               <a:defRPr sz="3200"/>
             </a:lvl1pPr>
           </a:lstStyle>
@@ -2519,20 +4955,15 @@
               <a:rPr lang="en-US"/>
               <a:t>Click to edit Master title style</a:t>
             </a:r>
-          </a:p>
-        </p:txBody>
-      </p:sp>
-      <p:sp>
-        <p:nvSpPr>
-          <p:cNvPr id="3" name="Picture Placeholder 2">
-            <a:extLst>
-              <a:ext uri="{FF2B5EF4-FFF2-40B4-BE49-F238E27FC236}">
-                <a16:creationId xmlns:a16="http://schemas.microsoft.com/office/drawing/2014/main" id="{0C1BD5CF-39B3-4997-94B7-9CA11FFC1EC8}"/>
-              </a:ext>
-            </a:extLst>
-          </p:cNvPr>
-          <p:cNvSpPr>
-            <a:spLocks noGrp="1"/>
+            <a:endParaRPr lang="en-US" dirty="0"/>
+          </a:p>
+        </p:txBody>
+      </p:sp>
+      <p:sp>
+        <p:nvSpPr>
+          <p:cNvPr id="3" name="Picture Placeholder 2"/>
+          <p:cNvSpPr>
+            <a:spLocks noGrp="1" noChangeAspect="1"/>
           </p:cNvSpPr>
           <p:nvPr>
             <p:ph type="pic" idx="1"/>
@@ -2540,8 +4971,73 @@
         </p:nvSpPr>
         <p:spPr>
           <a:xfrm>
-            <a:off x="5183188" y="987425"/>
-            <a:ext cx="6172200" cy="4873625"/>
+            <a:off x="7861238" y="751241"/>
+            <a:ext cx="3644962" cy="5467443"/>
+          </a:xfrm>
+        </p:spPr>
+        <p:txBody>
+          <a:bodyPr anchor="t"/>
+          <a:lstStyle>
+            <a:lvl1pPr marL="0" indent="0">
+              <a:buNone/>
+              <a:defRPr sz="3200"/>
+            </a:lvl1pPr>
+            <a:lvl2pPr marL="457200" indent="0">
+              <a:buNone/>
+              <a:defRPr sz="2800"/>
+            </a:lvl2pPr>
+            <a:lvl3pPr marL="914400" indent="0">
+              <a:buNone/>
+              <a:defRPr sz="2400"/>
+            </a:lvl3pPr>
+            <a:lvl4pPr marL="1371600" indent="0">
+              <a:buNone/>
+              <a:defRPr sz="2000"/>
+            </a:lvl4pPr>
+            <a:lvl5pPr marL="1828800" indent="0">
+              <a:buNone/>
+              <a:defRPr sz="2000"/>
+            </a:lvl5pPr>
+            <a:lvl6pPr marL="2286000" indent="0">
+              <a:buNone/>
+              <a:defRPr sz="2000"/>
+            </a:lvl6pPr>
+            <a:lvl7pPr marL="2743200" indent="0">
+              <a:buNone/>
+              <a:defRPr sz="2000"/>
+            </a:lvl7pPr>
+            <a:lvl8pPr marL="3200400" indent="0">
+              <a:buNone/>
+              <a:defRPr sz="2000"/>
+            </a:lvl8pPr>
+            <a:lvl9pPr marL="3657600" indent="0">
+              <a:buNone/>
+              <a:defRPr sz="2000"/>
+            </a:lvl9pPr>
+          </a:lstStyle>
+          <a:p>
+            <a:r>
+              <a:rPr lang="en-US"/>
+              <a:t>Click icon to add picture</a:t>
+            </a:r>
+            <a:endParaRPr lang="en-US" dirty="0"/>
+          </a:p>
+        </p:txBody>
+      </p:sp>
+      <p:sp>
+        <p:nvSpPr>
+          <p:cNvPr id="4" name="Text Placeholder 3"/>
+          <p:cNvSpPr>
+            <a:spLocks noGrp="1"/>
+          </p:cNvSpPr>
+          <p:nvPr>
+            <p:ph type="body" sz="half" idx="2"/>
+          </p:nvPr>
+        </p:nvSpPr>
+        <p:spPr>
+          <a:xfrm>
+            <a:off x="685800" y="3124199"/>
+            <a:ext cx="6873240" cy="3094485"/>
           </a:xfrm>
         </p:spPr>
         <p:txBody>
@@ -2549,73 +5045,6 @@
           <a:lstStyle>
             <a:lvl1pPr marL="0" indent="0">
               <a:buNone/>
-              <a:defRPr sz="3200"/>
-            </a:lvl1pPr>
-            <a:lvl2pPr marL="457200" indent="0">
-              <a:buNone/>
-              <a:defRPr sz="2800"/>
-            </a:lvl2pPr>
-            <a:lvl3pPr marL="914400" indent="0">
-              <a:buNone/>
-              <a:defRPr sz="2400"/>
-            </a:lvl3pPr>
-            <a:lvl4pPr marL="1371600" indent="0">
-              <a:buNone/>
-              <a:defRPr sz="2000"/>
-            </a:lvl4pPr>
-            <a:lvl5pPr marL="1828800" indent="0">
-              <a:buNone/>
-              <a:defRPr sz="2000"/>
-            </a:lvl5pPr>
-            <a:lvl6pPr marL="2286000" indent="0">
-              <a:buNone/>
-              <a:defRPr sz="2000"/>
-            </a:lvl6pPr>
-            <a:lvl7pPr marL="2743200" indent="0">
-              <a:buNone/>
-              <a:defRPr sz="2000"/>
-            </a:lvl7pPr>
-            <a:lvl8pPr marL="3200400" indent="0">
-              <a:buNone/>
-              <a:defRPr sz="2000"/>
-            </a:lvl8pPr>
-            <a:lvl9pPr marL="3657600" indent="0">
-              <a:buNone/>
-              <a:defRPr sz="2000"/>
-            </a:lvl9pPr>
-          </a:lstStyle>
-          <a:p>
-            <a:endParaRPr lang="en-US"/>
-          </a:p>
-        </p:txBody>
-      </p:sp>
-      <p:sp>
-        <p:nvSpPr>
-          <p:cNvPr id="4" name="Text Placeholder 3">
-            <a:extLst>
-              <a:ext uri="{FF2B5EF4-FFF2-40B4-BE49-F238E27FC236}">
-                <a16:creationId xmlns:a16="http://schemas.microsoft.com/office/drawing/2014/main" id="{6067683D-319B-4C25-A0C7-95E01E0419A5}"/>
-              </a:ext>
-            </a:extLst>
-          </p:cNvPr>
-          <p:cNvSpPr>
-            <a:spLocks noGrp="1"/>
-          </p:cNvSpPr>
-          <p:nvPr>
-            <p:ph type="body" sz="half" idx="2"/>
-          </p:nvPr>
-        </p:nvSpPr>
-        <p:spPr>
-          <a:xfrm>
-            <a:off x="839788" y="2057400"/>
-            <a:ext cx="3932237" cy="3811588"/>
-          </a:xfrm>
-        </p:spPr>
-        <p:txBody>
-          <a:bodyPr/>
-          <a:lstStyle>
-            <a:lvl1pPr marL="0" indent="0">
-              <a:buNone/>
               <a:defRPr sz="1600"/>
             </a:lvl1pPr>
             <a:lvl2pPr marL="457200" indent="0">
@@ -2662,13 +5091,7 @@
       </p:sp>
       <p:sp>
         <p:nvSpPr>
-          <p:cNvPr id="5" name="Date Placeholder 4">
-            <a:extLst>
-              <a:ext uri="{FF2B5EF4-FFF2-40B4-BE49-F238E27FC236}">
-                <a16:creationId xmlns:a16="http://schemas.microsoft.com/office/drawing/2014/main" id="{6A247C83-5B98-4C44-8C98-4EEF91CDADD3}"/>
-              </a:ext>
-            </a:extLst>
-          </p:cNvPr>
+          <p:cNvPr id="5" name="Date Placeholder 4"/>
           <p:cNvSpPr>
             <a:spLocks noGrp="1"/>
           </p:cNvSpPr>
@@ -2683,7 +5106,7 @@
           <a:p>
             <a:fld id="{3A8AB521-9182-4012-B86B-65B8484C7DE3}" type="datetimeFigureOut">
               <a:rPr lang="en-US" smtClean="0"/>
-              <a:t>9/11/2024</a:t>
+              <a:t>1/28/2025</a:t>
             </a:fld>
             <a:endParaRPr lang="en-US"/>
           </a:p>
@@ -2691,13 +5114,7 @@
       </p:sp>
       <p:sp>
         <p:nvSpPr>
-          <p:cNvPr id="6" name="Footer Placeholder 5">
-            <a:extLst>
-              <a:ext uri="{FF2B5EF4-FFF2-40B4-BE49-F238E27FC236}">
-                <a16:creationId xmlns:a16="http://schemas.microsoft.com/office/drawing/2014/main" id="{A2EE97B3-E848-42A0-A074-EBCEB87F5CA4}"/>
-              </a:ext>
-            </a:extLst>
-          </p:cNvPr>
+          <p:cNvPr id="6" name="Footer Placeholder 5"/>
           <p:cNvSpPr>
             <a:spLocks noGrp="1"/>
           </p:cNvSpPr>
@@ -2716,13 +5133,7 @@
       </p:sp>
       <p:sp>
         <p:nvSpPr>
-          <p:cNvPr id="7" name="Slide Number Placeholder 6">
-            <a:extLst>
-              <a:ext uri="{FF2B5EF4-FFF2-40B4-BE49-F238E27FC236}">
-                <a16:creationId xmlns:a16="http://schemas.microsoft.com/office/drawing/2014/main" id="{EFE1F310-987F-46E2-B5A2-D8A41E2B08C1}"/>
-              </a:ext>
-            </a:extLst>
-          </p:cNvPr>
+          <p:cNvPr id="7" name="Slide Number Placeholder 6"/>
           <p:cNvSpPr>
             <a:spLocks noGrp="1"/>
           </p:cNvSpPr>
@@ -2746,7 +5157,7 @@
     </p:spTree>
     <p:extLst>
       <p:ext uri="{BB962C8B-B14F-4D97-AF65-F5344CB8AC3E}">
-        <p14:creationId xmlns:p14="http://schemas.microsoft.com/office/powerpoint/2010/main" val="177087392"/>
+        <p14:creationId xmlns:p14="http://schemas.microsoft.com/office/powerpoint/2010/main" val="1427216912"/>
       </p:ext>
     </p:extLst>
   </p:cSld>
@@ -2778,141 +5189,155 @@
           <a:chExt cx="0" cy="0"/>
         </a:xfrm>
       </p:grpSpPr>
-      <p:sp>
-        <p:nvSpPr>
-          <p:cNvPr id="2" name="Title Placeholder 1">
+      <p:pic>
+        <p:nvPicPr>
+          <p:cNvPr id="7" name="Picture 6" descr="C0-HD-TOP.png"/>
+          <p:cNvPicPr>
+            <a:picLocks noChangeAspect="1"/>
+          </p:cNvPicPr>
+          <p:nvPr/>
+        </p:nvPicPr>
+        <p:blipFill>
+          <a:blip r:embed="rId19">
             <a:extLst>
-              <a:ext uri="{FF2B5EF4-FFF2-40B4-BE49-F238E27FC236}">
-                <a16:creationId xmlns:a16="http://schemas.microsoft.com/office/drawing/2014/main" id="{C1721404-CEFA-4A01-A096-E01D11010A34}"/>
+              <a:ext uri="{28A0092B-C50C-407E-A947-70E740481C1C}">
+                <a14:useLocalDpi xmlns:a14="http://schemas.microsoft.com/office/drawing/2010/main" val="0"/>
               </a:ext>
             </a:extLst>
-          </p:cNvPr>
-          <p:cNvSpPr>
-            <a:spLocks noGrp="1"/>
-          </p:cNvSpPr>
-          <p:nvPr>
-            <p:ph type="title"/>
-          </p:nvPr>
-        </p:nvSpPr>
+          </a:blip>
+          <a:stretch>
+            <a:fillRect/>
+          </a:stretch>
+        </p:blipFill>
         <p:spPr>
           <a:xfrm>
-            <a:off x="838200" y="365125"/>
-            <a:ext cx="10515600" cy="1325563"/>
+            <a:off x="0" y="0"/>
+            <a:ext cx="12192000" cy="1441450"/>
           </a:xfrm>
           <a:prstGeom prst="rect">
             <a:avLst/>
           </a:prstGeom>
         </p:spPr>
-        <p:txBody>
-          <a:bodyPr vert="horz" lIns="91440" tIns="45720" rIns="91440" bIns="45720" rtlCol="0" anchor="ctr">
-            <a:normAutofit/>
-          </a:bodyPr>
-          <a:lstStyle/>
-          <a:p>
-            <a:r>
-              <a:rPr lang="en-US"/>
-              <a:t>Click to edit Master title style</a:t>
-            </a:r>
-          </a:p>
-        </p:txBody>
-      </p:sp>
-      <p:sp>
-        <p:nvSpPr>
-          <p:cNvPr id="3" name="Text Placeholder 2">
-            <a:extLst>
-              <a:ext uri="{FF2B5EF4-FFF2-40B4-BE49-F238E27FC236}">
-                <a16:creationId xmlns:a16="http://schemas.microsoft.com/office/drawing/2014/main" id="{C91479A4-DA75-47B3-A116-493E41DEB975}"/>
-              </a:ext>
-            </a:extLst>
-          </p:cNvPr>
-          <p:cNvSpPr>
-            <a:spLocks noGrp="1"/>
-          </p:cNvSpPr>
-          <p:nvPr>
-            <p:ph type="body" idx="1"/>
+      </p:pic>
+      <p:sp>
+        <p:nvSpPr>
+          <p:cNvPr id="2" name="Title Placeholder 1"/>
+          <p:cNvSpPr>
+            <a:spLocks noGrp="1"/>
+          </p:cNvSpPr>
+          <p:nvPr>
+            <p:ph type="title"/>
           </p:nvPr>
         </p:nvSpPr>
         <p:spPr>
           <a:xfrm>
-            <a:off x="838200" y="1825625"/>
-            <a:ext cx="10515600" cy="4351338"/>
+            <a:off x="2895600" y="764373"/>
+            <a:ext cx="8610600" cy="1293028"/>
           </a:xfrm>
           <a:prstGeom prst="rect">
             <a:avLst/>
           </a:prstGeom>
         </p:spPr>
         <p:txBody>
-          <a:bodyPr vert="horz" lIns="91440" tIns="45720" rIns="91440" bIns="45720" rtlCol="0">
+          <a:bodyPr vert="horz" lIns="91440" tIns="45720" rIns="91440" bIns="45720" rtlCol="0" anchor="ctr">
             <a:normAutofit/>
           </a:bodyPr>
           <a:lstStyle/>
           <a:p>
-            <a:pPr lvl="0"/>
             <a:r>
               <a:rPr lang="en-US"/>
-              <a:t>Click to edit Master text styles</a:t>
-            </a:r>
-          </a:p>
-          <a:p>
-            <a:pPr lvl="1"/>
-            <a:r>
-              <a:rPr lang="en-US"/>
-              <a:t>Second level</a:t>
-            </a:r>
-          </a:p>
-          <a:p>
-            <a:pPr lvl="2"/>
-            <a:r>
-              <a:rPr lang="en-US"/>
-              <a:t>Third level</a:t>
-            </a:r>
-          </a:p>
-          <a:p>
-            <a:pPr lvl="3"/>
-            <a:r>
-              <a:rPr lang="en-US"/>
-              <a:t>Fourth level</a:t>
-            </a:r>
-          </a:p>
-          <a:p>
-            <a:pPr lvl="4"/>
-            <a:r>
-              <a:rPr lang="en-US"/>
-              <a:t>Fifth level</a:t>
-            </a:r>
-          </a:p>
-        </p:txBody>
-      </p:sp>
-      <p:sp>
-        <p:nvSpPr>
-          <p:cNvPr id="4" name="Date Placeholder 3">
-            <a:extLst>
-              <a:ext uri="{FF2B5EF4-FFF2-40B4-BE49-F238E27FC236}">
-                <a16:creationId xmlns:a16="http://schemas.microsoft.com/office/drawing/2014/main" id="{CBC76D63-D463-4076-8F49-FC950FC71C23}"/>
-              </a:ext>
-            </a:extLst>
-          </p:cNvPr>
-          <p:cNvSpPr>
-            <a:spLocks noGrp="1"/>
-          </p:cNvSpPr>
-          <p:nvPr>
-            <p:ph type="dt" sz="half" idx="2"/>
+              <a:t>Click to edit Master title style</a:t>
+            </a:r>
+            <a:endParaRPr lang="en-US" dirty="0"/>
+          </a:p>
+        </p:txBody>
+      </p:sp>
+      <p:sp>
+        <p:nvSpPr>
+          <p:cNvPr id="3" name="Text Placeholder 2"/>
+          <p:cNvSpPr>
+            <a:spLocks noGrp="1"/>
+          </p:cNvSpPr>
+          <p:nvPr>
+            <p:ph type="body" idx="1"/>
           </p:nvPr>
         </p:nvSpPr>
         <p:spPr>
           <a:xfrm>
-            <a:off x="838200" y="6356350"/>
-            <a:ext cx="2743200" cy="365125"/>
+            <a:off x="685800" y="2194560"/>
+            <a:ext cx="10820400" cy="4024125"/>
           </a:xfrm>
           <a:prstGeom prst="rect">
             <a:avLst/>
           </a:prstGeom>
         </p:spPr>
         <p:txBody>
+          <a:bodyPr vert="horz" lIns="91440" tIns="45720" rIns="91440" bIns="45720" rtlCol="0">
+            <a:normAutofit/>
+          </a:bodyPr>
+          <a:lstStyle/>
+          <a:p>
+            <a:pPr lvl="0"/>
+            <a:r>
+              <a:rPr lang="en-US"/>
+              <a:t>Click to edit Master text styles</a:t>
+            </a:r>
+          </a:p>
+          <a:p>
+            <a:pPr lvl="1"/>
+            <a:r>
+              <a:rPr lang="en-US"/>
+              <a:t>Second level</a:t>
+            </a:r>
+          </a:p>
+          <a:p>
+            <a:pPr lvl="2"/>
+            <a:r>
+              <a:rPr lang="en-US"/>
+              <a:t>Third level</a:t>
+            </a:r>
+          </a:p>
+          <a:p>
+            <a:pPr lvl="3"/>
+            <a:r>
+              <a:rPr lang="en-US"/>
+              <a:t>Fourth level</a:t>
+            </a:r>
+          </a:p>
+          <a:p>
+            <a:pPr lvl="4"/>
+            <a:r>
+              <a:rPr lang="en-US"/>
+              <a:t>Fifth level</a:t>
+            </a:r>
+            <a:endParaRPr lang="en-US" dirty="0"/>
+          </a:p>
+        </p:txBody>
+      </p:sp>
+      <p:sp>
+        <p:nvSpPr>
+          <p:cNvPr id="4" name="Date Placeholder 3"/>
+          <p:cNvSpPr>
+            <a:spLocks noGrp="1"/>
+          </p:cNvSpPr>
+          <p:nvPr>
+            <p:ph type="dt" sz="half" idx="2"/>
+          </p:nvPr>
+        </p:nvSpPr>
+        <p:spPr>
+          <a:xfrm>
+            <a:off x="8595360" y="6356350"/>
+            <a:ext cx="2910840" cy="365125"/>
+          </a:xfrm>
+          <a:prstGeom prst="rect">
+            <a:avLst/>
+          </a:prstGeom>
+        </p:spPr>
+        <p:txBody>
           <a:bodyPr vert="horz" lIns="91440" tIns="45720" rIns="91440" bIns="45720" rtlCol="0" anchor="ctr"/>
           <a:lstStyle>
-            <a:lvl1pPr algn="l">
-              <a:defRPr sz="1200">
+            <a:lvl1pPr algn="r">
+              <a:defRPr sz="1050">
                 <a:solidFill>
                   <a:schemeClr val="tx1">
                     <a:tint val="75000"/>
@@ -2924,7 +5349,7 @@
           <a:p>
             <a:fld id="{3A8AB521-9182-4012-B86B-65B8484C7DE3}" type="datetimeFigureOut">
               <a:rPr lang="en-US" smtClean="0"/>
-              <a:t>9/11/2024</a:t>
+              <a:t>1/28/2025</a:t>
             </a:fld>
             <a:endParaRPr lang="en-US"/>
           </a:p>
@@ -2932,13 +5357,7 @@
       </p:sp>
       <p:sp>
         <p:nvSpPr>
-          <p:cNvPr id="5" name="Footer Placeholder 4">
-            <a:extLst>
-              <a:ext uri="{FF2B5EF4-FFF2-40B4-BE49-F238E27FC236}">
-                <a16:creationId xmlns:a16="http://schemas.microsoft.com/office/drawing/2014/main" id="{55076BB5-7D0F-4A05-B389-38D3E6A7C9D8}"/>
-              </a:ext>
-            </a:extLst>
-          </p:cNvPr>
+          <p:cNvPr id="5" name="Footer Placeholder 4"/>
           <p:cNvSpPr>
             <a:spLocks noGrp="1"/>
           </p:cNvSpPr>
@@ -2948,8 +5367,8 @@
         </p:nvSpPr>
         <p:spPr>
           <a:xfrm>
-            <a:off x="4038600" y="6356350"/>
-            <a:ext cx="4114800" cy="365125"/>
+            <a:off x="685800" y="6355845"/>
+            <a:ext cx="7772400" cy="365125"/>
           </a:xfrm>
           <a:prstGeom prst="rect">
             <a:avLst/>
@@ -2958,8 +5377,8 @@
         <p:txBody>
           <a:bodyPr vert="horz" lIns="91440" tIns="45720" rIns="91440" bIns="45720" rtlCol="0" anchor="ctr"/>
           <a:lstStyle>
-            <a:lvl1pPr algn="ctr">
-              <a:defRPr sz="1200">
+            <a:lvl1pPr algn="l">
+              <a:defRPr sz="1050">
                 <a:solidFill>
                   <a:schemeClr val="tx1">
                     <a:tint val="75000"/>
@@ -2975,13 +5394,7 @@
       </p:sp>
       <p:sp>
         <p:nvSpPr>
-          <p:cNvPr id="6" name="Slide Number Placeholder 5">
-            <a:extLst>
-              <a:ext uri="{FF2B5EF4-FFF2-40B4-BE49-F238E27FC236}">
-                <a16:creationId xmlns:a16="http://schemas.microsoft.com/office/drawing/2014/main" id="{305D0B89-086E-415C-96B6-B503CE950ED2}"/>
-              </a:ext>
-            </a:extLst>
-          </p:cNvPr>
+          <p:cNvPr id="6" name="Slide Number Placeholder 5"/>
           <p:cNvSpPr>
             <a:spLocks noGrp="1"/>
           </p:cNvSpPr>
@@ -2991,7 +5404,7 @@
         </p:nvSpPr>
         <p:spPr>
           <a:xfrm>
-            <a:off x="8610600" y="6356350"/>
+            <a:off x="8763000" y="381000"/>
             <a:ext cx="2743200" cy="365125"/>
           </a:xfrm>
           <a:prstGeom prst="rect">
@@ -3002,7 +5415,7 @@
           <a:bodyPr vert="horz" lIns="91440" tIns="45720" rIns="91440" bIns="45720" rtlCol="0" anchor="ctr"/>
           <a:lstStyle>
             <a:lvl1pPr algn="r">
-              <a:defRPr sz="1200">
+              <a:defRPr sz="1050">
                 <a:solidFill>
                   <a:schemeClr val="tx1">
                     <a:tint val="75000"/>
@@ -3023,27 +5436,33 @@
     </p:spTree>
     <p:extLst>
       <p:ext uri="{BB962C8B-B14F-4D97-AF65-F5344CB8AC3E}">
-        <p14:creationId xmlns:p14="http://schemas.microsoft.com/office/powerpoint/2010/main" val="3191390369"/>
+        <p14:creationId xmlns:p14="http://schemas.microsoft.com/office/powerpoint/2010/main" val="2829730502"/>
       </p:ext>
     </p:extLst>
   </p:cSld>
-  <p:clrMap bg1="lt1" tx1="dk1" bg2="lt2" tx2="dk2" accent1="accent1" accent2="accent2" accent3="accent3" accent4="accent4" accent5="accent5" accent6="accent6" hlink="hlink" folHlink="folHlink"/>
+  <p:clrMap bg1="dk1" tx1="lt1" bg2="dk2" tx2="lt2" accent1="accent1" accent2="accent2" accent3="accent3" accent4="accent4" accent5="accent5" accent6="accent6" hlink="hlink" folHlink="folHlink"/>
   <p:sldLayoutIdLst>
-    <p:sldLayoutId id="2147483649" r:id="rId1"/>
-    <p:sldLayoutId id="2147483650" r:id="rId2"/>
-    <p:sldLayoutId id="2147483651" r:id="rId3"/>
-    <p:sldLayoutId id="2147483652" r:id="rId4"/>
-    <p:sldLayoutId id="2147483653" r:id="rId5"/>
-    <p:sldLayoutId id="2147483654" r:id="rId6"/>
-    <p:sldLayoutId id="2147483655" r:id="rId7"/>
-    <p:sldLayoutId id="2147483656" r:id="rId8"/>
-    <p:sldLayoutId id="2147483657" r:id="rId9"/>
-    <p:sldLayoutId id="2147483658" r:id="rId10"/>
-    <p:sldLayoutId id="2147483659" r:id="rId11"/>
+    <p:sldLayoutId id="2147483661" r:id="rId1"/>
+    <p:sldLayoutId id="2147483662" r:id="rId2"/>
+    <p:sldLayoutId id="2147483663" r:id="rId3"/>
+    <p:sldLayoutId id="2147483664" r:id="rId4"/>
+    <p:sldLayoutId id="2147483665" r:id="rId5"/>
+    <p:sldLayoutId id="2147483666" r:id="rId6"/>
+    <p:sldLayoutId id="2147483667" r:id="rId7"/>
+    <p:sldLayoutId id="2147483668" r:id="rId8"/>
+    <p:sldLayoutId id="2147483669" r:id="rId9"/>
+    <p:sldLayoutId id="2147483670" r:id="rId10"/>
+    <p:sldLayoutId id="2147483671" r:id="rId11"/>
+    <p:sldLayoutId id="2147483672" r:id="rId12"/>
+    <p:sldLayoutId id="2147483673" r:id="rId13"/>
+    <p:sldLayoutId id="2147483674" r:id="rId14"/>
+    <p:sldLayoutId id="2147483675" r:id="rId15"/>
+    <p:sldLayoutId id="2147483676" r:id="rId16"/>
+    <p:sldLayoutId id="2147483677" r:id="rId17"/>
   </p:sldLayoutIdLst>
   <p:txStyles>
     <p:titleStyle>
-      <a:lvl1pPr algn="l" defTabSz="914400" rtl="0" eaLnBrk="1" latinLnBrk="0" hangingPunct="1">
+      <a:lvl1pPr algn="r" defTabSz="914400" rtl="0" eaLnBrk="1" latinLnBrk="0" hangingPunct="1">
         <a:lnSpc>
           <a:spcPct val="90000"/>
         </a:lnSpc>
@@ -3051,7 +5470,7 @@
           <a:spcPct val="0"/>
         </a:spcBef>
         <a:buNone/>
-        <a:defRPr sz="4400" kern="1200">
+        <a:defRPr sz="4000" kern="1200" cap="all" baseline="0">
           <a:solidFill>
             <a:schemeClr val="tx1"/>
           </a:solidFill>
@@ -3071,7 +5490,7 @@
         </a:spcBef>
         <a:buFont typeface="Arial" panose="020B0604020202020204" pitchFamily="34" charset="0"/>
         <a:buChar char="•"/>
-        <a:defRPr sz="2800" kern="1200">
+        <a:defRPr sz="2200" kern="1200">
           <a:solidFill>
             <a:schemeClr val="tx1"/>
           </a:solidFill>
@@ -3089,7 +5508,7 @@
         </a:spcBef>
         <a:buFont typeface="Arial" panose="020B0604020202020204" pitchFamily="34" charset="0"/>
         <a:buChar char="•"/>
-        <a:defRPr sz="2400" kern="1200">
+        <a:defRPr sz="2000" kern="1200">
           <a:solidFill>
             <a:schemeClr val="tx1"/>
           </a:solidFill>
@@ -3107,7 +5526,7 @@
         </a:spcBef>
         <a:buFont typeface="Arial" panose="020B0604020202020204" pitchFamily="34" charset="0"/>
         <a:buChar char="•"/>
-        <a:defRPr sz="2000" kern="1200">
+        <a:defRPr sz="1800" kern="1200">
           <a:solidFill>
             <a:schemeClr val="tx1"/>
           </a:solidFill>
@@ -3125,7 +5544,7 @@
         </a:spcBef>
         <a:buFont typeface="Arial" panose="020B0604020202020204" pitchFamily="34" charset="0"/>
         <a:buChar char="•"/>
-        <a:defRPr sz="1800" kern="1200">
+        <a:defRPr sz="1600" kern="1200">
           <a:solidFill>
             <a:schemeClr val="tx1"/>
           </a:solidFill>
@@ -3143,7 +5562,7 @@
         </a:spcBef>
         <a:buFont typeface="Arial" panose="020B0604020202020204" pitchFamily="34" charset="0"/>
         <a:buChar char="•"/>
-        <a:defRPr sz="1800" kern="1200">
+        <a:defRPr sz="1600" kern="1200">
           <a:solidFill>
             <a:schemeClr val="tx1"/>
           </a:solidFill>
@@ -3161,7 +5580,7 @@
         </a:spcBef>
         <a:buFont typeface="Arial" panose="020B0604020202020204" pitchFamily="34" charset="0"/>
         <a:buChar char="•"/>
-        <a:defRPr sz="1800" kern="1200">
+        <a:defRPr sz="1600" kern="1200">
           <a:solidFill>
             <a:schemeClr val="tx1"/>
           </a:solidFill>
@@ -3179,7 +5598,7 @@
         </a:spcBef>
         <a:buFont typeface="Arial" panose="020B0604020202020204" pitchFamily="34" charset="0"/>
         <a:buChar char="•"/>
-        <a:defRPr sz="1800" kern="1200">
+        <a:defRPr sz="1600" kern="1200">
           <a:solidFill>
             <a:schemeClr val="tx1"/>
           </a:solidFill>
@@ -3197,7 +5616,7 @@
         </a:spcBef>
         <a:buFont typeface="Arial" panose="020B0604020202020204" pitchFamily="34" charset="0"/>
         <a:buChar char="•"/>
-        <a:defRPr sz="1800" kern="1200">
+        <a:defRPr sz="1600" kern="1200">
           <a:solidFill>
             <a:schemeClr val="tx1"/>
           </a:solidFill>
@@ -3215,7 +5634,7 @@
         </a:spcBef>
         <a:buFont typeface="Arial" panose="020B0604020202020204" pitchFamily="34" charset="0"/>
         <a:buChar char="•"/>
-        <a:defRPr sz="1800" kern="1200">
+        <a:defRPr sz="1600" kern="1200">
           <a:solidFill>
             <a:schemeClr val="tx1"/>
           </a:solidFill>
@@ -3802,14 +6221,14 @@
             <p:ph idx="1"/>
             <p:extLst>
               <p:ext uri="{D42A27DB-BD31-4B8C-83A1-F6EECF244321}">
-                <p14:modId xmlns:p14="http://schemas.microsoft.com/office/powerpoint/2010/main" val="3576942520"/>
+                <p14:modId xmlns:p14="http://schemas.microsoft.com/office/powerpoint/2010/main" val="285663047"/>
               </p:ext>
             </p:extLst>
           </p:nvPr>
         </p:nvGraphicFramePr>
         <p:xfrm>
-          <a:off x="838200" y="1825625"/>
-          <a:ext cx="10515600" cy="4048760"/>
+          <a:off x="633919" y="1778878"/>
+          <a:ext cx="10820400" cy="4592320"/>
         </p:xfrm>
         <a:graphic>
           <a:graphicData uri="http://schemas.openxmlformats.org/drawingml/2006/table">
@@ -3818,28 +6237,28 @@
                 <a:tableStyleId>{5C22544A-7EE6-4342-B048-85BDC9FD1C3A}</a:tableStyleId>
               </a:tblPr>
               <a:tblGrid>
-                <a:gridCol w="2628900">
+                <a:gridCol w="2705100">
                   <a:extLst>
                     <a:ext uri="{9D8B030D-6E8A-4147-A177-3AD203B41FA5}">
                       <a16:colId xmlns:a16="http://schemas.microsoft.com/office/drawing/2014/main" val="567644901"/>
                     </a:ext>
                   </a:extLst>
                 </a:gridCol>
-                <a:gridCol w="2628900">
+                <a:gridCol w="2705100">
                   <a:extLst>
                     <a:ext uri="{9D8B030D-6E8A-4147-A177-3AD203B41FA5}">
                       <a16:colId xmlns:a16="http://schemas.microsoft.com/office/drawing/2014/main" val="2431196263"/>
                     </a:ext>
                   </a:extLst>
                 </a:gridCol>
-                <a:gridCol w="2628900">
+                <a:gridCol w="2705100">
                   <a:extLst>
                     <a:ext uri="{9D8B030D-6E8A-4147-A177-3AD203B41FA5}">
                       <a16:colId xmlns:a16="http://schemas.microsoft.com/office/drawing/2014/main" val="47225890"/>
                     </a:ext>
                   </a:extLst>
                 </a:gridCol>
-                <a:gridCol w="2628900">
+                <a:gridCol w="2705100">
                   <a:extLst>
                     <a:ext uri="{9D8B030D-6E8A-4147-A177-3AD203B41FA5}">
                       <a16:colId xmlns:a16="http://schemas.microsoft.com/office/drawing/2014/main" val="2961377672"/>
@@ -3859,7 +6278,7 @@
                       </a:r>
                     </a:p>
                   </a:txBody>
-                  <a:tcPr/>
+                  <a:tcPr marL="94090" marR="94090"/>
                 </a:tc>
                 <a:tc>
                   <a:txBody>
@@ -3872,7 +6291,7 @@
                       </a:r>
                     </a:p>
                   </a:txBody>
-                  <a:tcPr/>
+                  <a:tcPr marL="94090" marR="94090"/>
                 </a:tc>
                 <a:tc>
                   <a:txBody>
@@ -3885,7 +6304,7 @@
                       </a:r>
                     </a:p>
                   </a:txBody>
-                  <a:tcPr/>
+                  <a:tcPr marL="94090" marR="94090"/>
                 </a:tc>
                 <a:tc>
                   <a:txBody>
@@ -3898,7 +6317,7 @@
                       </a:r>
                     </a:p>
                   </a:txBody>
-                  <a:tcPr/>
+                  <a:tcPr marL="94090" marR="94090"/>
                 </a:tc>
                 <a:extLst>
                   <a:ext uri="{0D108BD9-81ED-4DB2-BD59-A6C34878D82A}">
@@ -3918,7 +6337,7 @@
                       </a:r>
                     </a:p>
                   </a:txBody>
-                  <a:tcPr/>
+                  <a:tcPr marL="94090" marR="94090"/>
                 </a:tc>
                 <a:tc>
                   <a:txBody>
@@ -3931,7 +6350,7 @@
                       </a:r>
                     </a:p>
                   </a:txBody>
-                  <a:tcPr/>
+                  <a:tcPr marL="94090" marR="94090"/>
                 </a:tc>
                 <a:tc>
                   <a:txBody>
@@ -3944,7 +6363,7 @@
                       </a:r>
                     </a:p>
                   </a:txBody>
-                  <a:tcPr/>
+                  <a:tcPr marL="94090" marR="94090"/>
                 </a:tc>
                 <a:tc>
                   <a:txBody>
@@ -3957,7 +6376,7 @@
                       </a:r>
                     </a:p>
                   </a:txBody>
-                  <a:tcPr/>
+                  <a:tcPr marL="94090" marR="94090"/>
                 </a:tc>
                 <a:extLst>
                   <a:ext uri="{0D108BD9-81ED-4DB2-BD59-A6C34878D82A}">
@@ -3977,7 +6396,7 @@
                       </a:r>
                     </a:p>
                   </a:txBody>
-                  <a:tcPr/>
+                  <a:tcPr marL="94090" marR="94090"/>
                 </a:tc>
                 <a:tc>
                   <a:txBody>
@@ -3990,7 +6409,7 @@
                       </a:r>
                     </a:p>
                   </a:txBody>
-                  <a:tcPr/>
+                  <a:tcPr marL="94090" marR="94090"/>
                 </a:tc>
                 <a:tc>
                   <a:txBody>
@@ -4003,7 +6422,7 @@
                       </a:r>
                     </a:p>
                   </a:txBody>
-                  <a:tcPr/>
+                  <a:tcPr marL="94090" marR="94090"/>
                 </a:tc>
                 <a:tc>
                   <a:txBody>
@@ -4016,7 +6435,7 @@
                       </a:r>
                     </a:p>
                   </a:txBody>
-                  <a:tcPr/>
+                  <a:tcPr marL="94090" marR="94090"/>
                 </a:tc>
                 <a:extLst>
                   <a:ext uri="{0D108BD9-81ED-4DB2-BD59-A6C34878D82A}">
@@ -4036,7 +6455,7 @@
                       </a:r>
                     </a:p>
                   </a:txBody>
-                  <a:tcPr/>
+                  <a:tcPr marL="94090" marR="94090"/>
                 </a:tc>
                 <a:tc>
                   <a:txBody>
@@ -4049,7 +6468,7 @@
                       </a:r>
                     </a:p>
                   </a:txBody>
-                  <a:tcPr/>
+                  <a:tcPr marL="94090" marR="94090"/>
                 </a:tc>
                 <a:tc>
                   <a:txBody>
@@ -4062,7 +6481,7 @@
                       </a:r>
                     </a:p>
                   </a:txBody>
-                  <a:tcPr/>
+                  <a:tcPr marL="94090" marR="94090"/>
                 </a:tc>
                 <a:tc>
                   <a:txBody>
@@ -4075,7 +6494,7 @@
                       </a:r>
                     </a:p>
                   </a:txBody>
-                  <a:tcPr/>
+                  <a:tcPr marL="94090" marR="94090"/>
                 </a:tc>
                 <a:extLst>
                   <a:ext uri="{0D108BD9-81ED-4DB2-BD59-A6C34878D82A}">
@@ -4095,7 +6514,7 @@
                       </a:r>
                     </a:p>
                   </a:txBody>
-                  <a:tcPr/>
+                  <a:tcPr marL="94090" marR="94090"/>
                 </a:tc>
                 <a:tc>
                   <a:txBody>
@@ -4108,7 +6527,7 @@
                       </a:r>
                     </a:p>
                   </a:txBody>
-                  <a:tcPr/>
+                  <a:tcPr marL="94090" marR="94090"/>
                 </a:tc>
                 <a:tc>
                   <a:txBody>
@@ -4121,7 +6540,7 @@
                       </a:r>
                     </a:p>
                   </a:txBody>
-                  <a:tcPr/>
+                  <a:tcPr marL="94090" marR="94090"/>
                 </a:tc>
                 <a:tc>
                   <a:txBody>
@@ -4134,7 +6553,7 @@
                       </a:r>
                     </a:p>
                   </a:txBody>
-                  <a:tcPr/>
+                  <a:tcPr marL="94090" marR="94090"/>
                 </a:tc>
                 <a:extLst>
                   <a:ext uri="{0D108BD9-81ED-4DB2-BD59-A6C34878D82A}">
@@ -4154,7 +6573,7 @@
                       </a:r>
                     </a:p>
                   </a:txBody>
-                  <a:tcPr/>
+                  <a:tcPr marL="94090" marR="94090"/>
                 </a:tc>
                 <a:tc>
                   <a:txBody>
@@ -4167,7 +6586,7 @@
                       </a:r>
                     </a:p>
                   </a:txBody>
-                  <a:tcPr/>
+                  <a:tcPr marL="94090" marR="94090"/>
                 </a:tc>
                 <a:tc>
                   <a:txBody>
@@ -4180,7 +6599,7 @@
                       </a:r>
                     </a:p>
                   </a:txBody>
-                  <a:tcPr/>
+                  <a:tcPr marL="94090" marR="94090"/>
                 </a:tc>
                 <a:tc>
                   <a:txBody>
@@ -4193,7 +6612,7 @@
                       </a:r>
                     </a:p>
                   </a:txBody>
-                  <a:tcPr/>
+                  <a:tcPr marL="94090" marR="94090"/>
                 </a:tc>
                 <a:extLst>
                   <a:ext uri="{0D108BD9-81ED-4DB2-BD59-A6C34878D82A}">
@@ -4213,7 +6632,7 @@
                       </a:r>
                     </a:p>
                   </a:txBody>
-                  <a:tcPr/>
+                  <a:tcPr marL="94090" marR="94090"/>
                 </a:tc>
                 <a:tc>
                   <a:txBody>
@@ -4226,7 +6645,7 @@
                       </a:r>
                     </a:p>
                   </a:txBody>
-                  <a:tcPr/>
+                  <a:tcPr marL="94090" marR="94090"/>
                 </a:tc>
                 <a:tc>
                   <a:txBody>
@@ -4239,7 +6658,7 @@
                       </a:r>
                     </a:p>
                   </a:txBody>
-                  <a:tcPr/>
+                  <a:tcPr marL="94090" marR="94090"/>
                 </a:tc>
                 <a:tc>
                   <a:txBody>
@@ -4252,7 +6671,7 @@
                       </a:r>
                     </a:p>
                   </a:txBody>
-                  <a:tcPr/>
+                  <a:tcPr marL="94090" marR="94090"/>
                 </a:tc>
                 <a:extLst>
                   <a:ext uri="{0D108BD9-81ED-4DB2-BD59-A6C34878D82A}">
@@ -4272,7 +6691,7 @@
                       </a:r>
                     </a:p>
                   </a:txBody>
-                  <a:tcPr/>
+                  <a:tcPr marL="94090" marR="94090"/>
                 </a:tc>
                 <a:tc>
                   <a:txBody>
@@ -4285,7 +6704,7 @@
                       </a:r>
                     </a:p>
                   </a:txBody>
-                  <a:tcPr/>
+                  <a:tcPr marL="94090" marR="94090"/>
                 </a:tc>
                 <a:tc>
                   <a:txBody>
@@ -4298,7 +6717,7 @@
                       </a:r>
                     </a:p>
                   </a:txBody>
-                  <a:tcPr/>
+                  <a:tcPr marL="94090" marR="94090"/>
                 </a:tc>
                 <a:tc>
                   <a:txBody>
@@ -4311,7 +6730,7 @@
                       </a:r>
                     </a:p>
                   </a:txBody>
-                  <a:tcPr/>
+                  <a:tcPr marL="94090" marR="94090"/>
                 </a:tc>
                 <a:extLst>
                   <a:ext uri="{0D108BD9-81ED-4DB2-BD59-A6C34878D82A}">
@@ -4397,14 +6816,14 @@
             <p:ph idx="1"/>
             <p:extLst>
               <p:ext uri="{D42A27DB-BD31-4B8C-83A1-F6EECF244321}">
-                <p14:modId xmlns:p14="http://schemas.microsoft.com/office/powerpoint/2010/main" val="443485742"/>
+                <p14:modId xmlns:p14="http://schemas.microsoft.com/office/powerpoint/2010/main" val="105556499"/>
               </p:ext>
             </p:extLst>
           </p:nvPr>
         </p:nvGraphicFramePr>
         <p:xfrm>
-          <a:off x="838200" y="1825625"/>
-          <a:ext cx="10515600" cy="3977640"/>
+          <a:off x="685800" y="1830759"/>
+          <a:ext cx="11395365" cy="4860105"/>
         </p:xfrm>
         <a:graphic>
           <a:graphicData uri="http://schemas.openxmlformats.org/drawingml/2006/table">
@@ -4413,21 +6832,21 @@
                 <a:tableStyleId>{5C22544A-7EE6-4342-B048-85BDC9FD1C3A}</a:tableStyleId>
               </a:tblPr>
               <a:tblGrid>
-                <a:gridCol w="3505200">
+                <a:gridCol w="3798455">
                   <a:extLst>
                     <a:ext uri="{9D8B030D-6E8A-4147-A177-3AD203B41FA5}">
                       <a16:colId xmlns:a16="http://schemas.microsoft.com/office/drawing/2014/main" val="268060731"/>
                     </a:ext>
                   </a:extLst>
                 </a:gridCol>
-                <a:gridCol w="3505200">
+                <a:gridCol w="3798455">
                   <a:extLst>
                     <a:ext uri="{9D8B030D-6E8A-4147-A177-3AD203B41FA5}">
                       <a16:colId xmlns:a16="http://schemas.microsoft.com/office/drawing/2014/main" val="2156987424"/>
                     </a:ext>
                   </a:extLst>
                 </a:gridCol>
-                <a:gridCol w="3505200">
+                <a:gridCol w="3798455">
                   <a:extLst>
                     <a:ext uri="{9D8B030D-6E8A-4147-A177-3AD203B41FA5}">
                       <a16:colId xmlns:a16="http://schemas.microsoft.com/office/drawing/2014/main" val="1662974113"/>
@@ -4435,7 +6854,7 @@
                   </a:extLst>
                 </a:gridCol>
               </a:tblGrid>
-              <a:tr h="370840">
+              <a:tr h="321386">
                 <a:tc>
                   <a:txBody>
                     <a:bodyPr/>
@@ -4447,7 +6866,7 @@
                       </a:r>
                     </a:p>
                   </a:txBody>
-                  <a:tcPr/>
+                  <a:tcPr marL="94090" marR="94090"/>
                 </a:tc>
                 <a:tc>
                   <a:txBody>
@@ -4460,7 +6879,7 @@
                       </a:r>
                     </a:p>
                   </a:txBody>
-                  <a:tcPr/>
+                  <a:tcPr marL="94090" marR="94090"/>
                 </a:tc>
                 <a:tc>
                   <a:txBody>
@@ -4473,7 +6892,7 @@
                       </a:r>
                     </a:p>
                   </a:txBody>
-                  <a:tcPr/>
+                  <a:tcPr marL="94090" marR="94090"/>
                 </a:tc>
                 <a:extLst>
                   <a:ext uri="{0D108BD9-81ED-4DB2-BD59-A6C34878D82A}">
@@ -4481,7 +6900,7 @@
                   </a:ext>
                 </a:extLst>
               </a:tr>
-              <a:tr h="370840">
+              <a:tr h="321386">
                 <a:tc>
                   <a:txBody>
                     <a:bodyPr/>
@@ -4493,7 +6912,7 @@
                       </a:r>
                     </a:p>
                   </a:txBody>
-                  <a:tcPr/>
+                  <a:tcPr marL="94090" marR="94090"/>
                 </a:tc>
                 <a:tc>
                   <a:txBody>
@@ -4506,7 +6925,7 @@
                       </a:r>
                     </a:p>
                   </a:txBody>
-                  <a:tcPr/>
+                  <a:tcPr marL="94090" marR="94090"/>
                 </a:tc>
                 <a:tc>
                   <a:txBody>
@@ -4519,7 +6938,7 @@
                       </a:r>
                     </a:p>
                   </a:txBody>
-                  <a:tcPr/>
+                  <a:tcPr marL="94090" marR="94090"/>
                 </a:tc>
                 <a:extLst>
                   <a:ext uri="{0D108BD9-81ED-4DB2-BD59-A6C34878D82A}">
@@ -4527,7 +6946,7 @@
                   </a:ext>
                 </a:extLst>
               </a:tr>
-              <a:tr h="370840">
+              <a:tr h="321386">
                 <a:tc>
                   <a:txBody>
                     <a:bodyPr/>
@@ -4539,7 +6958,7 @@
                       </a:r>
                     </a:p>
                   </a:txBody>
-                  <a:tcPr/>
+                  <a:tcPr marL="94090" marR="94090"/>
                 </a:tc>
                 <a:tc>
                   <a:txBody>
@@ -4552,7 +6971,7 @@
                       </a:r>
                     </a:p>
                   </a:txBody>
-                  <a:tcPr/>
+                  <a:tcPr marL="94090" marR="94090"/>
                 </a:tc>
                 <a:tc>
                   <a:txBody>
@@ -4565,7 +6984,7 @@
                       </a:r>
                     </a:p>
                   </a:txBody>
-                  <a:tcPr/>
+                  <a:tcPr marL="94090" marR="94090"/>
                 </a:tc>
                 <a:extLst>
                   <a:ext uri="{0D108BD9-81ED-4DB2-BD59-A6C34878D82A}">
@@ -4573,7 +6992,7 @@
                   </a:ext>
                 </a:extLst>
               </a:tr>
-              <a:tr h="370840">
+              <a:tr h="562425">
                 <a:tc>
                   <a:txBody>
                     <a:bodyPr/>
@@ -4585,7 +7004,7 @@
                       </a:r>
                     </a:p>
                   </a:txBody>
-                  <a:tcPr/>
+                  <a:tcPr marL="94090" marR="94090"/>
                 </a:tc>
                 <a:tc>
                   <a:txBody>
@@ -4598,7 +7017,7 @@
                       </a:r>
                     </a:p>
                   </a:txBody>
-                  <a:tcPr/>
+                  <a:tcPr marL="94090" marR="94090"/>
                 </a:tc>
                 <a:tc>
                   <a:txBody>
@@ -4611,7 +7030,7 @@
                       </a:r>
                     </a:p>
                   </a:txBody>
-                  <a:tcPr/>
+                  <a:tcPr marL="94090" marR="94090"/>
                 </a:tc>
                 <a:extLst>
                   <a:ext uri="{0D108BD9-81ED-4DB2-BD59-A6C34878D82A}">
@@ -4619,7 +7038,7 @@
                   </a:ext>
                 </a:extLst>
               </a:tr>
-              <a:tr h="370840">
+              <a:tr h="562425">
                 <a:tc>
                   <a:txBody>
                     <a:bodyPr/>
@@ -4631,7 +7050,7 @@
                       </a:r>
                     </a:p>
                   </a:txBody>
-                  <a:tcPr/>
+                  <a:tcPr marL="94090" marR="94090"/>
                 </a:tc>
                 <a:tc>
                   <a:txBody>
@@ -4644,7 +7063,7 @@
                       </a:r>
                     </a:p>
                   </a:txBody>
-                  <a:tcPr/>
+                  <a:tcPr marL="94090" marR="94090"/>
                 </a:tc>
                 <a:tc>
                   <a:txBody>
@@ -4657,7 +7076,7 @@
                       </a:r>
                     </a:p>
                   </a:txBody>
-                  <a:tcPr/>
+                  <a:tcPr marL="94090" marR="94090"/>
                 </a:tc>
                 <a:extLst>
                   <a:ext uri="{0D108BD9-81ED-4DB2-BD59-A6C34878D82A}">
@@ -4665,7 +7084,7 @@
                   </a:ext>
                 </a:extLst>
               </a:tr>
-              <a:tr h="370840">
+              <a:tr h="562425">
                 <a:tc>
                   <a:txBody>
                     <a:bodyPr/>
@@ -4677,7 +7096,7 @@
                       </a:r>
                     </a:p>
                   </a:txBody>
-                  <a:tcPr/>
+                  <a:tcPr marL="94090" marR="94090"/>
                 </a:tc>
                 <a:tc>
                   <a:txBody>
@@ -4690,7 +7109,7 @@
                       </a:r>
                     </a:p>
                   </a:txBody>
-                  <a:tcPr/>
+                  <a:tcPr marL="94090" marR="94090"/>
                 </a:tc>
                 <a:tc>
                   <a:txBody>
@@ -4703,7 +7122,7 @@
                       </a:r>
                     </a:p>
                   </a:txBody>
-                  <a:tcPr/>
+                  <a:tcPr marL="94090" marR="94090"/>
                 </a:tc>
                 <a:extLst>
                   <a:ext uri="{0D108BD9-81ED-4DB2-BD59-A6C34878D82A}">
@@ -4711,7 +7130,7 @@
                   </a:ext>
                 </a:extLst>
               </a:tr>
-              <a:tr h="370840">
+              <a:tr h="562425">
                 <a:tc>
                   <a:txBody>
                     <a:bodyPr/>
@@ -4723,7 +7142,7 @@
                       </a:r>
                     </a:p>
                   </a:txBody>
-                  <a:tcPr/>
+                  <a:tcPr marL="94090" marR="94090"/>
                 </a:tc>
                 <a:tc>
                   <a:txBody>
@@ -4736,7 +7155,7 @@
                       </a:r>
                     </a:p>
                   </a:txBody>
-                  <a:tcPr/>
+                  <a:tcPr marL="94090" marR="94090"/>
                 </a:tc>
                 <a:tc>
                   <a:txBody>
@@ -4749,7 +7168,7 @@
                       </a:r>
                     </a:p>
                   </a:txBody>
-                  <a:tcPr/>
+                  <a:tcPr marL="94090" marR="94090"/>
                 </a:tc>
                 <a:extLst>
                   <a:ext uri="{0D108BD9-81ED-4DB2-BD59-A6C34878D82A}">
@@ -4757,7 +7176,7 @@
                   </a:ext>
                 </a:extLst>
               </a:tr>
-              <a:tr h="370840">
+              <a:tr h="562425">
                 <a:tc>
                   <a:txBody>
                     <a:bodyPr/>
@@ -4769,7 +7188,7 @@
                       </a:r>
                     </a:p>
                   </a:txBody>
-                  <a:tcPr/>
+                  <a:tcPr marL="94090" marR="94090"/>
                 </a:tc>
                 <a:tc>
                   <a:txBody>
@@ -4782,7 +7201,7 @@
                       </a:r>
                     </a:p>
                   </a:txBody>
-                  <a:tcPr/>
+                  <a:tcPr marL="94090" marR="94090"/>
                 </a:tc>
                 <a:tc>
                   <a:txBody>
@@ -4795,7 +7214,7 @@
                       </a:r>
                     </a:p>
                   </a:txBody>
-                  <a:tcPr/>
+                  <a:tcPr marL="94090" marR="94090"/>
                 </a:tc>
                 <a:extLst>
                   <a:ext uri="{0D108BD9-81ED-4DB2-BD59-A6C34878D82A}">
@@ -4803,7 +7222,7 @@
                   </a:ext>
                 </a:extLst>
               </a:tr>
-              <a:tr h="370840">
+              <a:tr h="562425">
                 <a:tc>
                   <a:txBody>
                     <a:bodyPr/>
@@ -4815,7 +7234,7 @@
                       </a:r>
                     </a:p>
                   </a:txBody>
-                  <a:tcPr/>
+                  <a:tcPr marL="94090" marR="94090"/>
                 </a:tc>
                 <a:tc>
                   <a:txBody>
@@ -4828,7 +7247,7 @@
                       </a:r>
                     </a:p>
                   </a:txBody>
-                  <a:tcPr/>
+                  <a:tcPr marL="94090" marR="94090"/>
                 </a:tc>
                 <a:tc>
                   <a:txBody>
@@ -4841,48 +7260,11 @@
                       </a:r>
                     </a:p>
                   </a:txBody>
-                  <a:tcPr/>
+                  <a:tcPr marL="94090" marR="94090"/>
                 </a:tc>
                 <a:extLst>
                   <a:ext uri="{0D108BD9-81ED-4DB2-BD59-A6C34878D82A}">
                     <a16:rowId xmlns:a16="http://schemas.microsoft.com/office/drawing/2014/main" val="743188197"/>
-                  </a:ext>
-                </a:extLst>
-              </a:tr>
-              <a:tr h="370840">
-                <a:tc>
-                  <a:txBody>
-                    <a:bodyPr/>
-                    <a:lstStyle/>
-                    <a:p>
-                      <a:endParaRPr lang="en-US" dirty="0"/>
-                    </a:p>
-                  </a:txBody>
-                  <a:tcPr/>
-                </a:tc>
-                <a:tc>
-                  <a:txBody>
-                    <a:bodyPr/>
-                    <a:lstStyle/>
-                    <a:p>
-                      <a:endParaRPr lang="en-US" dirty="0"/>
-                    </a:p>
-                  </a:txBody>
-                  <a:tcPr/>
-                </a:tc>
-                <a:tc>
-                  <a:txBody>
-                    <a:bodyPr/>
-                    <a:lstStyle/>
-                    <a:p>
-                      <a:endParaRPr lang="en-US" dirty="0"/>
-                    </a:p>
-                  </a:txBody>
-                  <a:tcPr/>
-                </a:tc>
-                <a:extLst>
-                  <a:ext uri="{0D108BD9-81ED-4DB2-BD59-A6C34878D82A}">
-                    <a16:rowId xmlns:a16="http://schemas.microsoft.com/office/drawing/2014/main" val="2744435929"/>
                   </a:ext>
                 </a:extLst>
               </a:tr>
@@ -4970,8 +7352,8 @@
           </p:nvPr>
         </p:nvGraphicFramePr>
         <p:xfrm>
-          <a:off x="838200" y="1825625"/>
-          <a:ext cx="10515600" cy="3942080"/>
+          <a:off x="685800" y="2193925"/>
+          <a:ext cx="10820400" cy="4485640"/>
         </p:xfrm>
         <a:graphic>
           <a:graphicData uri="http://schemas.openxmlformats.org/drawingml/2006/table">
@@ -4980,28 +7362,28 @@
                 <a:tableStyleId>{5C22544A-7EE6-4342-B048-85BDC9FD1C3A}</a:tableStyleId>
               </a:tblPr>
               <a:tblGrid>
-                <a:gridCol w="2628900">
+                <a:gridCol w="2705100">
                   <a:extLst>
                     <a:ext uri="{9D8B030D-6E8A-4147-A177-3AD203B41FA5}">
                       <a16:colId xmlns:a16="http://schemas.microsoft.com/office/drawing/2014/main" val="2717211819"/>
                     </a:ext>
                   </a:extLst>
                 </a:gridCol>
-                <a:gridCol w="2628900">
+                <a:gridCol w="2705100">
                   <a:extLst>
                     <a:ext uri="{9D8B030D-6E8A-4147-A177-3AD203B41FA5}">
                       <a16:colId xmlns:a16="http://schemas.microsoft.com/office/drawing/2014/main" val="1800123405"/>
                     </a:ext>
                   </a:extLst>
                 </a:gridCol>
-                <a:gridCol w="2628900">
+                <a:gridCol w="2705100">
                   <a:extLst>
                     <a:ext uri="{9D8B030D-6E8A-4147-A177-3AD203B41FA5}">
                       <a16:colId xmlns:a16="http://schemas.microsoft.com/office/drawing/2014/main" val="2532850482"/>
                     </a:ext>
                   </a:extLst>
                 </a:gridCol>
-                <a:gridCol w="2628900">
+                <a:gridCol w="2705100">
                   <a:extLst>
                     <a:ext uri="{9D8B030D-6E8A-4147-A177-3AD203B41FA5}">
                       <a16:colId xmlns:a16="http://schemas.microsoft.com/office/drawing/2014/main" val="2862369474"/>
@@ -5021,7 +7403,7 @@
                       </a:r>
                     </a:p>
                   </a:txBody>
-                  <a:tcPr/>
+                  <a:tcPr marL="94090" marR="94090"/>
                 </a:tc>
                 <a:tc>
                   <a:txBody>
@@ -5034,7 +7416,7 @@
                       </a:r>
                     </a:p>
                   </a:txBody>
-                  <a:tcPr/>
+                  <a:tcPr marL="94090" marR="94090"/>
                 </a:tc>
                 <a:tc>
                   <a:txBody>
@@ -5047,7 +7429,7 @@
                       </a:r>
                     </a:p>
                   </a:txBody>
-                  <a:tcPr/>
+                  <a:tcPr marL="94090" marR="94090"/>
                 </a:tc>
                 <a:tc>
                   <a:txBody>
@@ -5060,7 +7442,7 @@
                       </a:r>
                     </a:p>
                   </a:txBody>
-                  <a:tcPr/>
+                  <a:tcPr marL="94090" marR="94090"/>
                 </a:tc>
                 <a:extLst>
                   <a:ext uri="{0D108BD9-81ED-4DB2-BD59-A6C34878D82A}">
@@ -5080,7 +7462,7 @@
                       </a:r>
                     </a:p>
                   </a:txBody>
-                  <a:tcPr/>
+                  <a:tcPr marL="94090" marR="94090"/>
                 </a:tc>
                 <a:tc>
                   <a:txBody>
@@ -5093,7 +7475,7 @@
                       </a:r>
                     </a:p>
                   </a:txBody>
-                  <a:tcPr/>
+                  <a:tcPr marL="94090" marR="94090"/>
                 </a:tc>
                 <a:tc>
                   <a:txBody>
@@ -5106,7 +7488,7 @@
                       </a:r>
                     </a:p>
                   </a:txBody>
-                  <a:tcPr/>
+                  <a:tcPr marL="94090" marR="94090"/>
                 </a:tc>
                 <a:tc>
                   <a:txBody>
@@ -5119,7 +7501,7 @@
                       </a:r>
                     </a:p>
                   </a:txBody>
-                  <a:tcPr/>
+                  <a:tcPr marL="94090" marR="94090"/>
                 </a:tc>
                 <a:extLst>
                   <a:ext uri="{0D108BD9-81ED-4DB2-BD59-A6C34878D82A}">
@@ -5139,7 +7521,7 @@
                       </a:r>
                     </a:p>
                   </a:txBody>
-                  <a:tcPr/>
+                  <a:tcPr marL="94090" marR="94090"/>
                 </a:tc>
                 <a:tc>
                   <a:txBody>
@@ -5152,7 +7534,7 @@
                       </a:r>
                     </a:p>
                   </a:txBody>
-                  <a:tcPr/>
+                  <a:tcPr marL="94090" marR="94090"/>
                 </a:tc>
                 <a:tc>
                   <a:txBody>
@@ -5165,7 +7547,7 @@
                       </a:r>
                     </a:p>
                   </a:txBody>
-                  <a:tcPr/>
+                  <a:tcPr marL="94090" marR="94090"/>
                 </a:tc>
                 <a:tc>
                   <a:txBody>
@@ -5178,7 +7560,7 @@
                       </a:r>
                     </a:p>
                   </a:txBody>
-                  <a:tcPr/>
+                  <a:tcPr marL="94090" marR="94090"/>
                 </a:tc>
                 <a:extLst>
                   <a:ext uri="{0D108BD9-81ED-4DB2-BD59-A6C34878D82A}">
@@ -5198,7 +7580,7 @@
                       </a:r>
                     </a:p>
                   </a:txBody>
-                  <a:tcPr/>
+                  <a:tcPr marL="94090" marR="94090"/>
                 </a:tc>
                 <a:tc>
                   <a:txBody>
@@ -5211,7 +7593,7 @@
                       </a:r>
                     </a:p>
                   </a:txBody>
-                  <a:tcPr/>
+                  <a:tcPr marL="94090" marR="94090"/>
                 </a:tc>
                 <a:tc>
                   <a:txBody>
@@ -5224,7 +7606,7 @@
                       </a:r>
                     </a:p>
                   </a:txBody>
-                  <a:tcPr/>
+                  <a:tcPr marL="94090" marR="94090"/>
                 </a:tc>
                 <a:tc>
                   <a:txBody>
@@ -5237,7 +7619,7 @@
                       </a:r>
                     </a:p>
                   </a:txBody>
-                  <a:tcPr/>
+                  <a:tcPr marL="94090" marR="94090"/>
                 </a:tc>
                 <a:extLst>
                   <a:ext uri="{0D108BD9-81ED-4DB2-BD59-A6C34878D82A}">
@@ -5257,7 +7639,7 @@
                       </a:r>
                     </a:p>
                   </a:txBody>
-                  <a:tcPr/>
+                  <a:tcPr marL="94090" marR="94090"/>
                 </a:tc>
                 <a:tc>
                   <a:txBody>
@@ -5270,7 +7652,7 @@
                       </a:r>
                     </a:p>
                   </a:txBody>
-                  <a:tcPr/>
+                  <a:tcPr marL="94090" marR="94090"/>
                 </a:tc>
                 <a:tc>
                   <a:txBody>
@@ -5283,7 +7665,7 @@
                       </a:r>
                     </a:p>
                   </a:txBody>
-                  <a:tcPr/>
+                  <a:tcPr marL="94090" marR="94090"/>
                 </a:tc>
                 <a:tc>
                   <a:txBody>
@@ -5296,7 +7678,7 @@
                       </a:r>
                     </a:p>
                   </a:txBody>
-                  <a:tcPr/>
+                  <a:tcPr marL="94090" marR="94090"/>
                 </a:tc>
                 <a:extLst>
                   <a:ext uri="{0D108BD9-81ED-4DB2-BD59-A6C34878D82A}">
@@ -5316,7 +7698,7 @@
                       </a:r>
                     </a:p>
                   </a:txBody>
-                  <a:tcPr/>
+                  <a:tcPr marL="94090" marR="94090"/>
                 </a:tc>
                 <a:tc>
                   <a:txBody>
@@ -5329,7 +7711,7 @@
                       </a:r>
                     </a:p>
                   </a:txBody>
-                  <a:tcPr/>
+                  <a:tcPr marL="94090" marR="94090"/>
                 </a:tc>
                 <a:tc>
                   <a:txBody>
@@ -5342,7 +7724,7 @@
                       </a:r>
                     </a:p>
                   </a:txBody>
-                  <a:tcPr/>
+                  <a:tcPr marL="94090" marR="94090"/>
                 </a:tc>
                 <a:tc>
                   <a:txBody>
@@ -5355,7 +7737,7 @@
                       </a:r>
                     </a:p>
                   </a:txBody>
-                  <a:tcPr/>
+                  <a:tcPr marL="94090" marR="94090"/>
                 </a:tc>
                 <a:extLst>
                   <a:ext uri="{0D108BD9-81ED-4DB2-BD59-A6C34878D82A}">
@@ -5375,7 +7757,7 @@
                       </a:r>
                     </a:p>
                   </a:txBody>
-                  <a:tcPr/>
+                  <a:tcPr marL="94090" marR="94090"/>
                 </a:tc>
                 <a:tc>
                   <a:txBody>
@@ -5388,7 +7770,7 @@
                       </a:r>
                     </a:p>
                   </a:txBody>
-                  <a:tcPr/>
+                  <a:tcPr marL="94090" marR="94090"/>
                 </a:tc>
                 <a:tc>
                   <a:txBody>
@@ -5401,7 +7783,7 @@
                       </a:r>
                     </a:p>
                   </a:txBody>
-                  <a:tcPr/>
+                  <a:tcPr marL="94090" marR="94090"/>
                 </a:tc>
                 <a:tc>
                   <a:txBody>
@@ -5414,7 +7796,7 @@
                       </a:r>
                     </a:p>
                   </a:txBody>
-                  <a:tcPr/>
+                  <a:tcPr marL="94090" marR="94090"/>
                 </a:tc>
                 <a:extLst>
                   <a:ext uri="{0D108BD9-81ED-4DB2-BD59-A6C34878D82A}">
@@ -5506,8 +7888,8 @@
           </p:nvPr>
         </p:nvGraphicFramePr>
         <p:xfrm>
-          <a:off x="838200" y="1825625"/>
-          <a:ext cx="10515600" cy="1483360"/>
+          <a:off x="685800" y="2193925"/>
+          <a:ext cx="10820400" cy="1483360"/>
         </p:xfrm>
         <a:graphic>
           <a:graphicData uri="http://schemas.openxmlformats.org/drawingml/2006/table">
@@ -5516,14 +7898,14 @@
                 <a:tableStyleId>{5C22544A-7EE6-4342-B048-85BDC9FD1C3A}</a:tableStyleId>
               </a:tblPr>
               <a:tblGrid>
-                <a:gridCol w="5257800">
+                <a:gridCol w="5410200">
                   <a:extLst>
                     <a:ext uri="{9D8B030D-6E8A-4147-A177-3AD203B41FA5}">
                       <a16:colId xmlns:a16="http://schemas.microsoft.com/office/drawing/2014/main" val="2592130438"/>
                     </a:ext>
                   </a:extLst>
                 </a:gridCol>
-                <a:gridCol w="5257800">
+                <a:gridCol w="5410200">
                   <a:extLst>
                     <a:ext uri="{9D8B030D-6E8A-4147-A177-3AD203B41FA5}">
                       <a16:colId xmlns:a16="http://schemas.microsoft.com/office/drawing/2014/main" val="3864100485"/>
@@ -5543,7 +7925,7 @@
                       </a:r>
                     </a:p>
                   </a:txBody>
-                  <a:tcPr/>
+                  <a:tcPr marL="94090" marR="94090"/>
                 </a:tc>
                 <a:tc>
                   <a:txBody>
@@ -5556,7 +7938,7 @@
                       </a:r>
                     </a:p>
                   </a:txBody>
-                  <a:tcPr/>
+                  <a:tcPr marL="94090" marR="94090"/>
                 </a:tc>
                 <a:extLst>
                   <a:ext uri="{0D108BD9-81ED-4DB2-BD59-A6C34878D82A}">
@@ -5576,7 +7958,7 @@
                       </a:r>
                     </a:p>
                   </a:txBody>
-                  <a:tcPr/>
+                  <a:tcPr marL="94090" marR="94090"/>
                 </a:tc>
                 <a:tc>
                   <a:txBody>
@@ -5589,7 +7971,7 @@
                       </a:r>
                     </a:p>
                   </a:txBody>
-                  <a:tcPr/>
+                  <a:tcPr marL="94090" marR="94090"/>
                 </a:tc>
                 <a:extLst>
                   <a:ext uri="{0D108BD9-81ED-4DB2-BD59-A6C34878D82A}">
@@ -5609,7 +7991,7 @@
                       </a:r>
                     </a:p>
                   </a:txBody>
-                  <a:tcPr/>
+                  <a:tcPr marL="94090" marR="94090"/>
                 </a:tc>
                 <a:tc>
                   <a:txBody>
@@ -5622,7 +8004,7 @@
                       </a:r>
                     </a:p>
                   </a:txBody>
-                  <a:tcPr/>
+                  <a:tcPr marL="94090" marR="94090"/>
                 </a:tc>
                 <a:extLst>
                   <a:ext uri="{0D108BD9-81ED-4DB2-BD59-A6C34878D82A}">
@@ -5642,7 +8024,7 @@
                       </a:r>
                     </a:p>
                   </a:txBody>
-                  <a:tcPr/>
+                  <a:tcPr marL="94090" marR="94090"/>
                 </a:tc>
                 <a:tc>
                   <a:txBody>
@@ -5655,7 +8037,7 @@
                       </a:r>
                     </a:p>
                   </a:txBody>
-                  <a:tcPr/>
+                  <a:tcPr marL="94090" marR="94090"/>
                 </a:tc>
                 <a:extLst>
                   <a:ext uri="{0D108BD9-81ED-4DB2-BD59-A6C34878D82A}">
@@ -5729,13 +8111,13 @@
           <p:nvPr>
             <p:extLst>
               <p:ext uri="{D42A27DB-BD31-4B8C-83A1-F6EECF244321}">
-                <p14:modId xmlns:p14="http://schemas.microsoft.com/office/powerpoint/2010/main" val="1082476304"/>
+                <p14:modId xmlns:p14="http://schemas.microsoft.com/office/powerpoint/2010/main" val="1948194564"/>
               </p:ext>
             </p:extLst>
           </p:nvPr>
         </p:nvGraphicFramePr>
         <p:xfrm>
-          <a:off x="3225801" y="3643744"/>
+          <a:off x="540967" y="4402502"/>
           <a:ext cx="6137565" cy="2015838"/>
         </p:xfrm>
         <a:graphic>
@@ -5989,8 +8371,8 @@
           </p:nvPr>
         </p:nvGraphicFramePr>
         <p:xfrm>
-          <a:off x="838200" y="1825625"/>
-          <a:ext cx="10515597" cy="1112520"/>
+          <a:off x="685800" y="2193925"/>
+          <a:ext cx="10820397" cy="1112520"/>
         </p:xfrm>
         <a:graphic>
           <a:graphicData uri="http://schemas.openxmlformats.org/drawingml/2006/table">
@@ -5999,21 +8381,21 @@
                 <a:tableStyleId>{5C22544A-7EE6-4342-B048-85BDC9FD1C3A}</a:tableStyleId>
               </a:tblPr>
               <a:tblGrid>
-                <a:gridCol w="3505199">
+                <a:gridCol w="3606799">
                   <a:extLst>
                     <a:ext uri="{9D8B030D-6E8A-4147-A177-3AD203B41FA5}">
                       <a16:colId xmlns:a16="http://schemas.microsoft.com/office/drawing/2014/main" val="1494037421"/>
                     </a:ext>
                   </a:extLst>
                 </a:gridCol>
-                <a:gridCol w="3505199">
+                <a:gridCol w="3606799">
                   <a:extLst>
                     <a:ext uri="{9D8B030D-6E8A-4147-A177-3AD203B41FA5}">
                       <a16:colId xmlns:a16="http://schemas.microsoft.com/office/drawing/2014/main" val="3010736425"/>
                     </a:ext>
                   </a:extLst>
                 </a:gridCol>
-                <a:gridCol w="3505199">
+                <a:gridCol w="3606799">
                   <a:extLst>
                     <a:ext uri="{9D8B030D-6E8A-4147-A177-3AD203B41FA5}">
                       <a16:colId xmlns:a16="http://schemas.microsoft.com/office/drawing/2014/main" val="645697431"/>
@@ -6033,7 +8415,7 @@
                       </a:r>
                     </a:p>
                   </a:txBody>
-                  <a:tcPr/>
+                  <a:tcPr marL="94090" marR="94090"/>
                 </a:tc>
                 <a:tc>
                   <a:txBody>
@@ -6046,7 +8428,7 @@
                       </a:r>
                     </a:p>
                   </a:txBody>
-                  <a:tcPr/>
+                  <a:tcPr marL="94090" marR="94090"/>
                 </a:tc>
                 <a:tc>
                   <a:txBody>
@@ -6059,7 +8441,7 @@
                       </a:r>
                     </a:p>
                   </a:txBody>
-                  <a:tcPr/>
+                  <a:tcPr marL="94090" marR="94090"/>
                 </a:tc>
                 <a:extLst>
                   <a:ext uri="{0D108BD9-81ED-4DB2-BD59-A6C34878D82A}">
@@ -6079,7 +8461,7 @@
                       </a:r>
                     </a:p>
                   </a:txBody>
-                  <a:tcPr/>
+                  <a:tcPr marL="94090" marR="94090"/>
                 </a:tc>
                 <a:tc>
                   <a:txBody>
@@ -6092,7 +8474,7 @@
                       </a:r>
                     </a:p>
                   </a:txBody>
-                  <a:tcPr/>
+                  <a:tcPr marL="94090" marR="94090"/>
                 </a:tc>
                 <a:tc>
                   <a:txBody>
@@ -6105,7 +8487,7 @@
                       </a:r>
                     </a:p>
                   </a:txBody>
-                  <a:tcPr/>
+                  <a:tcPr marL="94090" marR="94090"/>
                 </a:tc>
                 <a:extLst>
                   <a:ext uri="{0D108BD9-81ED-4DB2-BD59-A6C34878D82A}">
@@ -6125,7 +8507,7 @@
                       </a:r>
                     </a:p>
                   </a:txBody>
-                  <a:tcPr/>
+                  <a:tcPr marL="94090" marR="94090"/>
                 </a:tc>
                 <a:tc>
                   <a:txBody>
@@ -6138,7 +8520,7 @@
                       </a:r>
                     </a:p>
                   </a:txBody>
-                  <a:tcPr/>
+                  <a:tcPr marL="94090" marR="94090"/>
                 </a:tc>
                 <a:tc>
                   <a:txBody>
@@ -6151,7 +8533,7 @@
                       </a:r>
                     </a:p>
                   </a:txBody>
-                  <a:tcPr/>
+                  <a:tcPr marL="94090" marR="94090"/>
                 </a:tc>
                 <a:extLst>
                   <a:ext uri="{0D108BD9-81ED-4DB2-BD59-A6C34878D82A}">
@@ -6586,8 +8968,8 @@
         </p:blipFill>
         <p:spPr>
           <a:xfrm>
-            <a:off x="1102467" y="1330106"/>
-            <a:ext cx="10920919" cy="5429101"/>
+            <a:off x="2334463" y="2193925"/>
+            <a:ext cx="7523073" cy="4024313"/>
           </a:xfrm>
         </p:spPr>
       </p:pic>
@@ -6692,8 +9074,30 @@
           <a:p>
             <a:r>
               <a:rPr lang="en-US" dirty="0"/>
-              <a:t> </a:t>
-            </a:r>
+              <a:t> fork my repo </a:t>
+            </a:r>
+            <a:r>
+              <a:rPr lang="en-US" dirty="0">
+                <a:hlinkClick r:id="rId2"/>
+              </a:rPr>
+              <a:t>https://github.com/avnit/Python-for-everyone</a:t>
+            </a:r>
+            <a:endParaRPr lang="en-US" dirty="0"/>
+          </a:p>
+          <a:p>
+            <a:r>
+              <a:rPr lang="en-US" dirty="0"/>
+              <a:t>Open the folder Class -1</a:t>
+            </a:r>
+          </a:p>
+          <a:p>
+            <a:r>
+              <a:rPr lang="en-US" dirty="0"/>
+              <a:t>These slides are in that folder</a:t>
+            </a:r>
+          </a:p>
+          <a:p>
+            <a:endParaRPr lang="en-US" dirty="0"/>
           </a:p>
         </p:txBody>
       </p:sp>
@@ -6818,7 +9222,7 @@
         </p:nvGraphicFramePr>
         <p:xfrm>
           <a:off x="1497610" y="2888774"/>
-          <a:ext cx="8127999" cy="2026920"/>
+          <a:ext cx="8127999" cy="2296160"/>
         </p:xfrm>
         <a:graphic>
           <a:graphicData uri="http://schemas.openxmlformats.org/drawingml/2006/table">
@@ -7395,9 +9799,9 @@
 </file>
 
 <file path=ppt/theme/theme1.xml><?xml version="1.0" encoding="utf-8"?>
-<a:theme xmlns:a="http://schemas.openxmlformats.org/drawingml/2006/main" name="Office Theme">
+<a:theme xmlns:a="http://schemas.openxmlformats.org/drawingml/2006/main" name="Vapor Trail">
   <a:themeElements>
-    <a:clrScheme name="Office">
+    <a:clrScheme name="Vapor Trail">
       <a:dk1>
         <a:sysClr val="windowText" lastClr="000000"/>
       </a:dk1>
@@ -7405,44 +9809,44 @@
         <a:sysClr val="window" lastClr="FFFFFF"/>
       </a:lt1>
       <a:dk2>
-        <a:srgbClr val="44546A"/>
+        <a:srgbClr val="454545"/>
       </a:dk2>
       <a:lt2>
-        <a:srgbClr val="E7E6E6"/>
+        <a:srgbClr val="DADADA"/>
       </a:lt2>
       <a:accent1>
-        <a:srgbClr val="4472C4"/>
+        <a:srgbClr val="DF2E28"/>
       </a:accent1>
       <a:accent2>
-        <a:srgbClr val="ED7D31"/>
+        <a:srgbClr val="FE801A"/>
       </a:accent2>
       <a:accent3>
-        <a:srgbClr val="A5A5A5"/>
+        <a:srgbClr val="E9BF35"/>
       </a:accent3>
       <a:accent4>
-        <a:srgbClr val="FFC000"/>
+        <a:srgbClr val="81BB42"/>
       </a:accent4>
       <a:accent5>
-        <a:srgbClr val="5B9BD5"/>
+        <a:srgbClr val="32C7A9"/>
       </a:accent5>
       <a:accent6>
-        <a:srgbClr val="70AD47"/>
+        <a:srgbClr val="4A9BDC"/>
       </a:accent6>
       <a:hlink>
-        <a:srgbClr val="0563C1"/>
+        <a:srgbClr val="F0532B"/>
       </a:hlink>
       <a:folHlink>
-        <a:srgbClr val="954F72"/>
+        <a:srgbClr val="F38B53"/>
       </a:folHlink>
     </a:clrScheme>
-    <a:fontScheme name="Office">
+    <a:fontScheme name="Vapor Trail">
       <a:majorFont>
-        <a:latin typeface="Calibri Light" panose="020F0302020204030204"/>
+        <a:latin typeface="Century Gothic" panose="020B0502020202020204"/>
         <a:ea typeface=""/>
         <a:cs typeface=""/>
-        <a:font script="Jpan" typeface="游ゴシック Light"/>
+        <a:font script="Jpan" typeface="ＭＳ Ｐゴシック"/>
         <a:font script="Hang" typeface="맑은 고딕"/>
-        <a:font script="Hans" typeface="等线 Light"/>
+        <a:font script="Hans" typeface="宋体"/>
         <a:font script="Hant" typeface="新細明體"/>
         <a:font script="Arab" typeface="Times New Roman"/>
         <a:font script="Hebr" typeface="Times New Roman"/>
@@ -7470,31 +9874,14 @@
         <a:font script="Viet" typeface="Times New Roman"/>
         <a:font script="Uigh" typeface="Microsoft Uighur"/>
         <a:font script="Geor" typeface="Sylfaen"/>
-        <a:font script="Armn" typeface="Arial"/>
-        <a:font script="Bugi" typeface="Leelawadee UI"/>
-        <a:font script="Bopo" typeface="Microsoft JhengHei"/>
-        <a:font script="Java" typeface="Javanese Text"/>
-        <a:font script="Lisu" typeface="Segoe UI"/>
-        <a:font script="Mymr" typeface="Myanmar Text"/>
-        <a:font script="Nkoo" typeface="Ebrima"/>
-        <a:font script="Olck" typeface="Nirmala UI"/>
-        <a:font script="Osma" typeface="Ebrima"/>
-        <a:font script="Phag" typeface="Phagspa"/>
-        <a:font script="Syrn" typeface="Estrangelo Edessa"/>
-        <a:font script="Syrj" typeface="Estrangelo Edessa"/>
-        <a:font script="Syre" typeface="Estrangelo Edessa"/>
-        <a:font script="Sora" typeface="Nirmala UI"/>
-        <a:font script="Tale" typeface="Microsoft Tai Le"/>
-        <a:font script="Talu" typeface="Microsoft New Tai Lue"/>
-        <a:font script="Tfng" typeface="Ebrima"/>
       </a:majorFont>
       <a:minorFont>
-        <a:latin typeface="Calibri" panose="020F0502020204030204"/>
+        <a:latin typeface="Century Gothic" panose="020B0502020202020204"/>
         <a:ea typeface=""/>
         <a:cs typeface=""/>
-        <a:font script="Jpan" typeface="游ゴシック"/>
+        <a:font script="Jpan" typeface="ＭＳ Ｐゴシック"/>
         <a:font script="Hang" typeface="맑은 고딕"/>
-        <a:font script="Hans" typeface="等线"/>
+        <a:font script="Hans" typeface="宋体"/>
         <a:font script="Hant" typeface="新細明體"/>
         <a:font script="Arab" typeface="Arial"/>
         <a:font script="Hebr" typeface="Arial"/>
@@ -7522,26 +9909,9 @@
         <a:font script="Viet" typeface="Arial"/>
         <a:font script="Uigh" typeface="Microsoft Uighur"/>
         <a:font script="Geor" typeface="Sylfaen"/>
-        <a:font script="Armn" typeface="Arial"/>
-        <a:font script="Bugi" typeface="Leelawadee UI"/>
-        <a:font script="Bopo" typeface="Microsoft JhengHei"/>
-        <a:font script="Java" typeface="Javanese Text"/>
-        <a:font script="Lisu" typeface="Segoe UI"/>
-        <a:font script="Mymr" typeface="Myanmar Text"/>
-        <a:font script="Nkoo" typeface="Ebrima"/>
-        <a:font script="Olck" typeface="Nirmala UI"/>
-        <a:font script="Osma" typeface="Ebrima"/>
-        <a:font script="Phag" typeface="Phagspa"/>
-        <a:font script="Syrn" typeface="Estrangelo Edessa"/>
-        <a:font script="Syrj" typeface="Estrangelo Edessa"/>
-        <a:font script="Syre" typeface="Estrangelo Edessa"/>
-        <a:font script="Sora" typeface="Nirmala UI"/>
-        <a:font script="Tale" typeface="Microsoft Tai Le"/>
-        <a:font script="Talu" typeface="Microsoft New Tai Lue"/>
-        <a:font script="Tfng" typeface="Ebrima"/>
       </a:minorFont>
     </a:fontScheme>
-    <a:fmtScheme name="Office">
+    <a:fmtScheme name="Vapor Trail">
       <a:fillStyleLst>
         <a:solidFill>
           <a:schemeClr val="phClr"/>
@@ -7550,23 +9920,24 @@
           <a:gsLst>
             <a:gs pos="0">
               <a:schemeClr val="phClr">
+                <a:tint val="69000"/>
+                <a:alpha val="100000"/>
+                <a:satMod val="109000"/>
                 <a:lumMod val="110000"/>
-                <a:satMod val="105000"/>
-                <a:tint val="67000"/>
               </a:schemeClr>
             </a:gs>
-            <a:gs pos="50000">
+            <a:gs pos="52000">
               <a:schemeClr val="phClr">
-                <a:lumMod val="105000"/>
-                <a:satMod val="103000"/>
-                <a:tint val="73000"/>
+                <a:tint val="74000"/>
+                <a:satMod val="100000"/>
+                <a:lumMod val="104000"/>
               </a:schemeClr>
             </a:gs>
             <a:gs pos="100000">
               <a:schemeClr val="phClr">
-                <a:lumMod val="105000"/>
-                <a:satMod val="109000"/>
-                <a:tint val="81000"/>
+                <a:tint val="78000"/>
+                <a:satMod val="100000"/>
+                <a:lumMod val="100000"/>
               </a:schemeClr>
             </a:gs>
           </a:gsLst>
@@ -7576,23 +9947,16 @@
           <a:gsLst>
             <a:gs pos="0">
               <a:schemeClr val="phClr">
-                <a:satMod val="103000"/>
-                <a:lumMod val="102000"/>
-                <a:tint val="94000"/>
+                <a:tint val="96000"/>
+                <a:satMod val="100000"/>
+                <a:lumMod val="104000"/>
               </a:schemeClr>
             </a:gs>
-            <a:gs pos="50000">
+            <a:gs pos="78000">
               <a:schemeClr val="phClr">
+                <a:shade val="100000"/>
                 <a:satMod val="110000"/>
                 <a:lumMod val="100000"/>
-                <a:shade val="100000"/>
-              </a:schemeClr>
-            </a:gs>
-            <a:gs pos="100000">
-              <a:schemeClr val="phClr">
-                <a:lumMod val="99000"/>
-                <a:satMod val="120000"/>
-                <a:shade val="78000"/>
               </a:schemeClr>
             </a:gs>
           </a:gsLst>
@@ -7600,26 +9964,23 @@
         </a:gradFill>
       </a:fillStyleLst>
       <a:lnStyleLst>
-        <a:ln w="6350" cap="flat" cmpd="sng" algn="ctr">
+        <a:ln w="9525" cap="flat" cmpd="sng" algn="ctr">
           <a:solidFill>
             <a:schemeClr val="phClr"/>
           </a:solidFill>
           <a:prstDash val="solid"/>
-          <a:miter lim="800000"/>
         </a:ln>
         <a:ln w="12700" cap="flat" cmpd="sng" algn="ctr">
           <a:solidFill>
             <a:schemeClr val="phClr"/>
           </a:solidFill>
           <a:prstDash val="solid"/>
-          <a:miter lim="800000"/>
         </a:ln>
         <a:ln w="19050" cap="flat" cmpd="sng" algn="ctr">
           <a:solidFill>
             <a:schemeClr val="phClr"/>
           </a:solidFill>
           <a:prstDash val="solid"/>
-          <a:miter lim="800000"/>
         </a:ln>
       </a:lnStyleLst>
       <a:effectStyleLst>
@@ -7628,15 +9989,33 @@
         </a:effectStyle>
         <a:effectStyle>
           <a:effectLst/>
+          <a:scene3d>
+            <a:camera prst="orthographicFront">
+              <a:rot lat="0" lon="0" rev="0"/>
+            </a:camera>
+            <a:lightRig rig="threePt" dir="t"/>
+          </a:scene3d>
+          <a:sp3d>
+            <a:bevelT w="25400" h="12700"/>
+          </a:sp3d>
         </a:effectStyle>
         <a:effectStyle>
           <a:effectLst>
             <a:outerShdw blurRad="57150" dist="19050" dir="5400000" algn="ctr" rotWithShape="0">
               <a:srgbClr val="000000">
-                <a:alpha val="63000"/>
+                <a:alpha val="48000"/>
               </a:srgbClr>
             </a:outerShdw>
           </a:effectLst>
+          <a:scene3d>
+            <a:camera prst="orthographicFront">
+              <a:rot lat="0" lon="0" rev="0"/>
+            </a:camera>
+            <a:lightRig rig="threePt" dir="t"/>
+          </a:scene3d>
+          <a:sp3d>
+            <a:bevelT w="50800" h="25400"/>
+          </a:sp3d>
         </a:effectStyle>
       </a:effectStyleLst>
       <a:bgFillStyleLst>
@@ -7654,16 +10033,16 @@
             <a:gs pos="0">
               <a:schemeClr val="phClr">
                 <a:tint val="93000"/>
+                <a:shade val="98000"/>
                 <a:satMod val="150000"/>
-                <a:shade val="98000"/>
                 <a:lumMod val="102000"/>
               </a:schemeClr>
             </a:gs>
             <a:gs pos="50000">
               <a:schemeClr val="phClr">
                 <a:tint val="98000"/>
+                <a:shade val="90000"/>
                 <a:satMod val="130000"/>
-                <a:shade val="90000"/>
                 <a:lumMod val="103000"/>
               </a:schemeClr>
             </a:gs>
@@ -7683,7 +10062,7 @@
   <a:extraClrSchemeLst/>
   <a:extLst>
     <a:ext uri="{05A4C25C-085E-4340-85A3-A5531E510DB2}">
-      <thm15:themeFamily xmlns:thm15="http://schemas.microsoft.com/office/thememl/2012/main" name="Office Theme" id="{62F939B6-93AF-4DB8-9C6B-D6C7DFDC589F}" vid="{4A3C46E8-61CC-4603-A589-7422A47A8E4A}"/>
+      <thm15:themeFamily xmlns:thm15="http://schemas.microsoft.com/office/thememl/2012/main" name="Vapor Trail" id="{4FDF2955-7D9C-493C-B9F9-C205151B46CD}" vid="{8F31A783-2159-4870-BC29-2BA7D038EA44}"/>
     </a:ext>
   </a:extLst>
 </a:theme>

--- a/Class-1/Python For Everyone.pptx
+++ b/Class-1/Python For Everyone.pptx
@@ -10,17 +10,20 @@
     <p:sldId id="258" r:id="rId4"/>
     <p:sldId id="259" r:id="rId5"/>
     <p:sldId id="260" r:id="rId6"/>
-    <p:sldId id="261" r:id="rId7"/>
-    <p:sldId id="262" r:id="rId8"/>
-    <p:sldId id="264" r:id="rId9"/>
-    <p:sldId id="263" r:id="rId10"/>
-    <p:sldId id="265" r:id="rId11"/>
-    <p:sldId id="266" r:id="rId12"/>
-    <p:sldId id="267" r:id="rId13"/>
-    <p:sldId id="268" r:id="rId14"/>
-    <p:sldId id="269" r:id="rId15"/>
-    <p:sldId id="270" r:id="rId16"/>
-    <p:sldId id="271" r:id="rId17"/>
+    <p:sldId id="272" r:id="rId7"/>
+    <p:sldId id="273" r:id="rId8"/>
+    <p:sldId id="274" r:id="rId9"/>
+    <p:sldId id="261" r:id="rId10"/>
+    <p:sldId id="262" r:id="rId11"/>
+    <p:sldId id="264" r:id="rId12"/>
+    <p:sldId id="263" r:id="rId13"/>
+    <p:sldId id="265" r:id="rId14"/>
+    <p:sldId id="266" r:id="rId15"/>
+    <p:sldId id="267" r:id="rId16"/>
+    <p:sldId id="268" r:id="rId17"/>
+    <p:sldId id="269" r:id="rId18"/>
+    <p:sldId id="270" r:id="rId19"/>
+    <p:sldId id="271" r:id="rId20"/>
   </p:sldIdLst>
   <p:sldSz cx="12192000" cy="6858000"/>
   <p:notesSz cx="6858000" cy="9144000"/>
@@ -297,7 +300,7 @@
           <a:p>
             <a:fld id="{3A8AB521-9182-4012-B86B-65B8484C7DE3}" type="datetimeFigureOut">
               <a:rPr lang="en-US" smtClean="0"/>
-              <a:t>1/28/2025</a:t>
+              <a:t>1/29/2025</a:t>
             </a:fld>
             <a:endParaRPr lang="en-US"/>
           </a:p>
@@ -564,7 +567,7 @@
           <a:p>
             <a:fld id="{3A8AB521-9182-4012-B86B-65B8484C7DE3}" type="datetimeFigureOut">
               <a:rPr lang="en-US" smtClean="0"/>
-              <a:t>1/28/2025</a:t>
+              <a:t>1/29/2025</a:t>
             </a:fld>
             <a:endParaRPr lang="en-US"/>
           </a:p>
@@ -795,7 +798,7 @@
           <a:p>
             <a:fld id="{3A8AB521-9182-4012-B86B-65B8484C7DE3}" type="datetimeFigureOut">
               <a:rPr lang="en-US" smtClean="0"/>
-              <a:t>1/28/2025</a:t>
+              <a:t>1/29/2025</a:t>
             </a:fld>
             <a:endParaRPr lang="en-US"/>
           </a:p>
@@ -1105,7 +1108,7 @@
           <a:p>
             <a:fld id="{3A8AB521-9182-4012-B86B-65B8484C7DE3}" type="datetimeFigureOut">
               <a:rPr lang="en-US" smtClean="0"/>
-              <a:t>1/28/2025</a:t>
+              <a:t>1/29/2025</a:t>
             </a:fld>
             <a:endParaRPr lang="en-US"/>
           </a:p>
@@ -1578,7 +1581,7 @@
           <a:p>
             <a:fld id="{3A8AB521-9182-4012-B86B-65B8484C7DE3}" type="datetimeFigureOut">
               <a:rPr lang="en-US" smtClean="0"/>
-              <a:t>1/28/2025</a:t>
+              <a:t>1/29/2025</a:t>
             </a:fld>
             <a:endParaRPr lang="en-US"/>
           </a:p>
@@ -2125,7 +2128,7 @@
           <a:p>
             <a:fld id="{3A8AB521-9182-4012-B86B-65B8484C7DE3}" type="datetimeFigureOut">
               <a:rPr lang="en-US" smtClean="0"/>
-              <a:t>1/28/2025</a:t>
+              <a:t>1/29/2025</a:t>
             </a:fld>
             <a:endParaRPr lang="en-US"/>
           </a:p>
@@ -2899,7 +2902,7 @@
           <a:p>
             <a:fld id="{3A8AB521-9182-4012-B86B-65B8484C7DE3}" type="datetimeFigureOut">
               <a:rPr lang="en-US" smtClean="0"/>
-              <a:t>1/28/2025</a:t>
+              <a:t>1/29/2025</a:t>
             </a:fld>
             <a:endParaRPr lang="en-US"/>
           </a:p>
@@ -3074,7 +3077,7 @@
           <a:p>
             <a:fld id="{3A8AB521-9182-4012-B86B-65B8484C7DE3}" type="datetimeFigureOut">
               <a:rPr lang="en-US" smtClean="0"/>
-              <a:t>1/28/2025</a:t>
+              <a:t>1/29/2025</a:t>
             </a:fld>
             <a:endParaRPr lang="en-US"/>
           </a:p>
@@ -3297,7 +3300,7 @@
           <a:p>
             <a:fld id="{3A8AB521-9182-4012-B86B-65B8484C7DE3}" type="datetimeFigureOut">
               <a:rPr lang="en-US" smtClean="0"/>
-              <a:t>1/28/2025</a:t>
+              <a:t>1/29/2025</a:t>
             </a:fld>
             <a:endParaRPr lang="en-US"/>
           </a:p>
@@ -3477,7 +3480,7 @@
           <a:p>
             <a:fld id="{3A8AB521-9182-4012-B86B-65B8484C7DE3}" type="datetimeFigureOut">
               <a:rPr lang="en-US" smtClean="0"/>
-              <a:t>1/28/2025</a:t>
+              <a:t>1/29/2025</a:t>
             </a:fld>
             <a:endParaRPr lang="en-US"/>
           </a:p>
@@ -3766,7 +3769,7 @@
           <a:p>
             <a:fld id="{3A8AB521-9182-4012-B86B-65B8484C7DE3}" type="datetimeFigureOut">
               <a:rPr lang="en-US" smtClean="0"/>
-              <a:t>1/28/2025</a:t>
+              <a:t>1/29/2025</a:t>
             </a:fld>
             <a:endParaRPr lang="en-US"/>
           </a:p>
@@ -4008,7 +4011,7 @@
           <a:p>
             <a:fld id="{3A8AB521-9182-4012-B86B-65B8484C7DE3}" type="datetimeFigureOut">
               <a:rPr lang="en-US" smtClean="0"/>
-              <a:t>1/28/2025</a:t>
+              <a:t>1/29/2025</a:t>
             </a:fld>
             <a:endParaRPr lang="en-US"/>
           </a:p>
@@ -4387,7 +4390,7 @@
           <a:p>
             <a:fld id="{3A8AB521-9182-4012-B86B-65B8484C7DE3}" type="datetimeFigureOut">
               <a:rPr lang="en-US" smtClean="0"/>
-              <a:t>1/28/2025</a:t>
+              <a:t>1/29/2025</a:t>
             </a:fld>
             <a:endParaRPr lang="en-US"/>
           </a:p>
@@ -4505,7 +4508,7 @@
           <a:p>
             <a:fld id="{3A8AB521-9182-4012-B86B-65B8484C7DE3}" type="datetimeFigureOut">
               <a:rPr lang="en-US" smtClean="0"/>
-              <a:t>1/28/2025</a:t>
+              <a:t>1/29/2025</a:t>
             </a:fld>
             <a:endParaRPr lang="en-US"/>
           </a:p>
@@ -4600,7 +4603,7 @@
           <a:p>
             <a:fld id="{3A8AB521-9182-4012-B86B-65B8484C7DE3}" type="datetimeFigureOut">
               <a:rPr lang="en-US" smtClean="0"/>
-              <a:t>1/28/2025</a:t>
+              <a:t>1/29/2025</a:t>
             </a:fld>
             <a:endParaRPr lang="en-US"/>
           </a:p>
@@ -4849,7 +4852,7 @@
           <a:p>
             <a:fld id="{3A8AB521-9182-4012-B86B-65B8484C7DE3}" type="datetimeFigureOut">
               <a:rPr lang="en-US" smtClean="0"/>
-              <a:t>1/28/2025</a:t>
+              <a:t>1/29/2025</a:t>
             </a:fld>
             <a:endParaRPr lang="en-US"/>
           </a:p>
@@ -5106,7 +5109,7 @@
           <a:p>
             <a:fld id="{3A8AB521-9182-4012-B86B-65B8484C7DE3}" type="datetimeFigureOut">
               <a:rPr lang="en-US" smtClean="0"/>
-              <a:t>1/28/2025</a:t>
+              <a:t>1/29/2025</a:t>
             </a:fld>
             <a:endParaRPr lang="en-US"/>
           </a:p>
@@ -5349,7 +5352,7 @@
           <a:p>
             <a:fld id="{3A8AB521-9182-4012-B86B-65B8484C7DE3}" type="datetimeFigureOut">
               <a:rPr lang="en-US" smtClean="0"/>
-              <a:t>1/28/2025</a:t>
+              <a:t>1/29/2025</a:t>
             </a:fld>
             <a:endParaRPr lang="en-US"/>
           </a:p>
@@ -5851,6 +5854,350 @@
           <p:cNvPr id="2" name="Title 1">
             <a:extLst>
               <a:ext uri="{FF2B5EF4-FFF2-40B4-BE49-F238E27FC236}">
+                <a16:creationId xmlns:a16="http://schemas.microsoft.com/office/drawing/2014/main" id="{68C17759-7906-4D29-87BE-D22351AA1AF3}"/>
+              </a:ext>
+            </a:extLst>
+          </p:cNvPr>
+          <p:cNvSpPr>
+            <a:spLocks noGrp="1"/>
+          </p:cNvSpPr>
+          <p:nvPr>
+            <p:ph type="title"/>
+          </p:nvPr>
+        </p:nvSpPr>
+        <p:spPr/>
+        <p:txBody>
+          <a:bodyPr/>
+          <a:lstStyle/>
+          <a:p>
+            <a:r>
+              <a:rPr lang="en-US" dirty="0"/>
+              <a:t>Strings </a:t>
+            </a:r>
+          </a:p>
+        </p:txBody>
+      </p:sp>
+      <p:sp>
+        <p:nvSpPr>
+          <p:cNvPr id="3" name="Content Placeholder 2">
+            <a:extLst>
+              <a:ext uri="{FF2B5EF4-FFF2-40B4-BE49-F238E27FC236}">
+                <a16:creationId xmlns:a16="http://schemas.microsoft.com/office/drawing/2014/main" id="{090DA997-1116-4BE0-8949-EB1EA734934D}"/>
+              </a:ext>
+            </a:extLst>
+          </p:cNvPr>
+          <p:cNvSpPr>
+            <a:spLocks noGrp="1"/>
+          </p:cNvSpPr>
+          <p:nvPr>
+            <p:ph idx="1"/>
+          </p:nvPr>
+        </p:nvSpPr>
+        <p:spPr/>
+        <p:txBody>
+          <a:bodyPr/>
+          <a:lstStyle/>
+          <a:p>
+            <a:r>
+              <a:rPr lang="en-US" dirty="0"/>
+              <a:t>Strings are basic sequence of characters or basically a text. </a:t>
+            </a:r>
+          </a:p>
+          <a:p>
+            <a:r>
+              <a:rPr lang="en-US" dirty="0"/>
+              <a:t>Strings are always surrounded by quotation marks </a:t>
+            </a:r>
+          </a:p>
+          <a:p>
+            <a:r>
+              <a:rPr lang="en-US" dirty="0"/>
+              <a:t>Keyword is str </a:t>
+            </a:r>
+          </a:p>
+          <a:p>
+            <a:r>
+              <a:rPr lang="en-US" dirty="0"/>
+              <a:t>Example </a:t>
+            </a:r>
+          </a:p>
+          <a:p>
+            <a:r>
+              <a:rPr lang="en-US" dirty="0"/>
+              <a:t>a = “my name is </a:t>
+            </a:r>
+            <a:r>
+              <a:rPr lang="en-US" dirty="0" err="1"/>
+              <a:t>xyz</a:t>
+            </a:r>
+            <a:r>
+              <a:rPr lang="en-US" dirty="0"/>
+              <a:t>” </a:t>
+            </a:r>
+          </a:p>
+          <a:p>
+            <a:r>
+              <a:rPr lang="en-US" dirty="0"/>
+              <a:t>Type function helps us determine what is the type of the variable it is. </a:t>
+            </a:r>
+          </a:p>
+          <a:p>
+            <a:endParaRPr lang="en-US" dirty="0"/>
+          </a:p>
+          <a:p>
+            <a:endParaRPr lang="en-US" dirty="0"/>
+          </a:p>
+          <a:p>
+            <a:endParaRPr lang="en-US" dirty="0"/>
+          </a:p>
+        </p:txBody>
+      </p:sp>
+    </p:spTree>
+    <p:extLst>
+      <p:ext uri="{BB962C8B-B14F-4D97-AF65-F5344CB8AC3E}">
+        <p14:creationId xmlns:p14="http://schemas.microsoft.com/office/powerpoint/2010/main" val="1284129504"/>
+      </p:ext>
+    </p:extLst>
+  </p:cSld>
+  <p:clrMapOvr>
+    <a:masterClrMapping/>
+  </p:clrMapOvr>
+</p:sld>
+</file>
+
+<file path=ppt/slides/slide11.xml><?xml version="1.0" encoding="utf-8"?>
+<p:sld xmlns:a="http://schemas.openxmlformats.org/drawingml/2006/main" xmlns:r="http://schemas.openxmlformats.org/officeDocument/2006/relationships" xmlns:p="http://schemas.openxmlformats.org/presentationml/2006/main">
+  <p:cSld>
+    <p:spTree>
+      <p:nvGrpSpPr>
+        <p:cNvPr id="1" name=""/>
+        <p:cNvGrpSpPr/>
+        <p:nvPr/>
+      </p:nvGrpSpPr>
+      <p:grpSpPr>
+        <a:xfrm>
+          <a:off x="0" y="0"/>
+          <a:ext cx="0" cy="0"/>
+          <a:chOff x="0" y="0"/>
+          <a:chExt cx="0" cy="0"/>
+        </a:xfrm>
+      </p:grpSpPr>
+      <p:sp>
+        <p:nvSpPr>
+          <p:cNvPr id="2" name="Title 1">
+            <a:extLst>
+              <a:ext uri="{FF2B5EF4-FFF2-40B4-BE49-F238E27FC236}">
+                <a16:creationId xmlns:a16="http://schemas.microsoft.com/office/drawing/2014/main" id="{49B61C72-FA3B-48EA-861D-46B179609540}"/>
+              </a:ext>
+            </a:extLst>
+          </p:cNvPr>
+          <p:cNvSpPr>
+            <a:spLocks noGrp="1"/>
+          </p:cNvSpPr>
+          <p:nvPr>
+            <p:ph type="title"/>
+          </p:nvPr>
+        </p:nvSpPr>
+        <p:spPr/>
+        <p:txBody>
+          <a:bodyPr/>
+          <a:lstStyle/>
+          <a:p>
+            <a:r>
+              <a:rPr lang="en-US" dirty="0" err="1"/>
+              <a:t>Concat</a:t>
+            </a:r>
+            <a:r>
+              <a:rPr lang="en-US" dirty="0"/>
+              <a:t> two strings </a:t>
+            </a:r>
+          </a:p>
+        </p:txBody>
+      </p:sp>
+      <p:sp>
+        <p:nvSpPr>
+          <p:cNvPr id="3" name="Content Placeholder 2">
+            <a:extLst>
+              <a:ext uri="{FF2B5EF4-FFF2-40B4-BE49-F238E27FC236}">
+                <a16:creationId xmlns:a16="http://schemas.microsoft.com/office/drawing/2014/main" id="{B802B224-EAED-4C5C-B364-1C2EE94BA9BE}"/>
+              </a:ext>
+            </a:extLst>
+          </p:cNvPr>
+          <p:cNvSpPr>
+            <a:spLocks noGrp="1"/>
+          </p:cNvSpPr>
+          <p:nvPr>
+            <p:ph idx="1"/>
+          </p:nvPr>
+        </p:nvSpPr>
+        <p:spPr/>
+        <p:txBody>
+          <a:bodyPr/>
+          <a:lstStyle/>
+          <a:p>
+            <a:r>
+              <a:rPr lang="en-US" dirty="0"/>
+              <a:t>a = “my name” </a:t>
+            </a:r>
+          </a:p>
+          <a:p>
+            <a:r>
+              <a:rPr lang="en-US" dirty="0"/>
+              <a:t>b = “</a:t>
+            </a:r>
+            <a:r>
+              <a:rPr lang="en-US" dirty="0" err="1"/>
+              <a:t>xyz</a:t>
+            </a:r>
+            <a:r>
+              <a:rPr lang="en-US" dirty="0"/>
+              <a:t>” </a:t>
+            </a:r>
+          </a:p>
+          <a:p>
+            <a:r>
+              <a:rPr lang="en-US" dirty="0"/>
+              <a:t>c = a + b</a:t>
+            </a:r>
+          </a:p>
+          <a:p>
+            <a:r>
+              <a:rPr lang="en-US" dirty="0"/>
+              <a:t>Print(c) </a:t>
+            </a:r>
+          </a:p>
+          <a:p>
+            <a:endParaRPr lang="en-US" dirty="0"/>
+          </a:p>
+        </p:txBody>
+      </p:sp>
+    </p:spTree>
+    <p:extLst>
+      <p:ext uri="{BB962C8B-B14F-4D97-AF65-F5344CB8AC3E}">
+        <p14:creationId xmlns:p14="http://schemas.microsoft.com/office/powerpoint/2010/main" val="2001054306"/>
+      </p:ext>
+    </p:extLst>
+  </p:cSld>
+  <p:clrMapOvr>
+    <a:masterClrMapping/>
+  </p:clrMapOvr>
+</p:sld>
+</file>
+
+<file path=ppt/slides/slide12.xml><?xml version="1.0" encoding="utf-8"?>
+<p:sld xmlns:a="http://schemas.openxmlformats.org/drawingml/2006/main" xmlns:r="http://schemas.openxmlformats.org/officeDocument/2006/relationships" xmlns:p="http://schemas.openxmlformats.org/presentationml/2006/main">
+  <p:cSld>
+    <p:spTree>
+      <p:nvGrpSpPr>
+        <p:cNvPr id="1" name=""/>
+        <p:cNvGrpSpPr/>
+        <p:nvPr/>
+      </p:nvGrpSpPr>
+      <p:grpSpPr>
+        <a:xfrm>
+          <a:off x="0" y="0"/>
+          <a:ext cx="0" cy="0"/>
+          <a:chOff x="0" y="0"/>
+          <a:chExt cx="0" cy="0"/>
+        </a:xfrm>
+      </p:grpSpPr>
+      <p:sp>
+        <p:nvSpPr>
+          <p:cNvPr id="2" name="Title 1">
+            <a:extLst>
+              <a:ext uri="{FF2B5EF4-FFF2-40B4-BE49-F238E27FC236}">
+                <a16:creationId xmlns:a16="http://schemas.microsoft.com/office/drawing/2014/main" id="{205C3B8C-9D53-454F-B981-097863C227DB}"/>
+              </a:ext>
+            </a:extLst>
+          </p:cNvPr>
+          <p:cNvSpPr>
+            <a:spLocks noGrp="1"/>
+          </p:cNvSpPr>
+          <p:nvPr>
+            <p:ph type="title"/>
+          </p:nvPr>
+        </p:nvSpPr>
+        <p:spPr/>
+        <p:txBody>
+          <a:bodyPr/>
+          <a:lstStyle/>
+          <a:p>
+            <a:r>
+              <a:rPr lang="en-US" dirty="0"/>
+              <a:t>Booleans</a:t>
+            </a:r>
+          </a:p>
+        </p:txBody>
+      </p:sp>
+      <p:sp>
+        <p:nvSpPr>
+          <p:cNvPr id="3" name="Content Placeholder 2">
+            <a:extLst>
+              <a:ext uri="{FF2B5EF4-FFF2-40B4-BE49-F238E27FC236}">
+                <a16:creationId xmlns:a16="http://schemas.microsoft.com/office/drawing/2014/main" id="{1A6E18F8-09FE-4FCF-B718-E1F5A121B8DC}"/>
+              </a:ext>
+            </a:extLst>
+          </p:cNvPr>
+          <p:cNvSpPr>
+            <a:spLocks noGrp="1"/>
+          </p:cNvSpPr>
+          <p:nvPr>
+            <p:ph idx="1"/>
+          </p:nvPr>
+        </p:nvSpPr>
+        <p:spPr/>
+        <p:txBody>
+          <a:bodyPr/>
+          <a:lstStyle/>
+          <a:p>
+            <a:r>
+              <a:rPr lang="en-US" dirty="0"/>
+              <a:t>It can be True or False </a:t>
+            </a:r>
+          </a:p>
+          <a:p>
+            <a:r>
+              <a:rPr lang="en-US" dirty="0"/>
+              <a:t>Keyword bool </a:t>
+            </a:r>
+          </a:p>
+        </p:txBody>
+      </p:sp>
+    </p:spTree>
+    <p:extLst>
+      <p:ext uri="{BB962C8B-B14F-4D97-AF65-F5344CB8AC3E}">
+        <p14:creationId xmlns:p14="http://schemas.microsoft.com/office/powerpoint/2010/main" val="3800990825"/>
+      </p:ext>
+    </p:extLst>
+  </p:cSld>
+  <p:clrMapOvr>
+    <a:masterClrMapping/>
+  </p:clrMapOvr>
+</p:sld>
+</file>
+
+<file path=ppt/slides/slide13.xml><?xml version="1.0" encoding="utf-8"?>
+<p:sld xmlns:a="http://schemas.openxmlformats.org/drawingml/2006/main" xmlns:r="http://schemas.openxmlformats.org/officeDocument/2006/relationships" xmlns:p="http://schemas.openxmlformats.org/presentationml/2006/main">
+  <p:cSld>
+    <p:spTree>
+      <p:nvGrpSpPr>
+        <p:cNvPr id="1" name=""/>
+        <p:cNvGrpSpPr/>
+        <p:nvPr/>
+      </p:nvGrpSpPr>
+      <p:grpSpPr>
+        <a:xfrm>
+          <a:off x="0" y="0"/>
+          <a:ext cx="0" cy="0"/>
+          <a:chOff x="0" y="0"/>
+          <a:chExt cx="0" cy="0"/>
+        </a:xfrm>
+      </p:grpSpPr>
+      <p:sp>
+        <p:nvSpPr>
+          <p:cNvPr id="2" name="Title 1">
+            <a:extLst>
+              <a:ext uri="{FF2B5EF4-FFF2-40B4-BE49-F238E27FC236}">
                 <a16:creationId xmlns:a16="http://schemas.microsoft.com/office/drawing/2014/main" id="{128D4019-7D0C-4EA9-BA87-63BDDAAF6BAB}"/>
               </a:ext>
             </a:extLst>
@@ -6160,7 +6507,7 @@
 </p:sld>
 </file>
 
-<file path=ppt/slides/slide11.xml><?xml version="1.0" encoding="utf-8"?>
+<file path=ppt/slides/slide14.xml><?xml version="1.0" encoding="utf-8"?>
 <p:sld xmlns:a="http://schemas.openxmlformats.org/drawingml/2006/main" xmlns:r="http://schemas.openxmlformats.org/officeDocument/2006/relationships" xmlns:p="http://schemas.openxmlformats.org/presentationml/2006/main">
   <p:cSld>
     <p:spTree>
@@ -6755,7 +7102,7 @@
 </p:sld>
 </file>
 
-<file path=ppt/slides/slide12.xml><?xml version="1.0" encoding="utf-8"?>
+<file path=ppt/slides/slide15.xml><?xml version="1.0" encoding="utf-8"?>
 <p:sld xmlns:a="http://schemas.openxmlformats.org/drawingml/2006/main" xmlns:r="http://schemas.openxmlformats.org/officeDocument/2006/relationships" xmlns:p="http://schemas.openxmlformats.org/presentationml/2006/main">
   <p:cSld>
     <p:spTree>
@@ -7285,7 +7632,7 @@
 </p:sld>
 </file>
 
-<file path=ppt/slides/slide13.xml><?xml version="1.0" encoding="utf-8"?>
+<file path=ppt/slides/slide16.xml><?xml version="1.0" encoding="utf-8"?>
 <p:sld xmlns:a="http://schemas.openxmlformats.org/drawingml/2006/main" xmlns:r="http://schemas.openxmlformats.org/officeDocument/2006/relationships" xmlns:p="http://schemas.openxmlformats.org/presentationml/2006/main">
   <p:cSld>
     <p:spTree>
@@ -7821,7 +8168,7 @@
 </p:sld>
 </file>
 
-<file path=ppt/slides/slide14.xml><?xml version="1.0" encoding="utf-8"?>
+<file path=ppt/slides/slide17.xml><?xml version="1.0" encoding="utf-8"?>
 <p:sld xmlns:a="http://schemas.openxmlformats.org/drawingml/2006/main" xmlns:r="http://schemas.openxmlformats.org/officeDocument/2006/relationships" xmlns:p="http://schemas.openxmlformats.org/presentationml/2006/main">
   <p:cSld>
     <p:spTree>
@@ -8304,7 +8651,7 @@
 </p:sld>
 </file>
 
-<file path=ppt/slides/slide15.xml><?xml version="1.0" encoding="utf-8"?>
+<file path=ppt/slides/slide18.xml><?xml version="1.0" encoding="utf-8"?>
 <p:sld xmlns:a="http://schemas.openxmlformats.org/drawingml/2006/main" xmlns:r="http://schemas.openxmlformats.org/officeDocument/2006/relationships" xmlns:p="http://schemas.openxmlformats.org/presentationml/2006/main">
   <p:cSld>
     <p:spTree>
@@ -8558,7 +8905,7 @@
 </p:sld>
 </file>
 
-<file path=ppt/slides/slide16.xml><?xml version="1.0" encoding="utf-8"?>
+<file path=ppt/slides/slide19.xml><?xml version="1.0" encoding="utf-8"?>
 <p:sld xmlns:a="http://schemas.openxmlformats.org/drawingml/2006/main" xmlns:r="http://schemas.openxmlformats.org/officeDocument/2006/relationships" xmlns:p="http://schemas.openxmlformats.org/presentationml/2006/main">
   <p:cSld>
     <p:spTree>
@@ -9136,6 +9483,540 @@
           <p:cNvPr id="2" name="Title 1">
             <a:extLst>
               <a:ext uri="{FF2B5EF4-FFF2-40B4-BE49-F238E27FC236}">
+                <a16:creationId xmlns:a16="http://schemas.microsoft.com/office/drawing/2014/main" id="{93400956-8BF4-4DC4-B74D-16DE4C92C7B6}"/>
+              </a:ext>
+            </a:extLst>
+          </p:cNvPr>
+          <p:cNvSpPr>
+            <a:spLocks noGrp="1"/>
+          </p:cNvSpPr>
+          <p:nvPr>
+            <p:ph type="title"/>
+          </p:nvPr>
+        </p:nvSpPr>
+        <p:spPr/>
+        <p:txBody>
+          <a:bodyPr/>
+          <a:lstStyle/>
+          <a:p>
+            <a:r>
+              <a:rPr lang="en-US" dirty="0"/>
+              <a:t>Git hub Account </a:t>
+            </a:r>
+          </a:p>
+        </p:txBody>
+      </p:sp>
+      <p:sp>
+        <p:nvSpPr>
+          <p:cNvPr id="3" name="Content Placeholder 2">
+            <a:extLst>
+              <a:ext uri="{FF2B5EF4-FFF2-40B4-BE49-F238E27FC236}">
+                <a16:creationId xmlns:a16="http://schemas.microsoft.com/office/drawing/2014/main" id="{A0D1559B-3F36-4AB2-890A-DB02BDD903B9}"/>
+              </a:ext>
+            </a:extLst>
+          </p:cNvPr>
+          <p:cNvSpPr>
+            <a:spLocks noGrp="1"/>
+          </p:cNvSpPr>
+          <p:nvPr>
+            <p:ph idx="1"/>
+          </p:nvPr>
+        </p:nvSpPr>
+        <p:spPr/>
+        <p:txBody>
+          <a:bodyPr>
+            <a:normAutofit fontScale="92500" lnSpcReduction="20000"/>
+          </a:bodyPr>
+          <a:lstStyle/>
+          <a:p>
+            <a:r>
+              <a:rPr lang="en-US" b="1" dirty="0"/>
+              <a:t>1. Creating a GitHub Account</a:t>
+            </a:r>
+            <a:endParaRPr lang="en-US" dirty="0"/>
+          </a:p>
+          <a:p>
+            <a:pPr>
+              <a:buFont typeface="Arial" panose="020B0604020202020204" pitchFamily="34" charset="0"/>
+              <a:buChar char="•"/>
+            </a:pPr>
+            <a:r>
+              <a:rPr lang="en-US" b="1" dirty="0"/>
+              <a:t>Go to GitHub:</a:t>
+            </a:r>
+            <a:r>
+              <a:rPr lang="en-US" dirty="0"/>
+              <a:t> Open your web browser and navigate to </a:t>
+            </a:r>
+            <a:r>
+              <a:rPr lang="en-US" dirty="0">
+                <a:hlinkClick r:id="rId2"/>
+              </a:rPr>
+              <a:t>https://github.com/</a:t>
+            </a:r>
+            <a:endParaRPr lang="en-US" dirty="0"/>
+          </a:p>
+          <a:p>
+            <a:pPr>
+              <a:buFont typeface="Arial" panose="020B0604020202020204" pitchFamily="34" charset="0"/>
+              <a:buChar char="•"/>
+            </a:pPr>
+            <a:r>
+              <a:rPr lang="en-US" b="1" dirty="0"/>
+              <a:t>Sign Up:</a:t>
+            </a:r>
+            <a:r>
+              <a:rPr lang="en-US" dirty="0"/>
+              <a:t> Click the "Sign up" button.</a:t>
+            </a:r>
+          </a:p>
+          <a:p>
+            <a:pPr>
+              <a:buFont typeface="Arial" panose="020B0604020202020204" pitchFamily="34" charset="0"/>
+              <a:buChar char="•"/>
+            </a:pPr>
+            <a:r>
+              <a:rPr lang="en-US" b="1" dirty="0"/>
+              <a:t>Enter Information:</a:t>
+            </a:r>
+            <a:r>
+              <a:rPr lang="en-US" dirty="0"/>
+              <a:t> </a:t>
+            </a:r>
+          </a:p>
+          <a:p>
+            <a:pPr marL="742950" lvl="1" indent="-285750">
+              <a:buFont typeface="Arial" panose="020B0604020202020204" pitchFamily="34" charset="0"/>
+              <a:buChar char="•"/>
+            </a:pPr>
+            <a:r>
+              <a:rPr lang="en-US" dirty="0"/>
+              <a:t>Provide your email address.</a:t>
+            </a:r>
+          </a:p>
+          <a:p>
+            <a:pPr marL="742950" lvl="1" indent="-285750">
+              <a:buFont typeface="Arial" panose="020B0604020202020204" pitchFamily="34" charset="0"/>
+              <a:buChar char="•"/>
+            </a:pPr>
+            <a:r>
+              <a:rPr lang="en-US" dirty="0"/>
+              <a:t>Create a strong password (at least 15 characters or 8 with a mix of letters and numbers).</a:t>
+            </a:r>
+          </a:p>
+          <a:p>
+            <a:pPr marL="742950" lvl="1" indent="-285750">
+              <a:buFont typeface="Arial" panose="020B0604020202020204" pitchFamily="34" charset="0"/>
+              <a:buChar char="•"/>
+            </a:pPr>
+            <a:r>
+              <a:rPr lang="en-US" dirty="0"/>
+              <a:t>Choose a username for your GitHub profile.</a:t>
+            </a:r>
+          </a:p>
+          <a:p>
+            <a:pPr>
+              <a:buFont typeface="Arial" panose="020B0604020202020204" pitchFamily="34" charset="0"/>
+              <a:buChar char="•"/>
+            </a:pPr>
+            <a:r>
+              <a:rPr lang="en-US" b="1" dirty="0"/>
+              <a:t>Verify Email:</a:t>
+            </a:r>
+            <a:r>
+              <a:rPr lang="en-US" dirty="0"/>
+              <a:t> Check your email inbox for a verification code from GitHub. Enter this code on the GitHub page.</a:t>
+            </a:r>
+          </a:p>
+          <a:p>
+            <a:pPr>
+              <a:buFont typeface="Arial" panose="020B0604020202020204" pitchFamily="34" charset="0"/>
+              <a:buChar char="•"/>
+            </a:pPr>
+            <a:r>
+              <a:rPr lang="en-US" b="1" dirty="0"/>
+              <a:t>Personalize (Optional):</a:t>
+            </a:r>
+            <a:r>
+              <a:rPr lang="en-US" dirty="0"/>
+              <a:t> GitHub may ask you some questions to personalize your experience. You can skip this step.</a:t>
+            </a:r>
+          </a:p>
+          <a:p>
+            <a:pPr>
+              <a:buFont typeface="Arial" panose="020B0604020202020204" pitchFamily="34" charset="0"/>
+              <a:buChar char="•"/>
+            </a:pPr>
+            <a:r>
+              <a:rPr lang="en-US" b="1" dirty="0"/>
+              <a:t>Choose a Plan:</a:t>
+            </a:r>
+            <a:r>
+              <a:rPr lang="en-US" dirty="0"/>
+              <a:t> Select the "Free" plan to start.</a:t>
+            </a:r>
+          </a:p>
+          <a:p>
+            <a:endParaRPr lang="en-US" dirty="0"/>
+          </a:p>
+        </p:txBody>
+      </p:sp>
+    </p:spTree>
+    <p:extLst>
+      <p:ext uri="{BB962C8B-B14F-4D97-AF65-F5344CB8AC3E}">
+        <p14:creationId xmlns:p14="http://schemas.microsoft.com/office/powerpoint/2010/main" val="2052477399"/>
+      </p:ext>
+    </p:extLst>
+  </p:cSld>
+  <p:clrMapOvr>
+    <a:masterClrMapping/>
+  </p:clrMapOvr>
+</p:sld>
+</file>
+
+<file path=ppt/slides/slide7.xml><?xml version="1.0" encoding="utf-8"?>
+<p:sld xmlns:a="http://schemas.openxmlformats.org/drawingml/2006/main" xmlns:r="http://schemas.openxmlformats.org/officeDocument/2006/relationships" xmlns:p="http://schemas.openxmlformats.org/presentationml/2006/main">
+  <p:cSld>
+    <p:spTree>
+      <p:nvGrpSpPr>
+        <p:cNvPr id="1" name=""/>
+        <p:cNvGrpSpPr/>
+        <p:nvPr/>
+      </p:nvGrpSpPr>
+      <p:grpSpPr>
+        <a:xfrm>
+          <a:off x="0" y="0"/>
+          <a:ext cx="0" cy="0"/>
+          <a:chOff x="0" y="0"/>
+          <a:chExt cx="0" cy="0"/>
+        </a:xfrm>
+      </p:grpSpPr>
+      <p:sp>
+        <p:nvSpPr>
+          <p:cNvPr id="2" name="Title 1">
+            <a:extLst>
+              <a:ext uri="{FF2B5EF4-FFF2-40B4-BE49-F238E27FC236}">
+                <a16:creationId xmlns:a16="http://schemas.microsoft.com/office/drawing/2014/main" id="{EE572F86-F6A3-40C5-AB45-527B15AE534B}"/>
+              </a:ext>
+            </a:extLst>
+          </p:cNvPr>
+          <p:cNvSpPr>
+            <a:spLocks noGrp="1"/>
+          </p:cNvSpPr>
+          <p:nvPr>
+            <p:ph type="title"/>
+          </p:nvPr>
+        </p:nvSpPr>
+        <p:spPr/>
+        <p:txBody>
+          <a:bodyPr/>
+          <a:lstStyle/>
+          <a:p>
+            <a:r>
+              <a:rPr lang="en-US" dirty="0"/>
+              <a:t>Git Hub Account </a:t>
+            </a:r>
+          </a:p>
+        </p:txBody>
+      </p:sp>
+      <p:sp>
+        <p:nvSpPr>
+          <p:cNvPr id="3" name="Content Placeholder 2">
+            <a:extLst>
+              <a:ext uri="{FF2B5EF4-FFF2-40B4-BE49-F238E27FC236}">
+                <a16:creationId xmlns:a16="http://schemas.microsoft.com/office/drawing/2014/main" id="{FE4A90C8-6BBF-4E5B-87A3-4536CEB6185C}"/>
+              </a:ext>
+            </a:extLst>
+          </p:cNvPr>
+          <p:cNvSpPr>
+            <a:spLocks noGrp="1"/>
+          </p:cNvSpPr>
+          <p:nvPr>
+            <p:ph idx="1"/>
+          </p:nvPr>
+        </p:nvSpPr>
+        <p:spPr/>
+        <p:txBody>
+          <a:bodyPr/>
+          <a:lstStyle/>
+          <a:p>
+            <a:r>
+              <a:rPr lang="en-US" b="1" dirty="0"/>
+              <a:t>2. Accessing Code on GitHub</a:t>
+            </a:r>
+            <a:endParaRPr lang="en-US" dirty="0"/>
+          </a:p>
+          <a:p>
+            <a:pPr>
+              <a:buFont typeface="Arial" panose="020B0604020202020204" pitchFamily="34" charset="0"/>
+              <a:buChar char="•"/>
+            </a:pPr>
+            <a:r>
+              <a:rPr lang="en-US" b="1" dirty="0"/>
+              <a:t>Find the Repository:</a:t>
+            </a:r>
+            <a:r>
+              <a:rPr lang="en-US" dirty="0"/>
+              <a:t> Go to the specific repository URL (in this case, </a:t>
+            </a:r>
+            <a:r>
+              <a:rPr lang="en-US" dirty="0">
+                <a:hlinkClick r:id="rId2"/>
+              </a:rPr>
+              <a:t>https://github.com/avnit/Python-for-everyone</a:t>
+            </a:r>
+            <a:r>
+              <a:rPr lang="en-US" dirty="0"/>
+              <a:t>).</a:t>
+            </a:r>
+          </a:p>
+          <a:p>
+            <a:pPr>
+              <a:buFont typeface="Arial" panose="020B0604020202020204" pitchFamily="34" charset="0"/>
+              <a:buChar char="•"/>
+            </a:pPr>
+            <a:r>
+              <a:rPr lang="en-US" b="1" dirty="0"/>
+              <a:t>View Code:</a:t>
+            </a:r>
+            <a:r>
+              <a:rPr lang="en-US" dirty="0"/>
+              <a:t> </a:t>
+            </a:r>
+          </a:p>
+          <a:p>
+            <a:pPr marL="742950" lvl="1" indent="-285750">
+              <a:buFont typeface="Arial" panose="020B0604020202020204" pitchFamily="34" charset="0"/>
+              <a:buChar char="•"/>
+            </a:pPr>
+            <a:r>
+              <a:rPr lang="en-US" b="1" dirty="0"/>
+              <a:t>Browse Files:</a:t>
+            </a:r>
+            <a:r>
+              <a:rPr lang="en-US" dirty="0"/>
+              <a:t> You can directly view the code files within the repository by clicking on them.</a:t>
+            </a:r>
+          </a:p>
+          <a:p>
+            <a:pPr marL="742950" lvl="1" indent="-285750">
+              <a:buFont typeface="Arial" panose="020B0604020202020204" pitchFamily="34" charset="0"/>
+              <a:buChar char="•"/>
+            </a:pPr>
+            <a:r>
+              <a:rPr lang="en-US" b="1" dirty="0"/>
+              <a:t>Download ZIP:</a:t>
+            </a:r>
+            <a:r>
+              <a:rPr lang="en-US" dirty="0"/>
+              <a:t> Download the entire repository as a ZIP file by clicking the green "Code" button and then "Download ZIP."</a:t>
+            </a:r>
+          </a:p>
+          <a:p>
+            <a:pPr marL="742950" lvl="1" indent="-285750">
+              <a:buFont typeface="Arial" panose="020B0604020202020204" pitchFamily="34" charset="0"/>
+              <a:buChar char="•"/>
+            </a:pPr>
+            <a:r>
+              <a:rPr lang="en-US" b="1" dirty="0"/>
+              <a:t>Clone the Repository:</a:t>
+            </a:r>
+            <a:r>
+              <a:rPr lang="en-US" dirty="0"/>
+              <a:t> </a:t>
+            </a:r>
+          </a:p>
+          <a:p>
+            <a:pPr marL="1143000" lvl="2" indent="-228600">
+              <a:buFont typeface="Arial" panose="020B0604020202020204" pitchFamily="34" charset="0"/>
+              <a:buChar char="•"/>
+            </a:pPr>
+            <a:r>
+              <a:rPr lang="en-US" dirty="0"/>
+              <a:t>If you're familiar with Git, you can clone the repository to your local machine using the provided URL. This allows you to work with the code directly on your computer and contribute changes back to the repository.</a:t>
+            </a:r>
+          </a:p>
+          <a:p>
+            <a:endParaRPr lang="en-US" dirty="0"/>
+          </a:p>
+        </p:txBody>
+      </p:sp>
+    </p:spTree>
+    <p:extLst>
+      <p:ext uri="{BB962C8B-B14F-4D97-AF65-F5344CB8AC3E}">
+        <p14:creationId xmlns:p14="http://schemas.microsoft.com/office/powerpoint/2010/main" val="440196581"/>
+      </p:ext>
+    </p:extLst>
+  </p:cSld>
+  <p:clrMapOvr>
+    <a:masterClrMapping/>
+  </p:clrMapOvr>
+</p:sld>
+</file>
+
+<file path=ppt/slides/slide8.xml><?xml version="1.0" encoding="utf-8"?>
+<p:sld xmlns:a="http://schemas.openxmlformats.org/drawingml/2006/main" xmlns:r="http://schemas.openxmlformats.org/officeDocument/2006/relationships" xmlns:p="http://schemas.openxmlformats.org/presentationml/2006/main">
+  <p:cSld>
+    <p:spTree>
+      <p:nvGrpSpPr>
+        <p:cNvPr id="1" name=""/>
+        <p:cNvGrpSpPr/>
+        <p:nvPr/>
+      </p:nvGrpSpPr>
+      <p:grpSpPr>
+        <a:xfrm>
+          <a:off x="0" y="0"/>
+          <a:ext cx="0" cy="0"/>
+          <a:chOff x="0" y="0"/>
+          <a:chExt cx="0" cy="0"/>
+        </a:xfrm>
+      </p:grpSpPr>
+      <p:sp>
+        <p:nvSpPr>
+          <p:cNvPr id="2" name="Title 1">
+            <a:extLst>
+              <a:ext uri="{FF2B5EF4-FFF2-40B4-BE49-F238E27FC236}">
+                <a16:creationId xmlns:a16="http://schemas.microsoft.com/office/drawing/2014/main" id="{F0CC21BB-BF01-4217-A093-56B122E1F12D}"/>
+              </a:ext>
+            </a:extLst>
+          </p:cNvPr>
+          <p:cNvSpPr>
+            <a:spLocks noGrp="1"/>
+          </p:cNvSpPr>
+          <p:nvPr>
+            <p:ph type="title"/>
+          </p:nvPr>
+        </p:nvSpPr>
+        <p:spPr/>
+        <p:txBody>
+          <a:bodyPr/>
+          <a:lstStyle/>
+          <a:p>
+            <a:r>
+              <a:rPr lang="en-US" dirty="0"/>
+              <a:t>Git Hub Basics</a:t>
+            </a:r>
+          </a:p>
+        </p:txBody>
+      </p:sp>
+      <p:sp>
+        <p:nvSpPr>
+          <p:cNvPr id="3" name="Content Placeholder 2">
+            <a:extLst>
+              <a:ext uri="{FF2B5EF4-FFF2-40B4-BE49-F238E27FC236}">
+                <a16:creationId xmlns:a16="http://schemas.microsoft.com/office/drawing/2014/main" id="{BBB7CE23-3451-4ABD-85C9-7B9DAB2EA6F3}"/>
+              </a:ext>
+            </a:extLst>
+          </p:cNvPr>
+          <p:cNvSpPr>
+            <a:spLocks noGrp="1"/>
+          </p:cNvSpPr>
+          <p:nvPr>
+            <p:ph idx="1"/>
+          </p:nvPr>
+        </p:nvSpPr>
+        <p:spPr/>
+        <p:txBody>
+          <a:bodyPr/>
+          <a:lstStyle/>
+          <a:p>
+            <a:pPr>
+              <a:buFont typeface="Arial" panose="020B0604020202020204" pitchFamily="34" charset="0"/>
+              <a:buChar char="•"/>
+            </a:pPr>
+            <a:r>
+              <a:rPr lang="en-US" b="1" dirty="0"/>
+              <a:t>Public vs. Private Repositories:</a:t>
+            </a:r>
+            <a:r>
+              <a:rPr lang="en-US" dirty="0"/>
+              <a:t> </a:t>
+            </a:r>
+          </a:p>
+          <a:p>
+            <a:pPr marL="742950" lvl="1" indent="-285750">
+              <a:buFont typeface="Arial" panose="020B0604020202020204" pitchFamily="34" charset="0"/>
+              <a:buChar char="•"/>
+            </a:pPr>
+            <a:r>
+              <a:rPr lang="en-US" dirty="0"/>
+              <a:t>Public repositories are visible to everyone on GitHub.</a:t>
+            </a:r>
+          </a:p>
+          <a:p>
+            <a:pPr marL="742950" lvl="1" indent="-285750">
+              <a:buFont typeface="Arial" panose="020B0604020202020204" pitchFamily="34" charset="0"/>
+              <a:buChar char="•"/>
+            </a:pPr>
+            <a:r>
+              <a:rPr lang="en-US" dirty="0"/>
+              <a:t>Private repositories require a GitHub account to access and are only visible to you and collaborators you invite.</a:t>
+            </a:r>
+          </a:p>
+          <a:p>
+            <a:pPr>
+              <a:buFont typeface="Arial" panose="020B0604020202020204" pitchFamily="34" charset="0"/>
+              <a:buChar char="•"/>
+            </a:pPr>
+            <a:r>
+              <a:rPr lang="en-US" b="1" dirty="0"/>
+              <a:t>Forking a Repository:</a:t>
+            </a:r>
+            <a:r>
+              <a:rPr lang="en-US" dirty="0"/>
+              <a:t> </a:t>
+            </a:r>
+          </a:p>
+          <a:p>
+            <a:pPr marL="742950" lvl="1" indent="-285750">
+              <a:buFont typeface="Arial" panose="020B0604020202020204" pitchFamily="34" charset="0"/>
+              <a:buChar char="•"/>
+            </a:pPr>
+            <a:r>
+              <a:rPr lang="en-US" dirty="0"/>
+              <a:t>If you want to make changes to the code without affecting the original repository, you can "fork" it. This creates a copy of the repository under your own GitHub account.</a:t>
+            </a:r>
+          </a:p>
+          <a:p>
+            <a:endParaRPr lang="en-US" dirty="0"/>
+          </a:p>
+        </p:txBody>
+      </p:sp>
+    </p:spTree>
+    <p:extLst>
+      <p:ext uri="{BB962C8B-B14F-4D97-AF65-F5344CB8AC3E}">
+        <p14:creationId xmlns:p14="http://schemas.microsoft.com/office/powerpoint/2010/main" val="2524350961"/>
+      </p:ext>
+    </p:extLst>
+  </p:cSld>
+  <p:clrMapOvr>
+    <a:masterClrMapping/>
+  </p:clrMapOvr>
+</p:sld>
+</file>
+
+<file path=ppt/slides/slide9.xml><?xml version="1.0" encoding="utf-8"?>
+<p:sld xmlns:a="http://schemas.openxmlformats.org/drawingml/2006/main" xmlns:r="http://schemas.openxmlformats.org/officeDocument/2006/relationships" xmlns:p="http://schemas.openxmlformats.org/presentationml/2006/main">
+  <p:cSld>
+    <p:spTree>
+      <p:nvGrpSpPr>
+        <p:cNvPr id="1" name=""/>
+        <p:cNvGrpSpPr/>
+        <p:nvPr/>
+      </p:nvGrpSpPr>
+      <p:grpSpPr>
+        <a:xfrm>
+          <a:off x="0" y="0"/>
+          <a:ext cx="0" cy="0"/>
+          <a:chOff x="0" y="0"/>
+          <a:chExt cx="0" cy="0"/>
+        </a:xfrm>
+      </p:grpSpPr>
+      <p:sp>
+        <p:nvSpPr>
+          <p:cNvPr id="2" name="Title 1">
+            <a:extLst>
+              <a:ext uri="{FF2B5EF4-FFF2-40B4-BE49-F238E27FC236}">
                 <a16:creationId xmlns:a16="http://schemas.microsoft.com/office/drawing/2014/main" id="{0A70B62E-93A4-4710-B292-D0EDA68BFFE4}"/>
               </a:ext>
             </a:extLst>
@@ -9445,350 +10326,6 @@
     <p:extLst>
       <p:ext uri="{BB962C8B-B14F-4D97-AF65-F5344CB8AC3E}">
         <p14:creationId xmlns:p14="http://schemas.microsoft.com/office/powerpoint/2010/main" val="2561386226"/>
-      </p:ext>
-    </p:extLst>
-  </p:cSld>
-  <p:clrMapOvr>
-    <a:masterClrMapping/>
-  </p:clrMapOvr>
-</p:sld>
-</file>
-
-<file path=ppt/slides/slide7.xml><?xml version="1.0" encoding="utf-8"?>
-<p:sld xmlns:a="http://schemas.openxmlformats.org/drawingml/2006/main" xmlns:r="http://schemas.openxmlformats.org/officeDocument/2006/relationships" xmlns:p="http://schemas.openxmlformats.org/presentationml/2006/main">
-  <p:cSld>
-    <p:spTree>
-      <p:nvGrpSpPr>
-        <p:cNvPr id="1" name=""/>
-        <p:cNvGrpSpPr/>
-        <p:nvPr/>
-      </p:nvGrpSpPr>
-      <p:grpSpPr>
-        <a:xfrm>
-          <a:off x="0" y="0"/>
-          <a:ext cx="0" cy="0"/>
-          <a:chOff x="0" y="0"/>
-          <a:chExt cx="0" cy="0"/>
-        </a:xfrm>
-      </p:grpSpPr>
-      <p:sp>
-        <p:nvSpPr>
-          <p:cNvPr id="2" name="Title 1">
-            <a:extLst>
-              <a:ext uri="{FF2B5EF4-FFF2-40B4-BE49-F238E27FC236}">
-                <a16:creationId xmlns:a16="http://schemas.microsoft.com/office/drawing/2014/main" id="{68C17759-7906-4D29-87BE-D22351AA1AF3}"/>
-              </a:ext>
-            </a:extLst>
-          </p:cNvPr>
-          <p:cNvSpPr>
-            <a:spLocks noGrp="1"/>
-          </p:cNvSpPr>
-          <p:nvPr>
-            <p:ph type="title"/>
-          </p:nvPr>
-        </p:nvSpPr>
-        <p:spPr/>
-        <p:txBody>
-          <a:bodyPr/>
-          <a:lstStyle/>
-          <a:p>
-            <a:r>
-              <a:rPr lang="en-US" dirty="0"/>
-              <a:t>Strings </a:t>
-            </a:r>
-          </a:p>
-        </p:txBody>
-      </p:sp>
-      <p:sp>
-        <p:nvSpPr>
-          <p:cNvPr id="3" name="Content Placeholder 2">
-            <a:extLst>
-              <a:ext uri="{FF2B5EF4-FFF2-40B4-BE49-F238E27FC236}">
-                <a16:creationId xmlns:a16="http://schemas.microsoft.com/office/drawing/2014/main" id="{090DA997-1116-4BE0-8949-EB1EA734934D}"/>
-              </a:ext>
-            </a:extLst>
-          </p:cNvPr>
-          <p:cNvSpPr>
-            <a:spLocks noGrp="1"/>
-          </p:cNvSpPr>
-          <p:nvPr>
-            <p:ph idx="1"/>
-          </p:nvPr>
-        </p:nvSpPr>
-        <p:spPr/>
-        <p:txBody>
-          <a:bodyPr/>
-          <a:lstStyle/>
-          <a:p>
-            <a:r>
-              <a:rPr lang="en-US" dirty="0"/>
-              <a:t>Strings are basic sequence of characters or basically a text. </a:t>
-            </a:r>
-          </a:p>
-          <a:p>
-            <a:r>
-              <a:rPr lang="en-US" dirty="0"/>
-              <a:t>Strings are always surrounded by quotation marks </a:t>
-            </a:r>
-          </a:p>
-          <a:p>
-            <a:r>
-              <a:rPr lang="en-US" dirty="0"/>
-              <a:t>Keyword is str </a:t>
-            </a:r>
-          </a:p>
-          <a:p>
-            <a:r>
-              <a:rPr lang="en-US" dirty="0"/>
-              <a:t>Example </a:t>
-            </a:r>
-          </a:p>
-          <a:p>
-            <a:r>
-              <a:rPr lang="en-US" dirty="0"/>
-              <a:t>a = “my name is </a:t>
-            </a:r>
-            <a:r>
-              <a:rPr lang="en-US" dirty="0" err="1"/>
-              <a:t>xyz</a:t>
-            </a:r>
-            <a:r>
-              <a:rPr lang="en-US" dirty="0"/>
-              <a:t>” </a:t>
-            </a:r>
-          </a:p>
-          <a:p>
-            <a:r>
-              <a:rPr lang="en-US" dirty="0"/>
-              <a:t>Type function helps us determine what is the type of the variable it is. </a:t>
-            </a:r>
-          </a:p>
-          <a:p>
-            <a:endParaRPr lang="en-US" dirty="0"/>
-          </a:p>
-          <a:p>
-            <a:endParaRPr lang="en-US" dirty="0"/>
-          </a:p>
-          <a:p>
-            <a:endParaRPr lang="en-US" dirty="0"/>
-          </a:p>
-        </p:txBody>
-      </p:sp>
-    </p:spTree>
-    <p:extLst>
-      <p:ext uri="{BB962C8B-B14F-4D97-AF65-F5344CB8AC3E}">
-        <p14:creationId xmlns:p14="http://schemas.microsoft.com/office/powerpoint/2010/main" val="1284129504"/>
-      </p:ext>
-    </p:extLst>
-  </p:cSld>
-  <p:clrMapOvr>
-    <a:masterClrMapping/>
-  </p:clrMapOvr>
-</p:sld>
-</file>
-
-<file path=ppt/slides/slide8.xml><?xml version="1.0" encoding="utf-8"?>
-<p:sld xmlns:a="http://schemas.openxmlformats.org/drawingml/2006/main" xmlns:r="http://schemas.openxmlformats.org/officeDocument/2006/relationships" xmlns:p="http://schemas.openxmlformats.org/presentationml/2006/main">
-  <p:cSld>
-    <p:spTree>
-      <p:nvGrpSpPr>
-        <p:cNvPr id="1" name=""/>
-        <p:cNvGrpSpPr/>
-        <p:nvPr/>
-      </p:nvGrpSpPr>
-      <p:grpSpPr>
-        <a:xfrm>
-          <a:off x="0" y="0"/>
-          <a:ext cx="0" cy="0"/>
-          <a:chOff x="0" y="0"/>
-          <a:chExt cx="0" cy="0"/>
-        </a:xfrm>
-      </p:grpSpPr>
-      <p:sp>
-        <p:nvSpPr>
-          <p:cNvPr id="2" name="Title 1">
-            <a:extLst>
-              <a:ext uri="{FF2B5EF4-FFF2-40B4-BE49-F238E27FC236}">
-                <a16:creationId xmlns:a16="http://schemas.microsoft.com/office/drawing/2014/main" id="{49B61C72-FA3B-48EA-861D-46B179609540}"/>
-              </a:ext>
-            </a:extLst>
-          </p:cNvPr>
-          <p:cNvSpPr>
-            <a:spLocks noGrp="1"/>
-          </p:cNvSpPr>
-          <p:nvPr>
-            <p:ph type="title"/>
-          </p:nvPr>
-        </p:nvSpPr>
-        <p:spPr/>
-        <p:txBody>
-          <a:bodyPr/>
-          <a:lstStyle/>
-          <a:p>
-            <a:r>
-              <a:rPr lang="en-US" dirty="0" err="1"/>
-              <a:t>Concat</a:t>
-            </a:r>
-            <a:r>
-              <a:rPr lang="en-US" dirty="0"/>
-              <a:t> two strings </a:t>
-            </a:r>
-          </a:p>
-        </p:txBody>
-      </p:sp>
-      <p:sp>
-        <p:nvSpPr>
-          <p:cNvPr id="3" name="Content Placeholder 2">
-            <a:extLst>
-              <a:ext uri="{FF2B5EF4-FFF2-40B4-BE49-F238E27FC236}">
-                <a16:creationId xmlns:a16="http://schemas.microsoft.com/office/drawing/2014/main" id="{B802B224-EAED-4C5C-B364-1C2EE94BA9BE}"/>
-              </a:ext>
-            </a:extLst>
-          </p:cNvPr>
-          <p:cNvSpPr>
-            <a:spLocks noGrp="1"/>
-          </p:cNvSpPr>
-          <p:nvPr>
-            <p:ph idx="1"/>
-          </p:nvPr>
-        </p:nvSpPr>
-        <p:spPr/>
-        <p:txBody>
-          <a:bodyPr/>
-          <a:lstStyle/>
-          <a:p>
-            <a:r>
-              <a:rPr lang="en-US" dirty="0"/>
-              <a:t>a = “my name” </a:t>
-            </a:r>
-          </a:p>
-          <a:p>
-            <a:r>
-              <a:rPr lang="en-US" dirty="0"/>
-              <a:t>b = “</a:t>
-            </a:r>
-            <a:r>
-              <a:rPr lang="en-US" dirty="0" err="1"/>
-              <a:t>xyz</a:t>
-            </a:r>
-            <a:r>
-              <a:rPr lang="en-US" dirty="0"/>
-              <a:t>” </a:t>
-            </a:r>
-          </a:p>
-          <a:p>
-            <a:r>
-              <a:rPr lang="en-US" dirty="0"/>
-              <a:t>c = a + b</a:t>
-            </a:r>
-          </a:p>
-          <a:p>
-            <a:r>
-              <a:rPr lang="en-US" dirty="0"/>
-              <a:t>Print(c) </a:t>
-            </a:r>
-          </a:p>
-          <a:p>
-            <a:endParaRPr lang="en-US" dirty="0"/>
-          </a:p>
-        </p:txBody>
-      </p:sp>
-    </p:spTree>
-    <p:extLst>
-      <p:ext uri="{BB962C8B-B14F-4D97-AF65-F5344CB8AC3E}">
-        <p14:creationId xmlns:p14="http://schemas.microsoft.com/office/powerpoint/2010/main" val="2001054306"/>
-      </p:ext>
-    </p:extLst>
-  </p:cSld>
-  <p:clrMapOvr>
-    <a:masterClrMapping/>
-  </p:clrMapOvr>
-</p:sld>
-</file>
-
-<file path=ppt/slides/slide9.xml><?xml version="1.0" encoding="utf-8"?>
-<p:sld xmlns:a="http://schemas.openxmlformats.org/drawingml/2006/main" xmlns:r="http://schemas.openxmlformats.org/officeDocument/2006/relationships" xmlns:p="http://schemas.openxmlformats.org/presentationml/2006/main">
-  <p:cSld>
-    <p:spTree>
-      <p:nvGrpSpPr>
-        <p:cNvPr id="1" name=""/>
-        <p:cNvGrpSpPr/>
-        <p:nvPr/>
-      </p:nvGrpSpPr>
-      <p:grpSpPr>
-        <a:xfrm>
-          <a:off x="0" y="0"/>
-          <a:ext cx="0" cy="0"/>
-          <a:chOff x="0" y="0"/>
-          <a:chExt cx="0" cy="0"/>
-        </a:xfrm>
-      </p:grpSpPr>
-      <p:sp>
-        <p:nvSpPr>
-          <p:cNvPr id="2" name="Title 1">
-            <a:extLst>
-              <a:ext uri="{FF2B5EF4-FFF2-40B4-BE49-F238E27FC236}">
-                <a16:creationId xmlns:a16="http://schemas.microsoft.com/office/drawing/2014/main" id="{205C3B8C-9D53-454F-B981-097863C227DB}"/>
-              </a:ext>
-            </a:extLst>
-          </p:cNvPr>
-          <p:cNvSpPr>
-            <a:spLocks noGrp="1"/>
-          </p:cNvSpPr>
-          <p:nvPr>
-            <p:ph type="title"/>
-          </p:nvPr>
-        </p:nvSpPr>
-        <p:spPr/>
-        <p:txBody>
-          <a:bodyPr/>
-          <a:lstStyle/>
-          <a:p>
-            <a:r>
-              <a:rPr lang="en-US" dirty="0"/>
-              <a:t>Booleans</a:t>
-            </a:r>
-          </a:p>
-        </p:txBody>
-      </p:sp>
-      <p:sp>
-        <p:nvSpPr>
-          <p:cNvPr id="3" name="Content Placeholder 2">
-            <a:extLst>
-              <a:ext uri="{FF2B5EF4-FFF2-40B4-BE49-F238E27FC236}">
-                <a16:creationId xmlns:a16="http://schemas.microsoft.com/office/drawing/2014/main" id="{1A6E18F8-09FE-4FCF-B718-E1F5A121B8DC}"/>
-              </a:ext>
-            </a:extLst>
-          </p:cNvPr>
-          <p:cNvSpPr>
-            <a:spLocks noGrp="1"/>
-          </p:cNvSpPr>
-          <p:nvPr>
-            <p:ph idx="1"/>
-          </p:nvPr>
-        </p:nvSpPr>
-        <p:spPr/>
-        <p:txBody>
-          <a:bodyPr/>
-          <a:lstStyle/>
-          <a:p>
-            <a:r>
-              <a:rPr lang="en-US" dirty="0"/>
-              <a:t>It can be True or False </a:t>
-            </a:r>
-          </a:p>
-          <a:p>
-            <a:r>
-              <a:rPr lang="en-US" dirty="0"/>
-              <a:t>Keyword bool </a:t>
-            </a:r>
-          </a:p>
-        </p:txBody>
-      </p:sp>
-    </p:spTree>
-    <p:extLst>
-      <p:ext uri="{BB962C8B-B14F-4D97-AF65-F5344CB8AC3E}">
-        <p14:creationId xmlns:p14="http://schemas.microsoft.com/office/powerpoint/2010/main" val="3800990825"/>
       </p:ext>
     </p:extLst>
   </p:cSld>

--- a/Class-1/Python For Everyone.pptx
+++ b/Class-1/Python For Everyone.pptx
@@ -9978,6 +9978,52 @@
             </a:r>
           </a:p>
           <a:p>
+            <a:pPr marL="742950" lvl="1" indent="-285750">
+              <a:buFont typeface="Arial" panose="020B0604020202020204" pitchFamily="34" charset="0"/>
+              <a:buChar char="•"/>
+            </a:pPr>
+            <a:r>
+              <a:rPr lang="en-US" dirty="0"/>
+              <a:t>For cloning the repo use the following command </a:t>
+            </a:r>
+          </a:p>
+          <a:p>
+            <a:pPr marL="742950" lvl="1" indent="-285750">
+              <a:buFont typeface="Arial" panose="020B0604020202020204" pitchFamily="34" charset="0"/>
+              <a:buChar char="•"/>
+            </a:pPr>
+            <a:r>
+              <a:rPr lang="en-US" dirty="0">
+                <a:hlinkClick r:id="rId2"/>
+              </a:rPr>
+              <a:t>Git clone https://github.com/avnit/Python-for-everyone.git</a:t>
+            </a:r>
+            <a:endParaRPr lang="en-US" dirty="0"/>
+          </a:p>
+          <a:p>
+            <a:pPr marL="742950" lvl="1" indent="-285750">
+              <a:buFont typeface="Arial" panose="020B0604020202020204" pitchFamily="34" charset="0"/>
+              <a:buChar char="•"/>
+            </a:pPr>
+            <a:r>
+              <a:rPr lang="en-US" dirty="0"/>
+              <a:t>Optional : use extensions – </a:t>
+            </a:r>
+            <a:r>
+              <a:rPr lang="en-US" dirty="0" err="1"/>
+              <a:t>github</a:t>
+            </a:r>
+            <a:r>
+              <a:rPr lang="en-US" dirty="0"/>
+              <a:t> pull </a:t>
+            </a:r>
+            <a:r>
+              <a:rPr lang="en-US"/>
+              <a:t>and python </a:t>
+            </a:r>
+            <a:endParaRPr lang="en-US" dirty="0"/>
+          </a:p>
+          <a:p>
             <a:endParaRPr lang="en-US" dirty="0"/>
           </a:p>
         </p:txBody>
